--- a/slides/20190710-Shiny-deploiement.pptx
+++ b/slides/20190710-Shiny-deploiement.pptx
@@ -1,34 +1,34 @@
 
 <file path=ppt/presentation.xml><?xml version="1.0" encoding="utf-8"?>
-<p:presentation xmlns:a="http://schemas.openxmlformats.org/drawingml/2006/main" xmlns:r="http://schemas.openxmlformats.org/officeDocument/2006/relationships" xmlns:mc="http://schemas.openxmlformats.org/markup-compatibility/2006" xmlns:mv="urn:schemas-microsoft-com:mac:vml" xmlns:p="http://schemas.openxmlformats.org/presentationml/2006/main" xmlns:c="http://schemas.openxmlformats.org/drawingml/2006/chart" xmlns:dgm="http://schemas.openxmlformats.org/drawingml/2006/diagram" xmlns:o="urn:schemas-microsoft-com:office:office" xmlns:v="urn:schemas-microsoft-com:vml" xmlns:pvml="urn:schemas-microsoft-com:office:powerpoint" xmlns:com="http://schemas.openxmlformats.org/drawingml/2006/compatibility" xmlns:p14="http://schemas.microsoft.com/office/powerpoint/2010/main" xmlns:p15="http://schemas.microsoft.com/office/powerpoint/2012/main" autoCompressPictures="0" strictFirstAndLastChars="0" saveSubsetFonts="1">
+<p:presentation xmlns:a="http://schemas.openxmlformats.org/drawingml/2006/main" xmlns:r="http://schemas.openxmlformats.org/officeDocument/2006/relationships" xmlns:p="http://schemas.openxmlformats.org/presentationml/2006/main" strictFirstAndLastChars="0" saveSubsetFonts="1" autoCompressPictures="0">
   <p:sldMasterIdLst>
-    <p:sldMasterId id="2147483659" r:id="rId5"/>
+    <p:sldMasterId id="2147483659" r:id="rId1"/>
   </p:sldMasterIdLst>
   <p:notesMasterIdLst>
-    <p:notesMasterId r:id="rId6"/>
+    <p:notesMasterId r:id="rId18"/>
   </p:notesMasterIdLst>
   <p:sldIdLst>
-    <p:sldId id="256" r:id="rId7"/>
-    <p:sldId id="257" r:id="rId8"/>
-    <p:sldId id="258" r:id="rId9"/>
-    <p:sldId id="259" r:id="rId10"/>
-    <p:sldId id="260" r:id="rId11"/>
-    <p:sldId id="261" r:id="rId12"/>
-    <p:sldId id="262" r:id="rId13"/>
-    <p:sldId id="263" r:id="rId14"/>
-    <p:sldId id="264" r:id="rId15"/>
-    <p:sldId id="265" r:id="rId16"/>
-    <p:sldId id="266" r:id="rId17"/>
-    <p:sldId id="267" r:id="rId18"/>
-    <p:sldId id="268" r:id="rId19"/>
-    <p:sldId id="269" r:id="rId20"/>
-    <p:sldId id="270" r:id="rId21"/>
-    <p:sldId id="271" r:id="rId22"/>
+    <p:sldId id="256" r:id="rId2"/>
+    <p:sldId id="257" r:id="rId3"/>
+    <p:sldId id="258" r:id="rId4"/>
+    <p:sldId id="259" r:id="rId5"/>
+    <p:sldId id="260" r:id="rId6"/>
+    <p:sldId id="261" r:id="rId7"/>
+    <p:sldId id="262" r:id="rId8"/>
+    <p:sldId id="263" r:id="rId9"/>
+    <p:sldId id="264" r:id="rId10"/>
+    <p:sldId id="265" r:id="rId11"/>
+    <p:sldId id="266" r:id="rId12"/>
+    <p:sldId id="267" r:id="rId13"/>
+    <p:sldId id="268" r:id="rId14"/>
+    <p:sldId id="269" r:id="rId15"/>
+    <p:sldId id="270" r:id="rId16"/>
+    <p:sldId id="271" r:id="rId17"/>
   </p:sldIdLst>
-  <p:sldSz cy="5143500" cx="9144000"/>
+  <p:sldSz cx="9144000" cy="5143500" type="screen16x9"/>
   <p:notesSz cx="6858000" cy="9144000"/>
   <p:defaultTextStyle>
-    <a:defPPr lvl="0" marR="0" rtl="0" algn="l">
+    <a:defPPr marR="0" lvl="0" algn="l" rtl="0">
       <a:lnSpc>
         <a:spcPct val="100000"/>
       </a:lnSpc>
@@ -39,7 +39,7 @@
         <a:spcPts val="0"/>
       </a:spcAft>
     </a:defPPr>
-    <a:lvl1pPr lvl="0" marR="0" rtl="0" algn="l">
+    <a:lvl1pPr marR="0" lvl="0" algn="l" rtl="0">
       <a:lnSpc>
         <a:spcPct val="100000"/>
       </a:lnSpc>
@@ -53,7 +53,7 @@
         <a:srgbClr val="000000"/>
       </a:buClr>
       <a:buFont typeface="Arial"/>
-      <a:defRPr b="0" i="0" sz="1400" u="none" cap="none" strike="noStrike">
+      <a:defRPr sz="1400" b="0" i="0" u="none" strike="noStrike" cap="none">
         <a:solidFill>
           <a:srgbClr val="000000"/>
         </a:solidFill>
@@ -63,7 +63,7 @@
         <a:sym typeface="Arial"/>
       </a:defRPr>
     </a:lvl1pPr>
-    <a:lvl2pPr lvl="1" marR="0" rtl="0" algn="l">
+    <a:lvl2pPr marR="0" lvl="1" algn="l" rtl="0">
       <a:lnSpc>
         <a:spcPct val="100000"/>
       </a:lnSpc>
@@ -77,7 +77,7 @@
         <a:srgbClr val="000000"/>
       </a:buClr>
       <a:buFont typeface="Arial"/>
-      <a:defRPr b="0" i="0" sz="1400" u="none" cap="none" strike="noStrike">
+      <a:defRPr sz="1400" b="0" i="0" u="none" strike="noStrike" cap="none">
         <a:solidFill>
           <a:srgbClr val="000000"/>
         </a:solidFill>
@@ -87,7 +87,7 @@
         <a:sym typeface="Arial"/>
       </a:defRPr>
     </a:lvl2pPr>
-    <a:lvl3pPr lvl="2" marR="0" rtl="0" algn="l">
+    <a:lvl3pPr marR="0" lvl="2" algn="l" rtl="0">
       <a:lnSpc>
         <a:spcPct val="100000"/>
       </a:lnSpc>
@@ -101,7 +101,7 @@
         <a:srgbClr val="000000"/>
       </a:buClr>
       <a:buFont typeface="Arial"/>
-      <a:defRPr b="0" i="0" sz="1400" u="none" cap="none" strike="noStrike">
+      <a:defRPr sz="1400" b="0" i="0" u="none" strike="noStrike" cap="none">
         <a:solidFill>
           <a:srgbClr val="000000"/>
         </a:solidFill>
@@ -111,7 +111,7 @@
         <a:sym typeface="Arial"/>
       </a:defRPr>
     </a:lvl3pPr>
-    <a:lvl4pPr lvl="3" marR="0" rtl="0" algn="l">
+    <a:lvl4pPr marR="0" lvl="3" algn="l" rtl="0">
       <a:lnSpc>
         <a:spcPct val="100000"/>
       </a:lnSpc>
@@ -125,7 +125,7 @@
         <a:srgbClr val="000000"/>
       </a:buClr>
       <a:buFont typeface="Arial"/>
-      <a:defRPr b="0" i="0" sz="1400" u="none" cap="none" strike="noStrike">
+      <a:defRPr sz="1400" b="0" i="0" u="none" strike="noStrike" cap="none">
         <a:solidFill>
           <a:srgbClr val="000000"/>
         </a:solidFill>
@@ -135,7 +135,7 @@
         <a:sym typeface="Arial"/>
       </a:defRPr>
     </a:lvl4pPr>
-    <a:lvl5pPr lvl="4" marR="0" rtl="0" algn="l">
+    <a:lvl5pPr marR="0" lvl="4" algn="l" rtl="0">
       <a:lnSpc>
         <a:spcPct val="100000"/>
       </a:lnSpc>
@@ -149,7 +149,7 @@
         <a:srgbClr val="000000"/>
       </a:buClr>
       <a:buFont typeface="Arial"/>
-      <a:defRPr b="0" i="0" sz="1400" u="none" cap="none" strike="noStrike">
+      <a:defRPr sz="1400" b="0" i="0" u="none" strike="noStrike" cap="none">
         <a:solidFill>
           <a:srgbClr val="000000"/>
         </a:solidFill>
@@ -159,7 +159,7 @@
         <a:sym typeface="Arial"/>
       </a:defRPr>
     </a:lvl5pPr>
-    <a:lvl6pPr lvl="5" marR="0" rtl="0" algn="l">
+    <a:lvl6pPr marR="0" lvl="5" algn="l" rtl="0">
       <a:lnSpc>
         <a:spcPct val="100000"/>
       </a:lnSpc>
@@ -173,7 +173,7 @@
         <a:srgbClr val="000000"/>
       </a:buClr>
       <a:buFont typeface="Arial"/>
-      <a:defRPr b="0" i="0" sz="1400" u="none" cap="none" strike="noStrike">
+      <a:defRPr sz="1400" b="0" i="0" u="none" strike="noStrike" cap="none">
         <a:solidFill>
           <a:srgbClr val="000000"/>
         </a:solidFill>
@@ -183,7 +183,7 @@
         <a:sym typeface="Arial"/>
       </a:defRPr>
     </a:lvl6pPr>
-    <a:lvl7pPr lvl="6" marR="0" rtl="0" algn="l">
+    <a:lvl7pPr marR="0" lvl="6" algn="l" rtl="0">
       <a:lnSpc>
         <a:spcPct val="100000"/>
       </a:lnSpc>
@@ -197,7 +197,7 @@
         <a:srgbClr val="000000"/>
       </a:buClr>
       <a:buFont typeface="Arial"/>
-      <a:defRPr b="0" i="0" sz="1400" u="none" cap="none" strike="noStrike">
+      <a:defRPr sz="1400" b="0" i="0" u="none" strike="noStrike" cap="none">
         <a:solidFill>
           <a:srgbClr val="000000"/>
         </a:solidFill>
@@ -207,7 +207,7 @@
         <a:sym typeface="Arial"/>
       </a:defRPr>
     </a:lvl7pPr>
-    <a:lvl8pPr lvl="7" marR="0" rtl="0" algn="l">
+    <a:lvl8pPr marR="0" lvl="7" algn="l" rtl="0">
       <a:lnSpc>
         <a:spcPct val="100000"/>
       </a:lnSpc>
@@ -221,7 +221,7 @@
         <a:srgbClr val="000000"/>
       </a:buClr>
       <a:buFont typeface="Arial"/>
-      <a:defRPr b="0" i="0" sz="1400" u="none" cap="none" strike="noStrike">
+      <a:defRPr sz="1400" b="0" i="0" u="none" strike="noStrike" cap="none">
         <a:solidFill>
           <a:srgbClr val="000000"/>
         </a:solidFill>
@@ -231,7 +231,7 @@
         <a:sym typeface="Arial"/>
       </a:defRPr>
     </a:lvl8pPr>
-    <a:lvl9pPr lvl="8" marR="0" rtl="0" algn="l">
+    <a:lvl9pPr marR="0" lvl="8" algn="l" rtl="0">
       <a:lnSpc>
         <a:spcPct val="100000"/>
       </a:lnSpc>
@@ -245,7 +245,7 @@
         <a:srgbClr val="000000"/>
       </a:buClr>
       <a:buFont typeface="Arial"/>
-      <a:defRPr b="0" i="0" sz="1400" u="none" cap="none" strike="noStrike">
+      <a:defRPr sz="1400" b="0" i="0" u="none" strike="noStrike" cap="none">
         <a:solidFill>
           <a:srgbClr val="000000"/>
         </a:solidFill>
@@ -258,7 +258,7 @@
   </p:defaultTextStyle>
   <p:extLst>
     <p:ext uri="{EFAFB233-063F-42B5-8137-9DF3F51BA10A}">
-      <p15:sldGuideLst>
+      <p15:sldGuideLst xmlns:p15="http://schemas.microsoft.com/office/powerpoint/2012/main">
         <p15:guide id="1" orient="horz" pos="1620">
           <p15:clr>
             <a:srgbClr val="A4A3A4"/>
@@ -276,11 +276,16 @@
 </file>
 
 <file path=ppt/notesMasters/notesMaster1.xml><?xml version="1.0" encoding="utf-8"?>
-<p:notesMaster xmlns:a="http://schemas.openxmlformats.org/drawingml/2006/main" xmlns:r="http://schemas.openxmlformats.org/officeDocument/2006/relationships" xmlns:mc="http://schemas.openxmlformats.org/markup-compatibility/2006" xmlns:mv="urn:schemas-microsoft-com:mac:vml" xmlns:p="http://schemas.openxmlformats.org/presentationml/2006/main" xmlns:c="http://schemas.openxmlformats.org/drawingml/2006/chart" xmlns:dgm="http://schemas.openxmlformats.org/drawingml/2006/diagram" xmlns:o="urn:schemas-microsoft-com:office:office" xmlns:v="urn:schemas-microsoft-com:vml" xmlns:pvml="urn:schemas-microsoft-com:office:powerpoint" xmlns:com="http://schemas.openxmlformats.org/drawingml/2006/compatibility" xmlns:p14="http://schemas.microsoft.com/office/powerpoint/2010/main" xmlns:p15="http://schemas.microsoft.com/office/powerpoint/2012/main">
+<p:notesMaster xmlns:a="http://schemas.openxmlformats.org/drawingml/2006/main" xmlns:r="http://schemas.openxmlformats.org/officeDocument/2006/relationships" xmlns:p="http://schemas.openxmlformats.org/presentationml/2006/main">
   <p:cSld>
+    <p:bg>
+      <p:bgRef idx="1001">
+        <a:schemeClr val="bg1"/>
+      </p:bgRef>
+    </p:bg>
     <p:spTree>
       <p:nvGrpSpPr>
-        <p:cNvPr id="2" name="Shape 2"/>
+        <p:cNvPr id="1" name="Shape 2"/>
         <p:cNvGrpSpPr/>
         <p:nvPr/>
       </p:nvGrpSpPr>
@@ -295,9 +300,11 @@
       <p:sp>
         <p:nvSpPr>
           <p:cNvPr id="3" name="Google Shape;3;n"/>
-          <p:cNvSpPr/>
+          <p:cNvSpPr>
+            <a:spLocks noGrp="1" noRot="1" noChangeAspect="1"/>
+          </p:cNvSpPr>
           <p:nvPr>
-            <p:ph idx="2" type="sldImg"/>
+            <p:ph type="sldImg" idx="2"/>
           </p:nvPr>
         </p:nvSpPr>
         <p:spPr>
@@ -306,9 +313,13 @@
             <a:ext cx="6096075" cy="3429000"/>
           </a:xfrm>
           <a:custGeom>
-            <a:rect b="b" l="l" r="r" t="t"/>
+            <a:avLst/>
+            <a:gdLst/>
+            <a:ahLst/>
+            <a:cxnLst/>
+            <a:rect l="l" t="t" r="r" b="b"/>
             <a:pathLst>
-              <a:path extrusionOk="0" h="120000" w="120000">
+              <a:path w="120000" h="120000" extrusionOk="0">
                 <a:moveTo>
                   <a:pt x="0" y="0"/>
                 </a:moveTo>
@@ -326,23 +337,25 @@
             </a:pathLst>
           </a:custGeom>
           <a:noFill/>
-          <a:ln cap="flat" cmpd="sng" w="9525">
+          <a:ln w="9525" cap="flat" cmpd="sng">
             <a:solidFill>
               <a:srgbClr val="000000"/>
             </a:solidFill>
             <a:prstDash val="solid"/>
             <a:round/>
-            <a:headEnd len="sm" w="sm" type="none"/>
-            <a:tailEnd len="sm" w="sm" type="none"/>
+            <a:headEnd type="none" w="sm" len="sm"/>
+            <a:tailEnd type="none" w="sm" len="sm"/>
           </a:ln>
         </p:spPr>
       </p:sp>
       <p:sp>
         <p:nvSpPr>
           <p:cNvPr id="4" name="Google Shape;4;n"/>
-          <p:cNvSpPr txBox="1"/>
+          <p:cNvSpPr txBox="1">
+            <a:spLocks noGrp="1"/>
+          </p:cNvSpPr>
           <p:nvPr>
-            <p:ph idx="1" type="body"/>
+            <p:ph type="body" idx="1"/>
           </p:nvPr>
         </p:nvSpPr>
         <p:spPr>
@@ -359,11 +372,11 @@
           </a:ln>
         </p:spPr>
         <p:txBody>
-          <a:bodyPr anchorCtr="0" anchor="t" bIns="91425" lIns="91425" spcFirstLastPara="1" rIns="91425" wrap="square" tIns="91425">
+          <a:bodyPr spcFirstLastPara="1" wrap="square" lIns="91425" tIns="91425" rIns="91425" bIns="91425" anchor="t" anchorCtr="0">
             <a:noAutofit/>
           </a:bodyPr>
           <a:lstStyle>
-            <a:lvl1pPr indent="-298450" lvl="0" marL="457200">
+            <a:lvl1pPr marL="457200" lvl="0" indent="-298450">
               <a:spcBef>
                 <a:spcPts val="0"/>
               </a:spcBef>
@@ -374,7 +387,7 @@
               <a:buChar char="●"/>
               <a:defRPr sz="1100"/>
             </a:lvl1pPr>
-            <a:lvl2pPr indent="-298450" lvl="1" marL="914400">
+            <a:lvl2pPr marL="914400" lvl="1" indent="-298450">
               <a:spcBef>
                 <a:spcPts val="0"/>
               </a:spcBef>
@@ -385,7 +398,7 @@
               <a:buChar char="○"/>
               <a:defRPr sz="1100"/>
             </a:lvl2pPr>
-            <a:lvl3pPr indent="-298450" lvl="2" marL="1371600">
+            <a:lvl3pPr marL="1371600" lvl="2" indent="-298450">
               <a:spcBef>
                 <a:spcPts val="0"/>
               </a:spcBef>
@@ -396,7 +409,7 @@
               <a:buChar char="■"/>
               <a:defRPr sz="1100"/>
             </a:lvl3pPr>
-            <a:lvl4pPr indent="-298450" lvl="3" marL="1828800">
+            <a:lvl4pPr marL="1828800" lvl="3" indent="-298450">
               <a:spcBef>
                 <a:spcPts val="0"/>
               </a:spcBef>
@@ -407,7 +420,7 @@
               <a:buChar char="●"/>
               <a:defRPr sz="1100"/>
             </a:lvl4pPr>
-            <a:lvl5pPr indent="-298450" lvl="4" marL="2286000">
+            <a:lvl5pPr marL="2286000" lvl="4" indent="-298450">
               <a:spcBef>
                 <a:spcPts val="0"/>
               </a:spcBef>
@@ -418,7 +431,7 @@
               <a:buChar char="○"/>
               <a:defRPr sz="1100"/>
             </a:lvl5pPr>
-            <a:lvl6pPr indent="-298450" lvl="5" marL="2743200">
+            <a:lvl6pPr marL="2743200" lvl="5" indent="-298450">
               <a:spcBef>
                 <a:spcPts val="0"/>
               </a:spcBef>
@@ -429,7 +442,7 @@
               <a:buChar char="■"/>
               <a:defRPr sz="1100"/>
             </a:lvl6pPr>
-            <a:lvl7pPr indent="-298450" lvl="6" marL="3200400">
+            <a:lvl7pPr marL="3200400" lvl="6" indent="-298450">
               <a:spcBef>
                 <a:spcPts val="0"/>
               </a:spcBef>
@@ -440,7 +453,7 @@
               <a:buChar char="●"/>
               <a:defRPr sz="1100"/>
             </a:lvl7pPr>
-            <a:lvl8pPr indent="-298450" lvl="7" marL="3657600">
+            <a:lvl8pPr marL="3657600" lvl="7" indent="-298450">
               <a:spcBef>
                 <a:spcPts val="0"/>
               </a:spcBef>
@@ -451,7 +464,7 @@
               <a:buChar char="○"/>
               <a:defRPr sz="1100"/>
             </a:lvl8pPr>
-            <a:lvl9pPr indent="-298450" lvl="8" marL="4114800">
+            <a:lvl9pPr marL="4114800" lvl="8" indent="-298450">
               <a:spcBef>
                 <a:spcPts val="0"/>
               </a:spcBef>
@@ -463,14 +476,16 @@
               <a:defRPr sz="1100"/>
             </a:lvl9pPr>
           </a:lstStyle>
-          <a:p/>
+          <a:p>
+            <a:endParaRPr/>
+          </a:p>
         </p:txBody>
       </p:sp>
     </p:spTree>
   </p:cSld>
-  <p:clrMap accent1="accent1" accent2="accent2" accent3="accent3" accent4="accent4" accent5="accent5" accent6="accent6" bg1="lt1" bg2="dk2" tx1="dk1" tx2="lt2" folHlink="folHlink" hlink="hlink"/>
+  <p:clrMap bg1="lt1" tx1="dk1" bg2="dk2" tx2="lt2" accent1="accent1" accent2="accent2" accent3="accent3" accent4="accent4" accent5="accent5" accent6="accent6" hlink="hlink" folHlink="folHlink"/>
   <p:notesStyle>
-    <a:defPPr lvl="0" marR="0" rtl="0" algn="l">
+    <a:defPPr marR="0" lvl="0" algn="l" rtl="0">
       <a:lnSpc>
         <a:spcPct val="100000"/>
       </a:lnSpc>
@@ -481,7 +496,7 @@
         <a:spcPts val="0"/>
       </a:spcAft>
     </a:defPPr>
-    <a:lvl1pPr lvl="0" marR="0" rtl="0" algn="l">
+    <a:lvl1pPr marR="0" lvl="0" algn="l" rtl="0">
       <a:lnSpc>
         <a:spcPct val="100000"/>
       </a:lnSpc>
@@ -495,7 +510,7 @@
         <a:srgbClr val="000000"/>
       </a:buClr>
       <a:buFont typeface="Arial"/>
-      <a:defRPr b="0" i="0" sz="1400" u="none" cap="none" strike="noStrike">
+      <a:defRPr sz="1400" b="0" i="0" u="none" strike="noStrike" cap="none">
         <a:solidFill>
           <a:srgbClr val="000000"/>
         </a:solidFill>
@@ -505,7 +520,7 @@
         <a:sym typeface="Arial"/>
       </a:defRPr>
     </a:lvl1pPr>
-    <a:lvl2pPr lvl="1" marR="0" rtl="0" algn="l">
+    <a:lvl2pPr marR="0" lvl="1" algn="l" rtl="0">
       <a:lnSpc>
         <a:spcPct val="100000"/>
       </a:lnSpc>
@@ -519,7 +534,7 @@
         <a:srgbClr val="000000"/>
       </a:buClr>
       <a:buFont typeface="Arial"/>
-      <a:defRPr b="0" i="0" sz="1400" u="none" cap="none" strike="noStrike">
+      <a:defRPr sz="1400" b="0" i="0" u="none" strike="noStrike" cap="none">
         <a:solidFill>
           <a:srgbClr val="000000"/>
         </a:solidFill>
@@ -529,7 +544,7 @@
         <a:sym typeface="Arial"/>
       </a:defRPr>
     </a:lvl2pPr>
-    <a:lvl3pPr lvl="2" marR="0" rtl="0" algn="l">
+    <a:lvl3pPr marR="0" lvl="2" algn="l" rtl="0">
       <a:lnSpc>
         <a:spcPct val="100000"/>
       </a:lnSpc>
@@ -543,7 +558,7 @@
         <a:srgbClr val="000000"/>
       </a:buClr>
       <a:buFont typeface="Arial"/>
-      <a:defRPr b="0" i="0" sz="1400" u="none" cap="none" strike="noStrike">
+      <a:defRPr sz="1400" b="0" i="0" u="none" strike="noStrike" cap="none">
         <a:solidFill>
           <a:srgbClr val="000000"/>
         </a:solidFill>
@@ -553,7 +568,7 @@
         <a:sym typeface="Arial"/>
       </a:defRPr>
     </a:lvl3pPr>
-    <a:lvl4pPr lvl="3" marR="0" rtl="0" algn="l">
+    <a:lvl4pPr marR="0" lvl="3" algn="l" rtl="0">
       <a:lnSpc>
         <a:spcPct val="100000"/>
       </a:lnSpc>
@@ -567,7 +582,7 @@
         <a:srgbClr val="000000"/>
       </a:buClr>
       <a:buFont typeface="Arial"/>
-      <a:defRPr b="0" i="0" sz="1400" u="none" cap="none" strike="noStrike">
+      <a:defRPr sz="1400" b="0" i="0" u="none" strike="noStrike" cap="none">
         <a:solidFill>
           <a:srgbClr val="000000"/>
         </a:solidFill>
@@ -577,7 +592,7 @@
         <a:sym typeface="Arial"/>
       </a:defRPr>
     </a:lvl4pPr>
-    <a:lvl5pPr lvl="4" marR="0" rtl="0" algn="l">
+    <a:lvl5pPr marR="0" lvl="4" algn="l" rtl="0">
       <a:lnSpc>
         <a:spcPct val="100000"/>
       </a:lnSpc>
@@ -591,7 +606,7 @@
         <a:srgbClr val="000000"/>
       </a:buClr>
       <a:buFont typeface="Arial"/>
-      <a:defRPr b="0" i="0" sz="1400" u="none" cap="none" strike="noStrike">
+      <a:defRPr sz="1400" b="0" i="0" u="none" strike="noStrike" cap="none">
         <a:solidFill>
           <a:srgbClr val="000000"/>
         </a:solidFill>
@@ -601,7 +616,7 @@
         <a:sym typeface="Arial"/>
       </a:defRPr>
     </a:lvl5pPr>
-    <a:lvl6pPr lvl="5" marR="0" rtl="0" algn="l">
+    <a:lvl6pPr marR="0" lvl="5" algn="l" rtl="0">
       <a:lnSpc>
         <a:spcPct val="100000"/>
       </a:lnSpc>
@@ -615,7 +630,7 @@
         <a:srgbClr val="000000"/>
       </a:buClr>
       <a:buFont typeface="Arial"/>
-      <a:defRPr b="0" i="0" sz="1400" u="none" cap="none" strike="noStrike">
+      <a:defRPr sz="1400" b="0" i="0" u="none" strike="noStrike" cap="none">
         <a:solidFill>
           <a:srgbClr val="000000"/>
         </a:solidFill>
@@ -625,7 +640,7 @@
         <a:sym typeface="Arial"/>
       </a:defRPr>
     </a:lvl6pPr>
-    <a:lvl7pPr lvl="6" marR="0" rtl="0" algn="l">
+    <a:lvl7pPr marR="0" lvl="6" algn="l" rtl="0">
       <a:lnSpc>
         <a:spcPct val="100000"/>
       </a:lnSpc>
@@ -639,7 +654,7 @@
         <a:srgbClr val="000000"/>
       </a:buClr>
       <a:buFont typeface="Arial"/>
-      <a:defRPr b="0" i="0" sz="1400" u="none" cap="none" strike="noStrike">
+      <a:defRPr sz="1400" b="0" i="0" u="none" strike="noStrike" cap="none">
         <a:solidFill>
           <a:srgbClr val="000000"/>
         </a:solidFill>
@@ -649,7 +664,7 @@
         <a:sym typeface="Arial"/>
       </a:defRPr>
     </a:lvl7pPr>
-    <a:lvl8pPr lvl="7" marR="0" rtl="0" algn="l">
+    <a:lvl8pPr marR="0" lvl="7" algn="l" rtl="0">
       <a:lnSpc>
         <a:spcPct val="100000"/>
       </a:lnSpc>
@@ -663,7 +678,7 @@
         <a:srgbClr val="000000"/>
       </a:buClr>
       <a:buFont typeface="Arial"/>
-      <a:defRPr b="0" i="0" sz="1400" u="none" cap="none" strike="noStrike">
+      <a:defRPr sz="1400" b="0" i="0" u="none" strike="noStrike" cap="none">
         <a:solidFill>
           <a:srgbClr val="000000"/>
         </a:solidFill>
@@ -673,7 +688,7 @@
         <a:sym typeface="Arial"/>
       </a:defRPr>
     </a:lvl8pPr>
-    <a:lvl9pPr lvl="8" marR="0" rtl="0" algn="l">
+    <a:lvl9pPr marR="0" lvl="8" algn="l" rtl="0">
       <a:lnSpc>
         <a:spcPct val="100000"/>
       </a:lnSpc>
@@ -687,7 +702,7 @@
         <a:srgbClr val="000000"/>
       </a:buClr>
       <a:buFont typeface="Arial"/>
-      <a:defRPr b="0" i="0" sz="1400" u="none" cap="none" strike="noStrike">
+      <a:defRPr sz="1400" b="0" i="0" u="none" strike="noStrike" cap="none">
         <a:solidFill>
           <a:srgbClr val="000000"/>
         </a:solidFill>
@@ -702,11 +717,11 @@
 </file>
 
 <file path=ppt/notesSlides/notesSlide1.xml><?xml version="1.0" encoding="utf-8"?>
-<p:notes xmlns:a="http://schemas.openxmlformats.org/drawingml/2006/main" xmlns:r="http://schemas.openxmlformats.org/officeDocument/2006/relationships" xmlns:mc="http://schemas.openxmlformats.org/markup-compatibility/2006" xmlns:mv="urn:schemas-microsoft-com:mac:vml" xmlns:p="http://schemas.openxmlformats.org/presentationml/2006/main" xmlns:c="http://schemas.openxmlformats.org/drawingml/2006/chart" xmlns:dgm="http://schemas.openxmlformats.org/drawingml/2006/diagram" xmlns:o="urn:schemas-microsoft-com:office:office" xmlns:v="urn:schemas-microsoft-com:vml" xmlns:pvml="urn:schemas-microsoft-com:office:powerpoint" xmlns:com="http://schemas.openxmlformats.org/drawingml/2006/compatibility" xmlns:p14="http://schemas.microsoft.com/office/powerpoint/2010/main" xmlns:p15="http://schemas.microsoft.com/office/powerpoint/2012/main" showMasterPhAnim="0" showMasterSp="0">
+<p:notes xmlns:a="http://schemas.openxmlformats.org/drawingml/2006/main" xmlns:r="http://schemas.openxmlformats.org/officeDocument/2006/relationships" xmlns:p="http://schemas.openxmlformats.org/presentationml/2006/main" showMasterSp="0" showMasterPhAnim="0">
   <p:cSld>
     <p:spTree>
       <p:nvGrpSpPr>
-        <p:cNvPr id="50" name="Shape 50"/>
+        <p:cNvPr id="1" name="Shape 50"/>
         <p:cNvGrpSpPr/>
         <p:nvPr/>
       </p:nvGrpSpPr>
@@ -721,9 +736,11 @@
       <p:sp>
         <p:nvSpPr>
           <p:cNvPr id="51" name="Google Shape;51;p:notes"/>
-          <p:cNvSpPr/>
+          <p:cNvSpPr>
+            <a:spLocks noGrp="1" noRot="1" noChangeAspect="1"/>
+          </p:cNvSpPr>
           <p:nvPr>
-            <p:ph idx="2" type="sldImg"/>
+            <p:ph type="sldImg" idx="2"/>
           </p:nvPr>
         </p:nvSpPr>
         <p:spPr>
@@ -732,9 +749,13 @@
             <a:ext cx="6096075" cy="3429000"/>
           </a:xfrm>
           <a:custGeom>
-            <a:rect b="b" l="l" r="r" t="t"/>
+            <a:avLst/>
+            <a:gdLst/>
+            <a:ahLst/>
+            <a:cxnLst/>
+            <a:rect l="l" t="t" r="r" b="b"/>
             <a:pathLst>
-              <a:path extrusionOk="0" h="120000" w="120000">
+              <a:path w="120000" h="120000" extrusionOk="0">
                 <a:moveTo>
                   <a:pt x="0" y="0"/>
                 </a:moveTo>
@@ -756,9 +777,11 @@
       <p:sp>
         <p:nvSpPr>
           <p:cNvPr id="52" name="Google Shape;52;p:notes"/>
-          <p:cNvSpPr txBox="1"/>
+          <p:cNvSpPr txBox="1">
+            <a:spLocks noGrp="1"/>
+          </p:cNvSpPr>
           <p:nvPr>
-            <p:ph idx="1" type="body"/>
+            <p:ph type="body" idx="1"/>
           </p:nvPr>
         </p:nvSpPr>
         <p:spPr>
@@ -771,23 +794,20 @@
           </a:prstGeom>
         </p:spPr>
         <p:txBody>
-          <a:bodyPr anchorCtr="0" anchor="t" bIns="91425" lIns="91425" spcFirstLastPara="1" rIns="91425" wrap="square" tIns="91425">
+          <a:bodyPr spcFirstLastPara="1" wrap="square" lIns="91425" tIns="91425" rIns="91425" bIns="91425" anchor="t" anchorCtr="0">
             <a:noAutofit/>
           </a:bodyPr>
           <a:lstStyle/>
           <a:p>
-            <a:pPr indent="0" lvl="0" marL="0" rtl="0" algn="l">
-              <a:spcBef>
-                <a:spcPts val="0"/>
-              </a:spcBef>
-              <a:spcAft>
-                <a:spcPts val="0"/>
-              </a:spcAft>
-              <a:buNone/>
-            </a:pPr>
-            <a:r>
-              <a:t/>
-            </a:r>
+            <a:pPr marL="0" lvl="0" indent="0" algn="l" rtl="0">
+              <a:spcBef>
+                <a:spcPts val="0"/>
+              </a:spcBef>
+              <a:spcAft>
+                <a:spcPts val="0"/>
+              </a:spcAft>
+              <a:buNone/>
+            </a:pPr>
             <a:endParaRPr/>
           </a:p>
         </p:txBody>
@@ -801,11 +821,11 @@
 </file>
 
 <file path=ppt/notesSlides/notesSlide10.xml><?xml version="1.0" encoding="utf-8"?>
-<p:notes xmlns:a="http://schemas.openxmlformats.org/drawingml/2006/main" xmlns:r="http://schemas.openxmlformats.org/officeDocument/2006/relationships" xmlns:mc="http://schemas.openxmlformats.org/markup-compatibility/2006" xmlns:mv="urn:schemas-microsoft-com:mac:vml" xmlns:p="http://schemas.openxmlformats.org/presentationml/2006/main" xmlns:c="http://schemas.openxmlformats.org/drawingml/2006/chart" xmlns:dgm="http://schemas.openxmlformats.org/drawingml/2006/diagram" xmlns:o="urn:schemas-microsoft-com:office:office" xmlns:v="urn:schemas-microsoft-com:vml" xmlns:pvml="urn:schemas-microsoft-com:office:powerpoint" xmlns:com="http://schemas.openxmlformats.org/drawingml/2006/compatibility" xmlns:p14="http://schemas.microsoft.com/office/powerpoint/2010/main" xmlns:p15="http://schemas.microsoft.com/office/powerpoint/2012/main" showMasterPhAnim="0" showMasterSp="0">
+<p:notes xmlns:a="http://schemas.openxmlformats.org/drawingml/2006/main" xmlns:r="http://schemas.openxmlformats.org/officeDocument/2006/relationships" xmlns:p="http://schemas.openxmlformats.org/presentationml/2006/main" showMasterSp="0" showMasterPhAnim="0">
   <p:cSld>
     <p:spTree>
       <p:nvGrpSpPr>
-        <p:cNvPr id="104" name="Shape 104"/>
+        <p:cNvPr id="1" name="Shape 104"/>
         <p:cNvGrpSpPr/>
         <p:nvPr/>
       </p:nvGrpSpPr>
@@ -820,9 +840,11 @@
       <p:sp>
         <p:nvSpPr>
           <p:cNvPr id="105" name="Google Shape;105;g5d53949261_0_31:notes"/>
-          <p:cNvSpPr/>
+          <p:cNvSpPr>
+            <a:spLocks noGrp="1" noRot="1" noChangeAspect="1"/>
+          </p:cNvSpPr>
           <p:nvPr>
-            <p:ph idx="2" type="sldImg"/>
+            <p:ph type="sldImg" idx="2"/>
           </p:nvPr>
         </p:nvSpPr>
         <p:spPr>
@@ -831,9 +853,13 @@
             <a:ext cx="6096000" cy="3429000"/>
           </a:xfrm>
           <a:custGeom>
-            <a:rect b="b" l="l" r="r" t="t"/>
+            <a:avLst/>
+            <a:gdLst/>
+            <a:ahLst/>
+            <a:cxnLst/>
+            <a:rect l="l" t="t" r="r" b="b"/>
             <a:pathLst>
-              <a:path extrusionOk="0" h="120000" w="120000">
+              <a:path w="120000" h="120000" extrusionOk="0">
                 <a:moveTo>
                   <a:pt x="0" y="0"/>
                 </a:moveTo>
@@ -855,9 +881,11 @@
       <p:sp>
         <p:nvSpPr>
           <p:cNvPr id="106" name="Google Shape;106;g5d53949261_0_31:notes"/>
-          <p:cNvSpPr txBox="1"/>
+          <p:cNvSpPr txBox="1">
+            <a:spLocks noGrp="1"/>
+          </p:cNvSpPr>
           <p:nvPr>
-            <p:ph idx="1" type="body"/>
+            <p:ph type="body" idx="1"/>
           </p:nvPr>
         </p:nvSpPr>
         <p:spPr>
@@ -870,23 +898,20 @@
           </a:prstGeom>
         </p:spPr>
         <p:txBody>
-          <a:bodyPr anchorCtr="0" anchor="t" bIns="91425" lIns="91425" spcFirstLastPara="1" rIns="91425" wrap="square" tIns="91425">
+          <a:bodyPr spcFirstLastPara="1" wrap="square" lIns="91425" tIns="91425" rIns="91425" bIns="91425" anchor="t" anchorCtr="0">
             <a:noAutofit/>
           </a:bodyPr>
           <a:lstStyle/>
           <a:p>
-            <a:pPr indent="0" lvl="0" marL="0" rtl="0" algn="l">
-              <a:spcBef>
-                <a:spcPts val="0"/>
-              </a:spcBef>
-              <a:spcAft>
-                <a:spcPts val="0"/>
-              </a:spcAft>
-              <a:buNone/>
-            </a:pPr>
-            <a:r>
-              <a:t/>
-            </a:r>
+            <a:pPr marL="0" lvl="0" indent="0" algn="l" rtl="0">
+              <a:spcBef>
+                <a:spcPts val="0"/>
+              </a:spcBef>
+              <a:spcAft>
+                <a:spcPts val="0"/>
+              </a:spcAft>
+              <a:buNone/>
+            </a:pPr>
             <a:endParaRPr/>
           </a:p>
         </p:txBody>
@@ -900,11 +925,11 @@
 </file>
 
 <file path=ppt/notesSlides/notesSlide11.xml><?xml version="1.0" encoding="utf-8"?>
-<p:notes xmlns:a="http://schemas.openxmlformats.org/drawingml/2006/main" xmlns:r="http://schemas.openxmlformats.org/officeDocument/2006/relationships" xmlns:mc="http://schemas.openxmlformats.org/markup-compatibility/2006" xmlns:mv="urn:schemas-microsoft-com:mac:vml" xmlns:p="http://schemas.openxmlformats.org/presentationml/2006/main" xmlns:c="http://schemas.openxmlformats.org/drawingml/2006/chart" xmlns:dgm="http://schemas.openxmlformats.org/drawingml/2006/diagram" xmlns:o="urn:schemas-microsoft-com:office:office" xmlns:v="urn:schemas-microsoft-com:vml" xmlns:pvml="urn:schemas-microsoft-com:office:powerpoint" xmlns:com="http://schemas.openxmlformats.org/drawingml/2006/compatibility" xmlns:p14="http://schemas.microsoft.com/office/powerpoint/2010/main" xmlns:p15="http://schemas.microsoft.com/office/powerpoint/2012/main" showMasterPhAnim="0" showMasterSp="0">
+<p:notes xmlns:a="http://schemas.openxmlformats.org/drawingml/2006/main" xmlns:r="http://schemas.openxmlformats.org/officeDocument/2006/relationships" xmlns:p="http://schemas.openxmlformats.org/presentationml/2006/main" showMasterSp="0" showMasterPhAnim="0">
   <p:cSld>
     <p:spTree>
       <p:nvGrpSpPr>
-        <p:cNvPr id="113" name="Shape 113"/>
+        <p:cNvPr id="1" name="Shape 113"/>
         <p:cNvGrpSpPr/>
         <p:nvPr/>
       </p:nvGrpSpPr>
@@ -919,9 +944,11 @@
       <p:sp>
         <p:nvSpPr>
           <p:cNvPr id="114" name="Google Shape;114;g5d53949261_2_14:notes"/>
-          <p:cNvSpPr/>
+          <p:cNvSpPr>
+            <a:spLocks noGrp="1" noRot="1" noChangeAspect="1"/>
+          </p:cNvSpPr>
           <p:nvPr>
-            <p:ph idx="2" type="sldImg"/>
+            <p:ph type="sldImg" idx="2"/>
           </p:nvPr>
         </p:nvSpPr>
         <p:spPr>
@@ -930,9 +957,13 @@
             <a:ext cx="6096000" cy="3429000"/>
           </a:xfrm>
           <a:custGeom>
-            <a:rect b="b" l="l" r="r" t="t"/>
+            <a:avLst/>
+            <a:gdLst/>
+            <a:ahLst/>
+            <a:cxnLst/>
+            <a:rect l="l" t="t" r="r" b="b"/>
             <a:pathLst>
-              <a:path extrusionOk="0" h="120000" w="120000">
+              <a:path w="120000" h="120000" extrusionOk="0">
                 <a:moveTo>
                   <a:pt x="0" y="0"/>
                 </a:moveTo>
@@ -954,9 +985,11 @@
       <p:sp>
         <p:nvSpPr>
           <p:cNvPr id="115" name="Google Shape;115;g5d53949261_2_14:notes"/>
-          <p:cNvSpPr txBox="1"/>
+          <p:cNvSpPr txBox="1">
+            <a:spLocks noGrp="1"/>
+          </p:cNvSpPr>
           <p:nvPr>
-            <p:ph idx="1" type="body"/>
+            <p:ph type="body" idx="1"/>
           </p:nvPr>
         </p:nvSpPr>
         <p:spPr>
@@ -969,23 +1002,20 @@
           </a:prstGeom>
         </p:spPr>
         <p:txBody>
-          <a:bodyPr anchorCtr="0" anchor="t" bIns="91425" lIns="91425" spcFirstLastPara="1" rIns="91425" wrap="square" tIns="91425">
+          <a:bodyPr spcFirstLastPara="1" wrap="square" lIns="91425" tIns="91425" rIns="91425" bIns="91425" anchor="t" anchorCtr="0">
             <a:noAutofit/>
           </a:bodyPr>
           <a:lstStyle/>
           <a:p>
-            <a:pPr indent="0" lvl="0" marL="0" rtl="0" algn="l">
-              <a:spcBef>
-                <a:spcPts val="0"/>
-              </a:spcBef>
-              <a:spcAft>
-                <a:spcPts val="0"/>
-              </a:spcAft>
-              <a:buNone/>
-            </a:pPr>
-            <a:r>
-              <a:t/>
-            </a:r>
+            <a:pPr marL="0" lvl="0" indent="0" algn="l" rtl="0">
+              <a:spcBef>
+                <a:spcPts val="0"/>
+              </a:spcBef>
+              <a:spcAft>
+                <a:spcPts val="0"/>
+              </a:spcAft>
+              <a:buNone/>
+            </a:pPr>
             <a:endParaRPr/>
           </a:p>
         </p:txBody>
@@ -999,11 +1029,11 @@
 </file>
 
 <file path=ppt/notesSlides/notesSlide12.xml><?xml version="1.0" encoding="utf-8"?>
-<p:notes xmlns:a="http://schemas.openxmlformats.org/drawingml/2006/main" xmlns:r="http://schemas.openxmlformats.org/officeDocument/2006/relationships" xmlns:mc="http://schemas.openxmlformats.org/markup-compatibility/2006" xmlns:mv="urn:schemas-microsoft-com:mac:vml" xmlns:p="http://schemas.openxmlformats.org/presentationml/2006/main" xmlns:c="http://schemas.openxmlformats.org/drawingml/2006/chart" xmlns:dgm="http://schemas.openxmlformats.org/drawingml/2006/diagram" xmlns:o="urn:schemas-microsoft-com:office:office" xmlns:v="urn:schemas-microsoft-com:vml" xmlns:pvml="urn:schemas-microsoft-com:office:powerpoint" xmlns:com="http://schemas.openxmlformats.org/drawingml/2006/compatibility" xmlns:p14="http://schemas.microsoft.com/office/powerpoint/2010/main" xmlns:p15="http://schemas.microsoft.com/office/powerpoint/2012/main" showMasterPhAnim="0" showMasterSp="0">
+<p:notes xmlns:a="http://schemas.openxmlformats.org/drawingml/2006/main" xmlns:r="http://schemas.openxmlformats.org/officeDocument/2006/relationships" xmlns:p="http://schemas.openxmlformats.org/presentationml/2006/main" showMasterSp="0" showMasterPhAnim="0">
   <p:cSld>
     <p:spTree>
       <p:nvGrpSpPr>
-        <p:cNvPr id="119" name="Shape 119"/>
+        <p:cNvPr id="1" name="Shape 119"/>
         <p:cNvGrpSpPr/>
         <p:nvPr/>
       </p:nvGrpSpPr>
@@ -1018,9 +1048,11 @@
       <p:sp>
         <p:nvSpPr>
           <p:cNvPr id="120" name="Google Shape;120;g5d53949261_0_78:notes"/>
-          <p:cNvSpPr/>
+          <p:cNvSpPr>
+            <a:spLocks noGrp="1" noRot="1" noChangeAspect="1"/>
+          </p:cNvSpPr>
           <p:nvPr>
-            <p:ph idx="2" type="sldImg"/>
+            <p:ph type="sldImg" idx="2"/>
           </p:nvPr>
         </p:nvSpPr>
         <p:spPr>
@@ -1029,9 +1061,13 @@
             <a:ext cx="6096000" cy="3429000"/>
           </a:xfrm>
           <a:custGeom>
-            <a:rect b="b" l="l" r="r" t="t"/>
+            <a:avLst/>
+            <a:gdLst/>
+            <a:ahLst/>
+            <a:cxnLst/>
+            <a:rect l="l" t="t" r="r" b="b"/>
             <a:pathLst>
-              <a:path extrusionOk="0" h="120000" w="120000">
+              <a:path w="120000" h="120000" extrusionOk="0">
                 <a:moveTo>
                   <a:pt x="0" y="0"/>
                 </a:moveTo>
@@ -1053,9 +1089,11 @@
       <p:sp>
         <p:nvSpPr>
           <p:cNvPr id="121" name="Google Shape;121;g5d53949261_0_78:notes"/>
-          <p:cNvSpPr txBox="1"/>
+          <p:cNvSpPr txBox="1">
+            <a:spLocks noGrp="1"/>
+          </p:cNvSpPr>
           <p:nvPr>
-            <p:ph idx="1" type="body"/>
+            <p:ph type="body" idx="1"/>
           </p:nvPr>
         </p:nvSpPr>
         <p:spPr>
@@ -1068,23 +1106,20 @@
           </a:prstGeom>
         </p:spPr>
         <p:txBody>
-          <a:bodyPr anchorCtr="0" anchor="t" bIns="91425" lIns="91425" spcFirstLastPara="1" rIns="91425" wrap="square" tIns="91425">
+          <a:bodyPr spcFirstLastPara="1" wrap="square" lIns="91425" tIns="91425" rIns="91425" bIns="91425" anchor="t" anchorCtr="0">
             <a:noAutofit/>
           </a:bodyPr>
           <a:lstStyle/>
           <a:p>
-            <a:pPr indent="0" lvl="0" marL="0" rtl="0" algn="l">
-              <a:spcBef>
-                <a:spcPts val="0"/>
-              </a:spcBef>
-              <a:spcAft>
-                <a:spcPts val="0"/>
-              </a:spcAft>
-              <a:buNone/>
-            </a:pPr>
-            <a:r>
-              <a:t/>
-            </a:r>
+            <a:pPr marL="0" lvl="0" indent="0" algn="l" rtl="0">
+              <a:spcBef>
+                <a:spcPts val="0"/>
+              </a:spcBef>
+              <a:spcAft>
+                <a:spcPts val="0"/>
+              </a:spcAft>
+              <a:buNone/>
+            </a:pPr>
             <a:endParaRPr/>
           </a:p>
         </p:txBody>
@@ -1098,11 +1133,11 @@
 </file>
 
 <file path=ppt/notesSlides/notesSlide13.xml><?xml version="1.0" encoding="utf-8"?>
-<p:notes xmlns:a="http://schemas.openxmlformats.org/drawingml/2006/main" xmlns:r="http://schemas.openxmlformats.org/officeDocument/2006/relationships" xmlns:mc="http://schemas.openxmlformats.org/markup-compatibility/2006" xmlns:mv="urn:schemas-microsoft-com:mac:vml" xmlns:p="http://schemas.openxmlformats.org/presentationml/2006/main" xmlns:c="http://schemas.openxmlformats.org/drawingml/2006/chart" xmlns:dgm="http://schemas.openxmlformats.org/drawingml/2006/diagram" xmlns:o="urn:schemas-microsoft-com:office:office" xmlns:v="urn:schemas-microsoft-com:vml" xmlns:pvml="urn:schemas-microsoft-com:office:powerpoint" xmlns:com="http://schemas.openxmlformats.org/drawingml/2006/compatibility" xmlns:p14="http://schemas.microsoft.com/office/powerpoint/2010/main" xmlns:p15="http://schemas.microsoft.com/office/powerpoint/2012/main" showMasterPhAnim="0" showMasterSp="0">
+<p:notes xmlns:a="http://schemas.openxmlformats.org/drawingml/2006/main" xmlns:r="http://schemas.openxmlformats.org/officeDocument/2006/relationships" xmlns:p="http://schemas.openxmlformats.org/presentationml/2006/main" showMasterSp="0" showMasterPhAnim="0">
   <p:cSld>
     <p:spTree>
       <p:nvGrpSpPr>
-        <p:cNvPr id="129" name="Shape 129"/>
+        <p:cNvPr id="1" name="Shape 129"/>
         <p:cNvGrpSpPr/>
         <p:nvPr/>
       </p:nvGrpSpPr>
@@ -1117,20 +1152,26 @@
       <p:sp>
         <p:nvSpPr>
           <p:cNvPr id="130" name="Google Shape;130;g5d53949261_2_24:notes"/>
-          <p:cNvSpPr/>
+          <p:cNvSpPr>
+            <a:spLocks noGrp="1" noRot="1" noChangeAspect="1"/>
+          </p:cNvSpPr>
           <p:nvPr>
-            <p:ph idx="2" type="sldImg"/>
+            <p:ph type="sldImg" idx="2"/>
           </p:nvPr>
         </p:nvSpPr>
         <p:spPr>
           <a:xfrm>
-            <a:off x="381300" y="685800"/>
+            <a:off x="381000" y="685800"/>
             <a:ext cx="6096000" cy="3429000"/>
           </a:xfrm>
           <a:custGeom>
-            <a:rect b="b" l="l" r="r" t="t"/>
+            <a:avLst/>
+            <a:gdLst/>
+            <a:ahLst/>
+            <a:cxnLst/>
+            <a:rect l="l" t="t" r="r" b="b"/>
             <a:pathLst>
-              <a:path extrusionOk="0" h="120000" w="120000">
+              <a:path w="120000" h="120000" extrusionOk="0">
                 <a:moveTo>
                   <a:pt x="0" y="0"/>
                 </a:moveTo>
@@ -1152,9 +1193,11 @@
       <p:sp>
         <p:nvSpPr>
           <p:cNvPr id="131" name="Google Shape;131;g5d53949261_2_24:notes"/>
-          <p:cNvSpPr txBox="1"/>
+          <p:cNvSpPr txBox="1">
+            <a:spLocks noGrp="1"/>
+          </p:cNvSpPr>
           <p:nvPr>
-            <p:ph idx="1" type="body"/>
+            <p:ph type="body" idx="1"/>
           </p:nvPr>
         </p:nvSpPr>
         <p:spPr>
@@ -1167,23 +1210,20 @@
           </a:prstGeom>
         </p:spPr>
         <p:txBody>
-          <a:bodyPr anchorCtr="0" anchor="t" bIns="91425" lIns="91425" spcFirstLastPara="1" rIns="91425" wrap="square" tIns="91425">
+          <a:bodyPr spcFirstLastPara="1" wrap="square" lIns="91425" tIns="91425" rIns="91425" bIns="91425" anchor="t" anchorCtr="0">
             <a:noAutofit/>
           </a:bodyPr>
           <a:lstStyle/>
           <a:p>
-            <a:pPr indent="0" lvl="0" marL="0" rtl="0" algn="l">
-              <a:spcBef>
-                <a:spcPts val="0"/>
-              </a:spcBef>
-              <a:spcAft>
-                <a:spcPts val="0"/>
-              </a:spcAft>
-              <a:buNone/>
-            </a:pPr>
-            <a:r>
-              <a:t/>
-            </a:r>
+            <a:pPr marL="0" lvl="0" indent="0" algn="l" rtl="0">
+              <a:spcBef>
+                <a:spcPts val="0"/>
+              </a:spcBef>
+              <a:spcAft>
+                <a:spcPts val="0"/>
+              </a:spcAft>
+              <a:buNone/>
+            </a:pPr>
             <a:endParaRPr/>
           </a:p>
         </p:txBody>
@@ -1197,11 +1237,11 @@
 </file>
 
 <file path=ppt/notesSlides/notesSlide14.xml><?xml version="1.0" encoding="utf-8"?>
-<p:notes xmlns:a="http://schemas.openxmlformats.org/drawingml/2006/main" xmlns:r="http://schemas.openxmlformats.org/officeDocument/2006/relationships" xmlns:mc="http://schemas.openxmlformats.org/markup-compatibility/2006" xmlns:mv="urn:schemas-microsoft-com:mac:vml" xmlns:p="http://schemas.openxmlformats.org/presentationml/2006/main" xmlns:c="http://schemas.openxmlformats.org/drawingml/2006/chart" xmlns:dgm="http://schemas.openxmlformats.org/drawingml/2006/diagram" xmlns:o="urn:schemas-microsoft-com:office:office" xmlns:v="urn:schemas-microsoft-com:vml" xmlns:pvml="urn:schemas-microsoft-com:office:powerpoint" xmlns:com="http://schemas.openxmlformats.org/drawingml/2006/compatibility" xmlns:p14="http://schemas.microsoft.com/office/powerpoint/2010/main" xmlns:p15="http://schemas.microsoft.com/office/powerpoint/2012/main" showMasterPhAnim="0" showMasterSp="0">
+<p:notes xmlns:a="http://schemas.openxmlformats.org/drawingml/2006/main" xmlns:r="http://schemas.openxmlformats.org/officeDocument/2006/relationships" xmlns:p="http://schemas.openxmlformats.org/presentationml/2006/main" showMasterSp="0" showMasterPhAnim="0">
   <p:cSld>
     <p:spTree>
       <p:nvGrpSpPr>
-        <p:cNvPr id="135" name="Shape 135"/>
+        <p:cNvPr id="1" name="Shape 135"/>
         <p:cNvGrpSpPr/>
         <p:nvPr/>
       </p:nvGrpSpPr>
@@ -1216,9 +1256,11 @@
       <p:sp>
         <p:nvSpPr>
           <p:cNvPr id="136" name="Google Shape;136;g5d53949261_0_25:notes"/>
-          <p:cNvSpPr/>
+          <p:cNvSpPr>
+            <a:spLocks noGrp="1" noRot="1" noChangeAspect="1"/>
+          </p:cNvSpPr>
           <p:nvPr>
-            <p:ph idx="2" type="sldImg"/>
+            <p:ph type="sldImg" idx="2"/>
           </p:nvPr>
         </p:nvSpPr>
         <p:spPr>
@@ -1227,9 +1269,13 @@
             <a:ext cx="6096000" cy="3429000"/>
           </a:xfrm>
           <a:custGeom>
-            <a:rect b="b" l="l" r="r" t="t"/>
+            <a:avLst/>
+            <a:gdLst/>
+            <a:ahLst/>
+            <a:cxnLst/>
+            <a:rect l="l" t="t" r="r" b="b"/>
             <a:pathLst>
-              <a:path extrusionOk="0" h="120000" w="120000">
+              <a:path w="120000" h="120000" extrusionOk="0">
                 <a:moveTo>
                   <a:pt x="0" y="0"/>
                 </a:moveTo>
@@ -1251,9 +1297,11 @@
       <p:sp>
         <p:nvSpPr>
           <p:cNvPr id="137" name="Google Shape;137;g5d53949261_0_25:notes"/>
-          <p:cNvSpPr txBox="1"/>
+          <p:cNvSpPr txBox="1">
+            <a:spLocks noGrp="1"/>
+          </p:cNvSpPr>
           <p:nvPr>
-            <p:ph idx="1" type="body"/>
+            <p:ph type="body" idx="1"/>
           </p:nvPr>
         </p:nvSpPr>
         <p:spPr>
@@ -1266,23 +1314,20 @@
           </a:prstGeom>
         </p:spPr>
         <p:txBody>
-          <a:bodyPr anchorCtr="0" anchor="t" bIns="91425" lIns="91425" spcFirstLastPara="1" rIns="91425" wrap="square" tIns="91425">
+          <a:bodyPr spcFirstLastPara="1" wrap="square" lIns="91425" tIns="91425" rIns="91425" bIns="91425" anchor="t" anchorCtr="0">
             <a:noAutofit/>
           </a:bodyPr>
           <a:lstStyle/>
           <a:p>
-            <a:pPr indent="0" lvl="0" marL="0" rtl="0" algn="l">
-              <a:spcBef>
-                <a:spcPts val="0"/>
-              </a:spcBef>
-              <a:spcAft>
-                <a:spcPts val="0"/>
-              </a:spcAft>
-              <a:buNone/>
-            </a:pPr>
-            <a:r>
-              <a:t/>
-            </a:r>
+            <a:pPr marL="0" lvl="0" indent="0" algn="l" rtl="0">
+              <a:spcBef>
+                <a:spcPts val="0"/>
+              </a:spcBef>
+              <a:spcAft>
+                <a:spcPts val="0"/>
+              </a:spcAft>
+              <a:buNone/>
+            </a:pPr>
             <a:endParaRPr/>
           </a:p>
         </p:txBody>
@@ -1296,11 +1341,11 @@
 </file>
 
 <file path=ppt/notesSlides/notesSlide15.xml><?xml version="1.0" encoding="utf-8"?>
-<p:notes xmlns:a="http://schemas.openxmlformats.org/drawingml/2006/main" xmlns:r="http://schemas.openxmlformats.org/officeDocument/2006/relationships" xmlns:mc="http://schemas.openxmlformats.org/markup-compatibility/2006" xmlns:mv="urn:schemas-microsoft-com:mac:vml" xmlns:p="http://schemas.openxmlformats.org/presentationml/2006/main" xmlns:c="http://schemas.openxmlformats.org/drawingml/2006/chart" xmlns:dgm="http://schemas.openxmlformats.org/drawingml/2006/diagram" xmlns:o="urn:schemas-microsoft-com:office:office" xmlns:v="urn:schemas-microsoft-com:vml" xmlns:pvml="urn:schemas-microsoft-com:office:powerpoint" xmlns:com="http://schemas.openxmlformats.org/drawingml/2006/compatibility" xmlns:p14="http://schemas.microsoft.com/office/powerpoint/2010/main" xmlns:p15="http://schemas.microsoft.com/office/powerpoint/2012/main" showMasterPhAnim="0" showMasterSp="0">
+<p:notes xmlns:a="http://schemas.openxmlformats.org/drawingml/2006/main" xmlns:r="http://schemas.openxmlformats.org/officeDocument/2006/relationships" xmlns:p="http://schemas.openxmlformats.org/presentationml/2006/main" showMasterSp="0" showMasterPhAnim="0">
   <p:cSld>
     <p:spTree>
       <p:nvGrpSpPr>
-        <p:cNvPr id="141" name="Shape 141"/>
+        <p:cNvPr id="1" name="Shape 141"/>
         <p:cNvGrpSpPr/>
         <p:nvPr/>
       </p:nvGrpSpPr>
@@ -1315,9 +1360,11 @@
       <p:sp>
         <p:nvSpPr>
           <p:cNvPr id="142" name="Google Shape;142;g5d53949261_2_6:notes"/>
-          <p:cNvSpPr/>
+          <p:cNvSpPr>
+            <a:spLocks noGrp="1" noRot="1" noChangeAspect="1"/>
+          </p:cNvSpPr>
           <p:nvPr>
-            <p:ph idx="2" type="sldImg"/>
+            <p:ph type="sldImg" idx="2"/>
           </p:nvPr>
         </p:nvSpPr>
         <p:spPr>
@@ -1326,9 +1373,13 @@
             <a:ext cx="6096000" cy="3429000"/>
           </a:xfrm>
           <a:custGeom>
-            <a:rect b="b" l="l" r="r" t="t"/>
+            <a:avLst/>
+            <a:gdLst/>
+            <a:ahLst/>
+            <a:cxnLst/>
+            <a:rect l="l" t="t" r="r" b="b"/>
             <a:pathLst>
-              <a:path extrusionOk="0" h="120000" w="120000">
+              <a:path w="120000" h="120000" extrusionOk="0">
                 <a:moveTo>
                   <a:pt x="0" y="0"/>
                 </a:moveTo>
@@ -1350,9 +1401,11 @@
       <p:sp>
         <p:nvSpPr>
           <p:cNvPr id="143" name="Google Shape;143;g5d53949261_2_6:notes"/>
-          <p:cNvSpPr txBox="1"/>
+          <p:cNvSpPr txBox="1">
+            <a:spLocks noGrp="1"/>
+          </p:cNvSpPr>
           <p:nvPr>
-            <p:ph idx="1" type="body"/>
+            <p:ph type="body" idx="1"/>
           </p:nvPr>
         </p:nvSpPr>
         <p:spPr>
@@ -1365,23 +1418,20 @@
           </a:prstGeom>
         </p:spPr>
         <p:txBody>
-          <a:bodyPr anchorCtr="0" anchor="t" bIns="91425" lIns="91425" spcFirstLastPara="1" rIns="91425" wrap="square" tIns="91425">
+          <a:bodyPr spcFirstLastPara="1" wrap="square" lIns="91425" tIns="91425" rIns="91425" bIns="91425" anchor="t" anchorCtr="0">
             <a:noAutofit/>
           </a:bodyPr>
           <a:lstStyle/>
           <a:p>
-            <a:pPr indent="0" lvl="0" marL="0" rtl="0" algn="l">
-              <a:spcBef>
-                <a:spcPts val="0"/>
-              </a:spcBef>
-              <a:spcAft>
-                <a:spcPts val="0"/>
-              </a:spcAft>
-              <a:buNone/>
-            </a:pPr>
-            <a:r>
-              <a:t/>
-            </a:r>
+            <a:pPr marL="0" lvl="0" indent="0" algn="l" rtl="0">
+              <a:spcBef>
+                <a:spcPts val="0"/>
+              </a:spcBef>
+              <a:spcAft>
+                <a:spcPts val="0"/>
+              </a:spcAft>
+              <a:buNone/>
+            </a:pPr>
             <a:endParaRPr/>
           </a:p>
         </p:txBody>
@@ -1395,11 +1445,11 @@
 </file>
 
 <file path=ppt/notesSlides/notesSlide16.xml><?xml version="1.0" encoding="utf-8"?>
-<p:notes xmlns:a="http://schemas.openxmlformats.org/drawingml/2006/main" xmlns:r="http://schemas.openxmlformats.org/officeDocument/2006/relationships" xmlns:mc="http://schemas.openxmlformats.org/markup-compatibility/2006" xmlns:mv="urn:schemas-microsoft-com:mac:vml" xmlns:p="http://schemas.openxmlformats.org/presentationml/2006/main" xmlns:c="http://schemas.openxmlformats.org/drawingml/2006/chart" xmlns:dgm="http://schemas.openxmlformats.org/drawingml/2006/diagram" xmlns:o="urn:schemas-microsoft-com:office:office" xmlns:v="urn:schemas-microsoft-com:vml" xmlns:pvml="urn:schemas-microsoft-com:office:powerpoint" xmlns:com="http://schemas.openxmlformats.org/drawingml/2006/compatibility" xmlns:p14="http://schemas.microsoft.com/office/powerpoint/2010/main" xmlns:p15="http://schemas.microsoft.com/office/powerpoint/2012/main" showMasterPhAnim="0" showMasterSp="0">
+<p:notes xmlns:a="http://schemas.openxmlformats.org/drawingml/2006/main" xmlns:r="http://schemas.openxmlformats.org/officeDocument/2006/relationships" xmlns:p="http://schemas.openxmlformats.org/presentationml/2006/main" showMasterSp="0" showMasterPhAnim="0">
   <p:cSld>
     <p:spTree>
       <p:nvGrpSpPr>
-        <p:cNvPr id="147" name="Shape 147"/>
+        <p:cNvPr id="1" name="Shape 147"/>
         <p:cNvGrpSpPr/>
         <p:nvPr/>
       </p:nvGrpSpPr>
@@ -1414,9 +1464,11 @@
       <p:sp>
         <p:nvSpPr>
           <p:cNvPr id="148" name="Google Shape;148;g5d53949261_1_0:notes"/>
-          <p:cNvSpPr/>
+          <p:cNvSpPr>
+            <a:spLocks noGrp="1" noRot="1" noChangeAspect="1"/>
+          </p:cNvSpPr>
           <p:nvPr>
-            <p:ph idx="2" type="sldImg"/>
+            <p:ph type="sldImg" idx="2"/>
           </p:nvPr>
         </p:nvSpPr>
         <p:spPr>
@@ -1425,9 +1477,13 @@
             <a:ext cx="6096000" cy="3429000"/>
           </a:xfrm>
           <a:custGeom>
-            <a:rect b="b" l="l" r="r" t="t"/>
+            <a:avLst/>
+            <a:gdLst/>
+            <a:ahLst/>
+            <a:cxnLst/>
+            <a:rect l="l" t="t" r="r" b="b"/>
             <a:pathLst>
-              <a:path extrusionOk="0" h="120000" w="120000">
+              <a:path w="120000" h="120000" extrusionOk="0">
                 <a:moveTo>
                   <a:pt x="0" y="0"/>
                 </a:moveTo>
@@ -1449,9 +1505,11 @@
       <p:sp>
         <p:nvSpPr>
           <p:cNvPr id="149" name="Google Shape;149;g5d53949261_1_0:notes"/>
-          <p:cNvSpPr txBox="1"/>
+          <p:cNvSpPr txBox="1">
+            <a:spLocks noGrp="1"/>
+          </p:cNvSpPr>
           <p:nvPr>
-            <p:ph idx="1" type="body"/>
+            <p:ph type="body" idx="1"/>
           </p:nvPr>
         </p:nvSpPr>
         <p:spPr>
@@ -1464,23 +1522,20 @@
           </a:prstGeom>
         </p:spPr>
         <p:txBody>
-          <a:bodyPr anchorCtr="0" anchor="t" bIns="91425" lIns="91425" spcFirstLastPara="1" rIns="91425" wrap="square" tIns="91425">
+          <a:bodyPr spcFirstLastPara="1" wrap="square" lIns="91425" tIns="91425" rIns="91425" bIns="91425" anchor="t" anchorCtr="0">
             <a:noAutofit/>
           </a:bodyPr>
           <a:lstStyle/>
           <a:p>
-            <a:pPr indent="0" lvl="0" marL="0" rtl="0" algn="l">
-              <a:spcBef>
-                <a:spcPts val="0"/>
-              </a:spcBef>
-              <a:spcAft>
-                <a:spcPts val="0"/>
-              </a:spcAft>
-              <a:buNone/>
-            </a:pPr>
-            <a:r>
-              <a:t/>
-            </a:r>
+            <a:pPr marL="0" lvl="0" indent="0" algn="l" rtl="0">
+              <a:spcBef>
+                <a:spcPts val="0"/>
+              </a:spcBef>
+              <a:spcAft>
+                <a:spcPts val="0"/>
+              </a:spcAft>
+              <a:buNone/>
+            </a:pPr>
             <a:endParaRPr/>
           </a:p>
         </p:txBody>
@@ -1494,11 +1549,11 @@
 </file>
 
 <file path=ppt/notesSlides/notesSlide2.xml><?xml version="1.0" encoding="utf-8"?>
-<p:notes xmlns:a="http://schemas.openxmlformats.org/drawingml/2006/main" xmlns:r="http://schemas.openxmlformats.org/officeDocument/2006/relationships" xmlns:mc="http://schemas.openxmlformats.org/markup-compatibility/2006" xmlns:mv="urn:schemas-microsoft-com:mac:vml" xmlns:p="http://schemas.openxmlformats.org/presentationml/2006/main" xmlns:c="http://schemas.openxmlformats.org/drawingml/2006/chart" xmlns:dgm="http://schemas.openxmlformats.org/drawingml/2006/diagram" xmlns:o="urn:schemas-microsoft-com:office:office" xmlns:v="urn:schemas-microsoft-com:vml" xmlns:pvml="urn:schemas-microsoft-com:office:powerpoint" xmlns:com="http://schemas.openxmlformats.org/drawingml/2006/compatibility" xmlns:p14="http://schemas.microsoft.com/office/powerpoint/2010/main" xmlns:p15="http://schemas.microsoft.com/office/powerpoint/2012/main" showMasterPhAnim="0" showMasterSp="0">
+<p:notes xmlns:a="http://schemas.openxmlformats.org/drawingml/2006/main" xmlns:r="http://schemas.openxmlformats.org/officeDocument/2006/relationships" xmlns:p="http://schemas.openxmlformats.org/presentationml/2006/main" showMasterSp="0" showMasterPhAnim="0">
   <p:cSld>
     <p:spTree>
       <p:nvGrpSpPr>
-        <p:cNvPr id="56" name="Shape 56"/>
+        <p:cNvPr id="1" name="Shape 56"/>
         <p:cNvGrpSpPr/>
         <p:nvPr/>
       </p:nvGrpSpPr>
@@ -1513,9 +1568,11 @@
       <p:sp>
         <p:nvSpPr>
           <p:cNvPr id="57" name="Google Shape;57;g5d53949261_0_0:notes"/>
-          <p:cNvSpPr/>
+          <p:cNvSpPr>
+            <a:spLocks noGrp="1" noRot="1" noChangeAspect="1"/>
+          </p:cNvSpPr>
           <p:nvPr>
-            <p:ph idx="2" type="sldImg"/>
+            <p:ph type="sldImg" idx="2"/>
           </p:nvPr>
         </p:nvSpPr>
         <p:spPr>
@@ -1524,9 +1581,13 @@
             <a:ext cx="6096000" cy="3429000"/>
           </a:xfrm>
           <a:custGeom>
-            <a:rect b="b" l="l" r="r" t="t"/>
+            <a:avLst/>
+            <a:gdLst/>
+            <a:ahLst/>
+            <a:cxnLst/>
+            <a:rect l="l" t="t" r="r" b="b"/>
             <a:pathLst>
-              <a:path extrusionOk="0" h="120000" w="120000">
+              <a:path w="120000" h="120000" extrusionOk="0">
                 <a:moveTo>
                   <a:pt x="0" y="0"/>
                 </a:moveTo>
@@ -1548,9 +1609,11 @@
       <p:sp>
         <p:nvSpPr>
           <p:cNvPr id="58" name="Google Shape;58;g5d53949261_0_0:notes"/>
-          <p:cNvSpPr txBox="1"/>
+          <p:cNvSpPr txBox="1">
+            <a:spLocks noGrp="1"/>
+          </p:cNvSpPr>
           <p:nvPr>
-            <p:ph idx="1" type="body"/>
+            <p:ph type="body" idx="1"/>
           </p:nvPr>
         </p:nvSpPr>
         <p:spPr>
@@ -1563,23 +1626,20 @@
           </a:prstGeom>
         </p:spPr>
         <p:txBody>
-          <a:bodyPr anchorCtr="0" anchor="t" bIns="91425" lIns="91425" spcFirstLastPara="1" rIns="91425" wrap="square" tIns="91425">
+          <a:bodyPr spcFirstLastPara="1" wrap="square" lIns="91425" tIns="91425" rIns="91425" bIns="91425" anchor="t" anchorCtr="0">
             <a:noAutofit/>
           </a:bodyPr>
           <a:lstStyle/>
           <a:p>
-            <a:pPr indent="0" lvl="0" marL="0" rtl="0" algn="l">
-              <a:spcBef>
-                <a:spcPts val="0"/>
-              </a:spcBef>
-              <a:spcAft>
-                <a:spcPts val="0"/>
-              </a:spcAft>
-              <a:buNone/>
-            </a:pPr>
-            <a:r>
-              <a:t/>
-            </a:r>
+            <a:pPr marL="0" lvl="0" indent="0" algn="l" rtl="0">
+              <a:spcBef>
+                <a:spcPts val="0"/>
+              </a:spcBef>
+              <a:spcAft>
+                <a:spcPts val="0"/>
+              </a:spcAft>
+              <a:buNone/>
+            </a:pPr>
             <a:endParaRPr/>
           </a:p>
         </p:txBody>
@@ -1593,11 +1653,11 @@
 </file>
 
 <file path=ppt/notesSlides/notesSlide3.xml><?xml version="1.0" encoding="utf-8"?>
-<p:notes xmlns:a="http://schemas.openxmlformats.org/drawingml/2006/main" xmlns:r="http://schemas.openxmlformats.org/officeDocument/2006/relationships" xmlns:mc="http://schemas.openxmlformats.org/markup-compatibility/2006" xmlns:mv="urn:schemas-microsoft-com:mac:vml" xmlns:p="http://schemas.openxmlformats.org/presentationml/2006/main" xmlns:c="http://schemas.openxmlformats.org/drawingml/2006/chart" xmlns:dgm="http://schemas.openxmlformats.org/drawingml/2006/diagram" xmlns:o="urn:schemas-microsoft-com:office:office" xmlns:v="urn:schemas-microsoft-com:vml" xmlns:pvml="urn:schemas-microsoft-com:office:powerpoint" xmlns:com="http://schemas.openxmlformats.org/drawingml/2006/compatibility" xmlns:p14="http://schemas.microsoft.com/office/powerpoint/2010/main" xmlns:p15="http://schemas.microsoft.com/office/powerpoint/2012/main" showMasterPhAnim="0" showMasterSp="0">
+<p:notes xmlns:a="http://schemas.openxmlformats.org/drawingml/2006/main" xmlns:r="http://schemas.openxmlformats.org/officeDocument/2006/relationships" xmlns:p="http://schemas.openxmlformats.org/presentationml/2006/main" showMasterSp="0" showMasterPhAnim="0">
   <p:cSld>
     <p:spTree>
       <p:nvGrpSpPr>
-        <p:cNvPr id="62" name="Shape 62"/>
+        <p:cNvPr id="1" name="Shape 62"/>
         <p:cNvGrpSpPr/>
         <p:nvPr/>
       </p:nvGrpSpPr>
@@ -1612,9 +1672,11 @@
       <p:sp>
         <p:nvSpPr>
           <p:cNvPr id="63" name="Google Shape;63;g5d53949261_2_0:notes"/>
-          <p:cNvSpPr/>
+          <p:cNvSpPr>
+            <a:spLocks noGrp="1" noRot="1" noChangeAspect="1"/>
+          </p:cNvSpPr>
           <p:nvPr>
-            <p:ph idx="2" type="sldImg"/>
+            <p:ph type="sldImg" idx="2"/>
           </p:nvPr>
         </p:nvSpPr>
         <p:spPr>
@@ -1623,9 +1685,13 @@
             <a:ext cx="6096000" cy="3429000"/>
           </a:xfrm>
           <a:custGeom>
-            <a:rect b="b" l="l" r="r" t="t"/>
+            <a:avLst/>
+            <a:gdLst/>
+            <a:ahLst/>
+            <a:cxnLst/>
+            <a:rect l="l" t="t" r="r" b="b"/>
             <a:pathLst>
-              <a:path extrusionOk="0" h="120000" w="120000">
+              <a:path w="120000" h="120000" extrusionOk="0">
                 <a:moveTo>
                   <a:pt x="0" y="0"/>
                 </a:moveTo>
@@ -1647,9 +1713,11 @@
       <p:sp>
         <p:nvSpPr>
           <p:cNvPr id="64" name="Google Shape;64;g5d53949261_2_0:notes"/>
-          <p:cNvSpPr txBox="1"/>
+          <p:cNvSpPr txBox="1">
+            <a:spLocks noGrp="1"/>
+          </p:cNvSpPr>
           <p:nvPr>
-            <p:ph idx="1" type="body"/>
+            <p:ph type="body" idx="1"/>
           </p:nvPr>
         </p:nvSpPr>
         <p:spPr>
@@ -1662,23 +1730,20 @@
           </a:prstGeom>
         </p:spPr>
         <p:txBody>
-          <a:bodyPr anchorCtr="0" anchor="t" bIns="91425" lIns="91425" spcFirstLastPara="1" rIns="91425" wrap="square" tIns="91425">
+          <a:bodyPr spcFirstLastPara="1" wrap="square" lIns="91425" tIns="91425" rIns="91425" bIns="91425" anchor="t" anchorCtr="0">
             <a:noAutofit/>
           </a:bodyPr>
           <a:lstStyle/>
           <a:p>
-            <a:pPr indent="0" lvl="0" marL="0" rtl="0" algn="l">
-              <a:spcBef>
-                <a:spcPts val="0"/>
-              </a:spcBef>
-              <a:spcAft>
-                <a:spcPts val="0"/>
-              </a:spcAft>
-              <a:buNone/>
-            </a:pPr>
-            <a:r>
-              <a:t/>
-            </a:r>
+            <a:pPr marL="0" lvl="0" indent="0" algn="l" rtl="0">
+              <a:spcBef>
+                <a:spcPts val="0"/>
+              </a:spcBef>
+              <a:spcAft>
+                <a:spcPts val="0"/>
+              </a:spcAft>
+              <a:buNone/>
+            </a:pPr>
             <a:endParaRPr/>
           </a:p>
         </p:txBody>
@@ -1692,11 +1757,11 @@
 </file>
 
 <file path=ppt/notesSlides/notesSlide4.xml><?xml version="1.0" encoding="utf-8"?>
-<p:notes xmlns:a="http://schemas.openxmlformats.org/drawingml/2006/main" xmlns:r="http://schemas.openxmlformats.org/officeDocument/2006/relationships" xmlns:mc="http://schemas.openxmlformats.org/markup-compatibility/2006" xmlns:mv="urn:schemas-microsoft-com:mac:vml" xmlns:p="http://schemas.openxmlformats.org/presentationml/2006/main" xmlns:c="http://schemas.openxmlformats.org/drawingml/2006/chart" xmlns:dgm="http://schemas.openxmlformats.org/drawingml/2006/diagram" xmlns:o="urn:schemas-microsoft-com:office:office" xmlns:v="urn:schemas-microsoft-com:vml" xmlns:pvml="urn:schemas-microsoft-com:office:powerpoint" xmlns:com="http://schemas.openxmlformats.org/drawingml/2006/compatibility" xmlns:p14="http://schemas.microsoft.com/office/powerpoint/2010/main" xmlns:p15="http://schemas.microsoft.com/office/powerpoint/2012/main" showMasterPhAnim="0" showMasterSp="0">
+<p:notes xmlns:a="http://schemas.openxmlformats.org/drawingml/2006/main" xmlns:r="http://schemas.openxmlformats.org/officeDocument/2006/relationships" xmlns:p="http://schemas.openxmlformats.org/presentationml/2006/main" showMasterSp="0" showMasterPhAnim="0">
   <p:cSld>
     <p:spTree>
       <p:nvGrpSpPr>
-        <p:cNvPr id="67" name="Shape 67"/>
+        <p:cNvPr id="1" name="Shape 67"/>
         <p:cNvGrpSpPr/>
         <p:nvPr/>
       </p:nvGrpSpPr>
@@ -1711,9 +1776,11 @@
       <p:sp>
         <p:nvSpPr>
           <p:cNvPr id="68" name="Google Shape;68;g5d53949261_0_6:notes"/>
-          <p:cNvSpPr/>
+          <p:cNvSpPr>
+            <a:spLocks noGrp="1" noRot="1" noChangeAspect="1"/>
+          </p:cNvSpPr>
           <p:nvPr>
-            <p:ph idx="2" type="sldImg"/>
+            <p:ph type="sldImg" idx="2"/>
           </p:nvPr>
         </p:nvSpPr>
         <p:spPr>
@@ -1722,9 +1789,13 @@
             <a:ext cx="6096000" cy="3429000"/>
           </a:xfrm>
           <a:custGeom>
-            <a:rect b="b" l="l" r="r" t="t"/>
+            <a:avLst/>
+            <a:gdLst/>
+            <a:ahLst/>
+            <a:cxnLst/>
+            <a:rect l="l" t="t" r="r" b="b"/>
             <a:pathLst>
-              <a:path extrusionOk="0" h="120000" w="120000">
+              <a:path w="120000" h="120000" extrusionOk="0">
                 <a:moveTo>
                   <a:pt x="0" y="0"/>
                 </a:moveTo>
@@ -1746,9 +1817,11 @@
       <p:sp>
         <p:nvSpPr>
           <p:cNvPr id="69" name="Google Shape;69;g5d53949261_0_6:notes"/>
-          <p:cNvSpPr txBox="1"/>
+          <p:cNvSpPr txBox="1">
+            <a:spLocks noGrp="1"/>
+          </p:cNvSpPr>
           <p:nvPr>
-            <p:ph idx="1" type="body"/>
+            <p:ph type="body" idx="1"/>
           </p:nvPr>
         </p:nvSpPr>
         <p:spPr>
@@ -1761,23 +1834,20 @@
           </a:prstGeom>
         </p:spPr>
         <p:txBody>
-          <a:bodyPr anchorCtr="0" anchor="t" bIns="91425" lIns="91425" spcFirstLastPara="1" rIns="91425" wrap="square" tIns="91425">
+          <a:bodyPr spcFirstLastPara="1" wrap="square" lIns="91425" tIns="91425" rIns="91425" bIns="91425" anchor="t" anchorCtr="0">
             <a:noAutofit/>
           </a:bodyPr>
           <a:lstStyle/>
           <a:p>
-            <a:pPr indent="0" lvl="0" marL="0" rtl="0" algn="l">
-              <a:spcBef>
-                <a:spcPts val="0"/>
-              </a:spcBef>
-              <a:spcAft>
-                <a:spcPts val="0"/>
-              </a:spcAft>
-              <a:buNone/>
-            </a:pPr>
-            <a:r>
-              <a:t/>
-            </a:r>
+            <a:pPr marL="0" lvl="0" indent="0" algn="l" rtl="0">
+              <a:spcBef>
+                <a:spcPts val="0"/>
+              </a:spcBef>
+              <a:spcAft>
+                <a:spcPts val="0"/>
+              </a:spcAft>
+              <a:buNone/>
+            </a:pPr>
             <a:endParaRPr/>
           </a:p>
         </p:txBody>
@@ -1791,11 +1861,11 @@
 </file>
 
 <file path=ppt/notesSlides/notesSlide5.xml><?xml version="1.0" encoding="utf-8"?>
-<p:notes xmlns:a="http://schemas.openxmlformats.org/drawingml/2006/main" xmlns:r="http://schemas.openxmlformats.org/officeDocument/2006/relationships" xmlns:mc="http://schemas.openxmlformats.org/markup-compatibility/2006" xmlns:mv="urn:schemas-microsoft-com:mac:vml" xmlns:p="http://schemas.openxmlformats.org/presentationml/2006/main" xmlns:c="http://schemas.openxmlformats.org/drawingml/2006/chart" xmlns:dgm="http://schemas.openxmlformats.org/drawingml/2006/diagram" xmlns:o="urn:schemas-microsoft-com:office:office" xmlns:v="urn:schemas-microsoft-com:vml" xmlns:pvml="urn:schemas-microsoft-com:office:powerpoint" xmlns:com="http://schemas.openxmlformats.org/drawingml/2006/compatibility" xmlns:p14="http://schemas.microsoft.com/office/powerpoint/2010/main" xmlns:p15="http://schemas.microsoft.com/office/powerpoint/2012/main" showMasterPhAnim="0" showMasterSp="0">
+<p:notes xmlns:a="http://schemas.openxmlformats.org/drawingml/2006/main" xmlns:r="http://schemas.openxmlformats.org/officeDocument/2006/relationships" xmlns:p="http://schemas.openxmlformats.org/presentationml/2006/main" showMasterSp="0" showMasterPhAnim="0">
   <p:cSld>
     <p:spTree>
       <p:nvGrpSpPr>
-        <p:cNvPr id="73" name="Shape 73"/>
+        <p:cNvPr id="1" name="Shape 73"/>
         <p:cNvGrpSpPr/>
         <p:nvPr/>
       </p:nvGrpSpPr>
@@ -1810,9 +1880,11 @@
       <p:sp>
         <p:nvSpPr>
           <p:cNvPr id="74" name="Google Shape;74;g5d53949261_0_41:notes"/>
-          <p:cNvSpPr/>
+          <p:cNvSpPr>
+            <a:spLocks noGrp="1" noRot="1" noChangeAspect="1"/>
+          </p:cNvSpPr>
           <p:nvPr>
-            <p:ph idx="2" type="sldImg"/>
+            <p:ph type="sldImg" idx="2"/>
           </p:nvPr>
         </p:nvSpPr>
         <p:spPr>
@@ -1821,9 +1893,13 @@
             <a:ext cx="6096000" cy="3429000"/>
           </a:xfrm>
           <a:custGeom>
-            <a:rect b="b" l="l" r="r" t="t"/>
+            <a:avLst/>
+            <a:gdLst/>
+            <a:ahLst/>
+            <a:cxnLst/>
+            <a:rect l="l" t="t" r="r" b="b"/>
             <a:pathLst>
-              <a:path extrusionOk="0" h="120000" w="120000">
+              <a:path w="120000" h="120000" extrusionOk="0">
                 <a:moveTo>
                   <a:pt x="0" y="0"/>
                 </a:moveTo>
@@ -1845,9 +1921,11 @@
       <p:sp>
         <p:nvSpPr>
           <p:cNvPr id="75" name="Google Shape;75;g5d53949261_0_41:notes"/>
-          <p:cNvSpPr txBox="1"/>
+          <p:cNvSpPr txBox="1">
+            <a:spLocks noGrp="1"/>
+          </p:cNvSpPr>
           <p:nvPr>
-            <p:ph idx="1" type="body"/>
+            <p:ph type="body" idx="1"/>
           </p:nvPr>
         </p:nvSpPr>
         <p:spPr>
@@ -1860,23 +1938,20 @@
           </a:prstGeom>
         </p:spPr>
         <p:txBody>
-          <a:bodyPr anchorCtr="0" anchor="t" bIns="91425" lIns="91425" spcFirstLastPara="1" rIns="91425" wrap="square" tIns="91425">
+          <a:bodyPr spcFirstLastPara="1" wrap="square" lIns="91425" tIns="91425" rIns="91425" bIns="91425" anchor="t" anchorCtr="0">
             <a:noAutofit/>
           </a:bodyPr>
           <a:lstStyle/>
           <a:p>
-            <a:pPr indent="0" lvl="0" marL="0" rtl="0" algn="l">
-              <a:spcBef>
-                <a:spcPts val="0"/>
-              </a:spcBef>
-              <a:spcAft>
-                <a:spcPts val="0"/>
-              </a:spcAft>
-              <a:buNone/>
-            </a:pPr>
-            <a:r>
-              <a:t/>
-            </a:r>
+            <a:pPr marL="0" lvl="0" indent="0" algn="l" rtl="0">
+              <a:spcBef>
+                <a:spcPts val="0"/>
+              </a:spcBef>
+              <a:spcAft>
+                <a:spcPts val="0"/>
+              </a:spcAft>
+              <a:buNone/>
+            </a:pPr>
             <a:endParaRPr/>
           </a:p>
         </p:txBody>
@@ -1890,11 +1965,11 @@
 </file>
 
 <file path=ppt/notesSlides/notesSlide6.xml><?xml version="1.0" encoding="utf-8"?>
-<p:notes xmlns:a="http://schemas.openxmlformats.org/drawingml/2006/main" xmlns:r="http://schemas.openxmlformats.org/officeDocument/2006/relationships" xmlns:mc="http://schemas.openxmlformats.org/markup-compatibility/2006" xmlns:mv="urn:schemas-microsoft-com:mac:vml" xmlns:p="http://schemas.openxmlformats.org/presentationml/2006/main" xmlns:c="http://schemas.openxmlformats.org/drawingml/2006/chart" xmlns:dgm="http://schemas.openxmlformats.org/drawingml/2006/diagram" xmlns:o="urn:schemas-microsoft-com:office:office" xmlns:v="urn:schemas-microsoft-com:vml" xmlns:pvml="urn:schemas-microsoft-com:office:powerpoint" xmlns:com="http://schemas.openxmlformats.org/drawingml/2006/compatibility" xmlns:p14="http://schemas.microsoft.com/office/powerpoint/2010/main" xmlns:p15="http://schemas.microsoft.com/office/powerpoint/2012/main" showMasterPhAnim="0" showMasterSp="0">
+<p:notes xmlns:a="http://schemas.openxmlformats.org/drawingml/2006/main" xmlns:r="http://schemas.openxmlformats.org/officeDocument/2006/relationships" xmlns:p="http://schemas.openxmlformats.org/presentationml/2006/main" showMasterSp="0" showMasterPhAnim="0">
   <p:cSld>
     <p:spTree>
       <p:nvGrpSpPr>
-        <p:cNvPr id="78" name="Shape 78"/>
+        <p:cNvPr id="1" name="Shape 78"/>
         <p:cNvGrpSpPr/>
         <p:nvPr/>
       </p:nvGrpSpPr>
@@ -1909,9 +1984,11 @@
       <p:sp>
         <p:nvSpPr>
           <p:cNvPr id="79" name="Google Shape;79;g5d53949261_0_13:notes"/>
-          <p:cNvSpPr/>
+          <p:cNvSpPr>
+            <a:spLocks noGrp="1" noRot="1" noChangeAspect="1"/>
+          </p:cNvSpPr>
           <p:nvPr>
-            <p:ph idx="2" type="sldImg"/>
+            <p:ph type="sldImg" idx="2"/>
           </p:nvPr>
         </p:nvSpPr>
         <p:spPr>
@@ -1920,9 +1997,13 @@
             <a:ext cx="6096000" cy="3429000"/>
           </a:xfrm>
           <a:custGeom>
-            <a:rect b="b" l="l" r="r" t="t"/>
+            <a:avLst/>
+            <a:gdLst/>
+            <a:ahLst/>
+            <a:cxnLst/>
+            <a:rect l="l" t="t" r="r" b="b"/>
             <a:pathLst>
-              <a:path extrusionOk="0" h="120000" w="120000">
+              <a:path w="120000" h="120000" extrusionOk="0">
                 <a:moveTo>
                   <a:pt x="0" y="0"/>
                 </a:moveTo>
@@ -1944,9 +2025,11 @@
       <p:sp>
         <p:nvSpPr>
           <p:cNvPr id="80" name="Google Shape;80;g5d53949261_0_13:notes"/>
-          <p:cNvSpPr txBox="1"/>
+          <p:cNvSpPr txBox="1">
+            <a:spLocks noGrp="1"/>
+          </p:cNvSpPr>
           <p:nvPr>
-            <p:ph idx="1" type="body"/>
+            <p:ph type="body" idx="1"/>
           </p:nvPr>
         </p:nvSpPr>
         <p:spPr>
@@ -1959,23 +2042,20 @@
           </a:prstGeom>
         </p:spPr>
         <p:txBody>
-          <a:bodyPr anchorCtr="0" anchor="t" bIns="91425" lIns="91425" spcFirstLastPara="1" rIns="91425" wrap="square" tIns="91425">
+          <a:bodyPr spcFirstLastPara="1" wrap="square" lIns="91425" tIns="91425" rIns="91425" bIns="91425" anchor="t" anchorCtr="0">
             <a:noAutofit/>
           </a:bodyPr>
           <a:lstStyle/>
           <a:p>
-            <a:pPr indent="0" lvl="0" marL="0" rtl="0" algn="l">
-              <a:spcBef>
-                <a:spcPts val="0"/>
-              </a:spcBef>
-              <a:spcAft>
-                <a:spcPts val="0"/>
-              </a:spcAft>
-              <a:buNone/>
-            </a:pPr>
-            <a:r>
-              <a:t/>
-            </a:r>
+            <a:pPr marL="0" lvl="0" indent="0" algn="l" rtl="0">
+              <a:spcBef>
+                <a:spcPts val="0"/>
+              </a:spcBef>
+              <a:spcAft>
+                <a:spcPts val="0"/>
+              </a:spcAft>
+              <a:buNone/>
+            </a:pPr>
             <a:endParaRPr/>
           </a:p>
         </p:txBody>
@@ -1989,11 +2069,11 @@
 </file>
 
 <file path=ppt/notesSlides/notesSlide7.xml><?xml version="1.0" encoding="utf-8"?>
-<p:notes xmlns:a="http://schemas.openxmlformats.org/drawingml/2006/main" xmlns:r="http://schemas.openxmlformats.org/officeDocument/2006/relationships" xmlns:mc="http://schemas.openxmlformats.org/markup-compatibility/2006" xmlns:mv="urn:schemas-microsoft-com:mac:vml" xmlns:p="http://schemas.openxmlformats.org/presentationml/2006/main" xmlns:c="http://schemas.openxmlformats.org/drawingml/2006/chart" xmlns:dgm="http://schemas.openxmlformats.org/drawingml/2006/diagram" xmlns:o="urn:schemas-microsoft-com:office:office" xmlns:v="urn:schemas-microsoft-com:vml" xmlns:pvml="urn:schemas-microsoft-com:office:powerpoint" xmlns:com="http://schemas.openxmlformats.org/drawingml/2006/compatibility" xmlns:p14="http://schemas.microsoft.com/office/powerpoint/2010/main" xmlns:p15="http://schemas.microsoft.com/office/powerpoint/2012/main" showMasterPhAnim="0" showMasterSp="0">
+<p:notes xmlns:a="http://schemas.openxmlformats.org/drawingml/2006/main" xmlns:r="http://schemas.openxmlformats.org/officeDocument/2006/relationships" xmlns:p="http://schemas.openxmlformats.org/presentationml/2006/main" showMasterSp="0" showMasterPhAnim="0">
   <p:cSld>
     <p:spTree>
       <p:nvGrpSpPr>
-        <p:cNvPr id="84" name="Shape 84"/>
+        <p:cNvPr id="1" name="Shape 84"/>
         <p:cNvGrpSpPr/>
         <p:nvPr/>
       </p:nvGrpSpPr>
@@ -2008,9 +2088,11 @@
       <p:sp>
         <p:nvSpPr>
           <p:cNvPr id="85" name="Google Shape;85;g5d53949261_0_19:notes"/>
-          <p:cNvSpPr/>
+          <p:cNvSpPr>
+            <a:spLocks noGrp="1" noRot="1" noChangeAspect="1"/>
+          </p:cNvSpPr>
           <p:nvPr>
-            <p:ph idx="2" type="sldImg"/>
+            <p:ph type="sldImg" idx="2"/>
           </p:nvPr>
         </p:nvSpPr>
         <p:spPr>
@@ -2019,9 +2101,13 @@
             <a:ext cx="6096000" cy="3429000"/>
           </a:xfrm>
           <a:custGeom>
-            <a:rect b="b" l="l" r="r" t="t"/>
+            <a:avLst/>
+            <a:gdLst/>
+            <a:ahLst/>
+            <a:cxnLst/>
+            <a:rect l="l" t="t" r="r" b="b"/>
             <a:pathLst>
-              <a:path extrusionOk="0" h="120000" w="120000">
+              <a:path w="120000" h="120000" extrusionOk="0">
                 <a:moveTo>
                   <a:pt x="0" y="0"/>
                 </a:moveTo>
@@ -2043,9 +2129,11 @@
       <p:sp>
         <p:nvSpPr>
           <p:cNvPr id="86" name="Google Shape;86;g5d53949261_0_19:notes"/>
-          <p:cNvSpPr txBox="1"/>
+          <p:cNvSpPr txBox="1">
+            <a:spLocks noGrp="1"/>
+          </p:cNvSpPr>
           <p:nvPr>
-            <p:ph idx="1" type="body"/>
+            <p:ph type="body" idx="1"/>
           </p:nvPr>
         </p:nvSpPr>
         <p:spPr>
@@ -2058,23 +2146,20 @@
           </a:prstGeom>
         </p:spPr>
         <p:txBody>
-          <a:bodyPr anchorCtr="0" anchor="t" bIns="91425" lIns="91425" spcFirstLastPara="1" rIns="91425" wrap="square" tIns="91425">
+          <a:bodyPr spcFirstLastPara="1" wrap="square" lIns="91425" tIns="91425" rIns="91425" bIns="91425" anchor="t" anchorCtr="0">
             <a:noAutofit/>
           </a:bodyPr>
           <a:lstStyle/>
           <a:p>
-            <a:pPr indent="0" lvl="0" marL="0" rtl="0" algn="l">
-              <a:spcBef>
-                <a:spcPts val="0"/>
-              </a:spcBef>
-              <a:spcAft>
-                <a:spcPts val="0"/>
-              </a:spcAft>
-              <a:buNone/>
-            </a:pPr>
-            <a:r>
-              <a:t/>
-            </a:r>
+            <a:pPr marL="0" lvl="0" indent="0" algn="l" rtl="0">
+              <a:spcBef>
+                <a:spcPts val="0"/>
+              </a:spcBef>
+              <a:spcAft>
+                <a:spcPts val="0"/>
+              </a:spcAft>
+              <a:buNone/>
+            </a:pPr>
             <a:endParaRPr/>
           </a:p>
         </p:txBody>
@@ -2088,11 +2173,11 @@
 </file>
 
 <file path=ppt/notesSlides/notesSlide8.xml><?xml version="1.0" encoding="utf-8"?>
-<p:notes xmlns:a="http://schemas.openxmlformats.org/drawingml/2006/main" xmlns:r="http://schemas.openxmlformats.org/officeDocument/2006/relationships" xmlns:mc="http://schemas.openxmlformats.org/markup-compatibility/2006" xmlns:mv="urn:schemas-microsoft-com:mac:vml" xmlns:p="http://schemas.openxmlformats.org/presentationml/2006/main" xmlns:c="http://schemas.openxmlformats.org/drawingml/2006/chart" xmlns:dgm="http://schemas.openxmlformats.org/drawingml/2006/diagram" xmlns:o="urn:schemas-microsoft-com:office:office" xmlns:v="urn:schemas-microsoft-com:vml" xmlns:pvml="urn:schemas-microsoft-com:office:powerpoint" xmlns:com="http://schemas.openxmlformats.org/drawingml/2006/compatibility" xmlns:p14="http://schemas.microsoft.com/office/powerpoint/2010/main" xmlns:p15="http://schemas.microsoft.com/office/powerpoint/2012/main" showMasterPhAnim="0" showMasterSp="0">
+<p:notes xmlns:a="http://schemas.openxmlformats.org/drawingml/2006/main" xmlns:r="http://schemas.openxmlformats.org/officeDocument/2006/relationships" xmlns:p="http://schemas.openxmlformats.org/presentationml/2006/main" showMasterSp="0" showMasterPhAnim="0">
   <p:cSld>
     <p:spTree>
       <p:nvGrpSpPr>
-        <p:cNvPr id="90" name="Shape 90"/>
+        <p:cNvPr id="1" name="Shape 90"/>
         <p:cNvGrpSpPr/>
         <p:nvPr/>
       </p:nvGrpSpPr>
@@ -2107,9 +2192,11 @@
       <p:sp>
         <p:nvSpPr>
           <p:cNvPr id="91" name="Google Shape;91;g5d53949261_0_71:notes"/>
-          <p:cNvSpPr/>
+          <p:cNvSpPr>
+            <a:spLocks noGrp="1" noRot="1" noChangeAspect="1"/>
+          </p:cNvSpPr>
           <p:nvPr>
-            <p:ph idx="2" type="sldImg"/>
+            <p:ph type="sldImg" idx="2"/>
           </p:nvPr>
         </p:nvSpPr>
         <p:spPr>
@@ -2118,9 +2205,13 @@
             <a:ext cx="6096000" cy="3429000"/>
           </a:xfrm>
           <a:custGeom>
-            <a:rect b="b" l="l" r="r" t="t"/>
+            <a:avLst/>
+            <a:gdLst/>
+            <a:ahLst/>
+            <a:cxnLst/>
+            <a:rect l="l" t="t" r="r" b="b"/>
             <a:pathLst>
-              <a:path extrusionOk="0" h="120000" w="120000">
+              <a:path w="120000" h="120000" extrusionOk="0">
                 <a:moveTo>
                   <a:pt x="0" y="0"/>
                 </a:moveTo>
@@ -2142,9 +2233,11 @@
       <p:sp>
         <p:nvSpPr>
           <p:cNvPr id="92" name="Google Shape;92;g5d53949261_0_71:notes"/>
-          <p:cNvSpPr txBox="1"/>
+          <p:cNvSpPr txBox="1">
+            <a:spLocks noGrp="1"/>
+          </p:cNvSpPr>
           <p:nvPr>
-            <p:ph idx="1" type="body"/>
+            <p:ph type="body" idx="1"/>
           </p:nvPr>
         </p:nvSpPr>
         <p:spPr>
@@ -2157,23 +2250,20 @@
           </a:prstGeom>
         </p:spPr>
         <p:txBody>
-          <a:bodyPr anchorCtr="0" anchor="t" bIns="91425" lIns="91425" spcFirstLastPara="1" rIns="91425" wrap="square" tIns="91425">
+          <a:bodyPr spcFirstLastPara="1" wrap="square" lIns="91425" tIns="91425" rIns="91425" bIns="91425" anchor="t" anchorCtr="0">
             <a:noAutofit/>
           </a:bodyPr>
           <a:lstStyle/>
           <a:p>
-            <a:pPr indent="0" lvl="0" marL="0" rtl="0" algn="l">
-              <a:spcBef>
-                <a:spcPts val="0"/>
-              </a:spcBef>
-              <a:spcAft>
-                <a:spcPts val="0"/>
-              </a:spcAft>
-              <a:buNone/>
-            </a:pPr>
-            <a:r>
-              <a:t/>
-            </a:r>
+            <a:pPr marL="0" lvl="0" indent="0" algn="l" rtl="0">
+              <a:spcBef>
+                <a:spcPts val="0"/>
+              </a:spcBef>
+              <a:spcAft>
+                <a:spcPts val="0"/>
+              </a:spcAft>
+              <a:buNone/>
+            </a:pPr>
             <a:endParaRPr/>
           </a:p>
         </p:txBody>
@@ -2187,11 +2277,11 @@
 </file>
 
 <file path=ppt/notesSlides/notesSlide9.xml><?xml version="1.0" encoding="utf-8"?>
-<p:notes xmlns:a="http://schemas.openxmlformats.org/drawingml/2006/main" xmlns:r="http://schemas.openxmlformats.org/officeDocument/2006/relationships" xmlns:mc="http://schemas.openxmlformats.org/markup-compatibility/2006" xmlns:mv="urn:schemas-microsoft-com:mac:vml" xmlns:p="http://schemas.openxmlformats.org/presentationml/2006/main" xmlns:c="http://schemas.openxmlformats.org/drawingml/2006/chart" xmlns:dgm="http://schemas.openxmlformats.org/drawingml/2006/diagram" xmlns:o="urn:schemas-microsoft-com:office:office" xmlns:v="urn:schemas-microsoft-com:vml" xmlns:pvml="urn:schemas-microsoft-com:office:powerpoint" xmlns:com="http://schemas.openxmlformats.org/drawingml/2006/compatibility" xmlns:p14="http://schemas.microsoft.com/office/powerpoint/2010/main" xmlns:p15="http://schemas.microsoft.com/office/powerpoint/2012/main" showMasterPhAnim="0" showMasterSp="0">
+<p:notes xmlns:a="http://schemas.openxmlformats.org/drawingml/2006/main" xmlns:r="http://schemas.openxmlformats.org/officeDocument/2006/relationships" xmlns:p="http://schemas.openxmlformats.org/presentationml/2006/main" showMasterSp="0" showMasterPhAnim="0">
   <p:cSld>
     <p:spTree>
       <p:nvGrpSpPr>
-        <p:cNvPr id="97" name="Shape 97"/>
+        <p:cNvPr id="1" name="Shape 97"/>
         <p:cNvGrpSpPr/>
         <p:nvPr/>
       </p:nvGrpSpPr>
@@ -2206,9 +2296,11 @@
       <p:sp>
         <p:nvSpPr>
           <p:cNvPr id="98" name="Google Shape;98;g5d53949261_0_61:notes"/>
-          <p:cNvSpPr/>
+          <p:cNvSpPr>
+            <a:spLocks noGrp="1" noRot="1" noChangeAspect="1"/>
+          </p:cNvSpPr>
           <p:nvPr>
-            <p:ph idx="2" type="sldImg"/>
+            <p:ph type="sldImg" idx="2"/>
           </p:nvPr>
         </p:nvSpPr>
         <p:spPr>
@@ -2217,9 +2309,13 @@
             <a:ext cx="6096000" cy="3429000"/>
           </a:xfrm>
           <a:custGeom>
-            <a:rect b="b" l="l" r="r" t="t"/>
+            <a:avLst/>
+            <a:gdLst/>
+            <a:ahLst/>
+            <a:cxnLst/>
+            <a:rect l="l" t="t" r="r" b="b"/>
             <a:pathLst>
-              <a:path extrusionOk="0" h="120000" w="120000">
+              <a:path w="120000" h="120000" extrusionOk="0">
                 <a:moveTo>
                   <a:pt x="0" y="0"/>
                 </a:moveTo>
@@ -2241,9 +2337,11 @@
       <p:sp>
         <p:nvSpPr>
           <p:cNvPr id="99" name="Google Shape;99;g5d53949261_0_61:notes"/>
-          <p:cNvSpPr txBox="1"/>
+          <p:cNvSpPr txBox="1">
+            <a:spLocks noGrp="1"/>
+          </p:cNvSpPr>
           <p:nvPr>
-            <p:ph idx="1" type="body"/>
+            <p:ph type="body" idx="1"/>
           </p:nvPr>
         </p:nvSpPr>
         <p:spPr>
@@ -2256,23 +2354,20 @@
           </a:prstGeom>
         </p:spPr>
         <p:txBody>
-          <a:bodyPr anchorCtr="0" anchor="t" bIns="91425" lIns="91425" spcFirstLastPara="1" rIns="91425" wrap="square" tIns="91425">
+          <a:bodyPr spcFirstLastPara="1" wrap="square" lIns="91425" tIns="91425" rIns="91425" bIns="91425" anchor="t" anchorCtr="0">
             <a:noAutofit/>
           </a:bodyPr>
           <a:lstStyle/>
           <a:p>
-            <a:pPr indent="0" lvl="0" marL="0" rtl="0" algn="l">
-              <a:spcBef>
-                <a:spcPts val="0"/>
-              </a:spcBef>
-              <a:spcAft>
-                <a:spcPts val="0"/>
-              </a:spcAft>
-              <a:buNone/>
-            </a:pPr>
-            <a:r>
-              <a:t/>
-            </a:r>
+            <a:pPr marL="0" lvl="0" indent="0" algn="l" rtl="0">
+              <a:spcBef>
+                <a:spcPts val="0"/>
+              </a:spcBef>
+              <a:spcAft>
+                <a:spcPts val="0"/>
+              </a:spcAft>
+              <a:buNone/>
+            </a:pPr>
             <a:endParaRPr/>
           </a:p>
         </p:txBody>
@@ -2286,11 +2381,11 @@
 </file>
 
 <file path=ppt/slideLayouts/slideLayout1.xml><?xml version="1.0" encoding="utf-8"?>
-<p:sldLayout xmlns:a="http://schemas.openxmlformats.org/drawingml/2006/main" xmlns:r="http://schemas.openxmlformats.org/officeDocument/2006/relationships" xmlns:mc="http://schemas.openxmlformats.org/markup-compatibility/2006" xmlns:mv="urn:schemas-microsoft-com:mac:vml" xmlns:p="http://schemas.openxmlformats.org/presentationml/2006/main" xmlns:c="http://schemas.openxmlformats.org/drawingml/2006/chart" xmlns:dgm="http://schemas.openxmlformats.org/drawingml/2006/diagram" xmlns:o="urn:schemas-microsoft-com:office:office" xmlns:v="urn:schemas-microsoft-com:vml" xmlns:pvml="urn:schemas-microsoft-com:office:powerpoint" xmlns:com="http://schemas.openxmlformats.org/drawingml/2006/compatibility" xmlns:p14="http://schemas.microsoft.com/office/powerpoint/2010/main" xmlns:p15="http://schemas.microsoft.com/office/powerpoint/2012/main" matchingName="Title slide" type="title">
+<p:sldLayout xmlns:a="http://schemas.openxmlformats.org/drawingml/2006/main" xmlns:r="http://schemas.openxmlformats.org/officeDocument/2006/relationships" xmlns:p="http://schemas.openxmlformats.org/presentationml/2006/main" matchingName="Title slide" type="title">
   <p:cSld name="TITLE">
     <p:spTree>
       <p:nvGrpSpPr>
-        <p:cNvPr id="9" name="Shape 9"/>
+        <p:cNvPr id="1" name="Shape 9"/>
         <p:cNvGrpSpPr/>
         <p:nvPr/>
       </p:nvGrpSpPr>
@@ -2305,7 +2400,9 @@
       <p:sp>
         <p:nvSpPr>
           <p:cNvPr id="10" name="Google Shape;10;p2"/>
-          <p:cNvSpPr txBox="1"/>
+          <p:cNvSpPr txBox="1">
+            <a:spLocks noGrp="1"/>
+          </p:cNvSpPr>
           <p:nvPr>
             <p:ph type="ctrTitle"/>
           </p:nvPr>
@@ -2320,7 +2417,7 @@
           </a:prstGeom>
         </p:spPr>
         <p:txBody>
-          <a:bodyPr anchorCtr="0" anchor="b" bIns="91425" lIns="91425" spcFirstLastPara="1" rIns="91425" wrap="square" tIns="91425">
+          <a:bodyPr spcFirstLastPara="1" wrap="square" lIns="91425" tIns="91425" rIns="91425" bIns="91425" anchor="b" anchorCtr="0">
             <a:noAutofit/>
           </a:bodyPr>
           <a:lstStyle>
@@ -2424,15 +2521,19 @@
               <a:defRPr sz="5200"/>
             </a:lvl9pPr>
           </a:lstStyle>
-          <a:p/>
+          <a:p>
+            <a:endParaRPr/>
+          </a:p>
         </p:txBody>
       </p:sp>
       <p:sp>
         <p:nvSpPr>
           <p:cNvPr id="11" name="Google Shape;11;p2"/>
-          <p:cNvSpPr txBox="1"/>
+          <p:cNvSpPr txBox="1">
+            <a:spLocks noGrp="1"/>
+          </p:cNvSpPr>
           <p:nvPr>
-            <p:ph idx="1" type="subTitle"/>
+            <p:ph type="subTitle" idx="1"/>
           </p:nvPr>
         </p:nvSpPr>
         <p:spPr>
@@ -2445,7 +2546,7 @@
           </a:prstGeom>
         </p:spPr>
         <p:txBody>
-          <a:bodyPr anchorCtr="0" anchor="t" bIns="91425" lIns="91425" spcFirstLastPara="1" rIns="91425" wrap="square" tIns="91425">
+          <a:bodyPr spcFirstLastPara="1" wrap="square" lIns="91425" tIns="91425" rIns="91425" bIns="91425" anchor="t" anchorCtr="0">
             <a:noAutofit/>
           </a:bodyPr>
           <a:lstStyle>
@@ -2576,15 +2677,19 @@
               <a:defRPr sz="2800"/>
             </a:lvl9pPr>
           </a:lstStyle>
-          <a:p/>
+          <a:p>
+            <a:endParaRPr/>
+          </a:p>
         </p:txBody>
       </p:sp>
       <p:sp>
         <p:nvSpPr>
           <p:cNvPr id="12" name="Google Shape;12;p2"/>
-          <p:cNvSpPr txBox="1"/>
+          <p:cNvSpPr txBox="1">
+            <a:spLocks noGrp="1"/>
+          </p:cNvSpPr>
           <p:nvPr>
-            <p:ph idx="12" type="sldNum"/>
+            <p:ph type="sldNum" idx="12"/>
           </p:nvPr>
         </p:nvSpPr>
         <p:spPr>
@@ -2597,7 +2702,7 @@
           </a:prstGeom>
         </p:spPr>
         <p:txBody>
-          <a:bodyPr anchorCtr="0" anchor="ctr" bIns="91425" lIns="91425" spcFirstLastPara="1" rIns="91425" wrap="square" tIns="91425">
+          <a:bodyPr spcFirstLastPara="1" wrap="square" lIns="91425" tIns="91425" rIns="91425" bIns="91425" anchor="ctr" anchorCtr="0">
             <a:noAutofit/>
           </a:bodyPr>
           <a:lstStyle>
@@ -2639,7 +2744,7 @@
             </a:lvl9pPr>
           </a:lstStyle>
           <a:p>
-            <a:pPr indent="0" lvl="0" marL="0" rtl="0" algn="r">
+            <a:pPr marL="0" lvl="0" indent="0" algn="r" rtl="0">
               <a:spcBef>
                 <a:spcPts val="0"/>
               </a:spcBef>
@@ -2650,7 +2755,7 @@
             </a:pPr>
             <a:fld id="{00000000-1234-1234-1234-123412341234}" type="slidenum">
               <a:rPr lang="fr"/>
-              <a:t>‹#›</a:t>
+              <a:t>‹N°›</a:t>
             </a:fld>
             <a:endParaRPr/>
           </a:p>
@@ -2665,11 +2770,11 @@
 </file>
 
 <file path=ppt/slideLayouts/slideLayout10.xml><?xml version="1.0" encoding="utf-8"?>
-<p:sldLayout xmlns:a="http://schemas.openxmlformats.org/drawingml/2006/main" xmlns:r="http://schemas.openxmlformats.org/officeDocument/2006/relationships" xmlns:mc="http://schemas.openxmlformats.org/markup-compatibility/2006" xmlns:mv="urn:schemas-microsoft-com:mac:vml" xmlns:p="http://schemas.openxmlformats.org/presentationml/2006/main" xmlns:c="http://schemas.openxmlformats.org/drawingml/2006/chart" xmlns:dgm="http://schemas.openxmlformats.org/drawingml/2006/diagram" xmlns:o="urn:schemas-microsoft-com:office:office" xmlns:v="urn:schemas-microsoft-com:vml" xmlns:pvml="urn:schemas-microsoft-com:office:powerpoint" xmlns:com="http://schemas.openxmlformats.org/drawingml/2006/compatibility" xmlns:p14="http://schemas.microsoft.com/office/powerpoint/2010/main" xmlns:p15="http://schemas.microsoft.com/office/powerpoint/2012/main" matchingName="Big number">
+<p:sldLayout xmlns:a="http://schemas.openxmlformats.org/drawingml/2006/main" xmlns:r="http://schemas.openxmlformats.org/officeDocument/2006/relationships" xmlns:p="http://schemas.openxmlformats.org/presentationml/2006/main" matchingName="Big number">
   <p:cSld name="BIG_NUMBER">
     <p:spTree>
       <p:nvGrpSpPr>
-        <p:cNvPr id="44" name="Shape 44"/>
+        <p:cNvPr id="1" name="Shape 44"/>
         <p:cNvGrpSpPr/>
         <p:nvPr/>
       </p:nvGrpSpPr>
@@ -2684,9 +2789,11 @@
       <p:sp>
         <p:nvSpPr>
           <p:cNvPr id="45" name="Google Shape;45;p11"/>
-          <p:cNvSpPr txBox="1"/>
+          <p:cNvSpPr txBox="1">
+            <a:spLocks noGrp="1"/>
+          </p:cNvSpPr>
           <p:nvPr>
-            <p:ph hasCustomPrompt="1" type="title"/>
+            <p:ph type="title" hasCustomPrompt="1"/>
           </p:nvPr>
         </p:nvSpPr>
         <p:spPr>
@@ -2699,7 +2806,7 @@
           </a:prstGeom>
         </p:spPr>
         <p:txBody>
-          <a:bodyPr anchorCtr="0" anchor="b" bIns="91425" lIns="91425" spcFirstLastPara="1" rIns="91425" wrap="square" tIns="91425">
+          <a:bodyPr spcFirstLastPara="1" wrap="square" lIns="91425" tIns="91425" rIns="91425" bIns="91425" anchor="b" anchorCtr="0">
             <a:noAutofit/>
           </a:bodyPr>
           <a:lstStyle>
@@ -2813,9 +2920,11 @@
       <p:sp>
         <p:nvSpPr>
           <p:cNvPr id="46" name="Google Shape;46;p11"/>
-          <p:cNvSpPr txBox="1"/>
+          <p:cNvSpPr txBox="1">
+            <a:spLocks noGrp="1"/>
+          </p:cNvSpPr>
           <p:nvPr>
-            <p:ph idx="1" type="body"/>
+            <p:ph type="body" idx="1"/>
           </p:nvPr>
         </p:nvSpPr>
         <p:spPr>
@@ -2828,11 +2937,11 @@
           </a:prstGeom>
         </p:spPr>
         <p:txBody>
-          <a:bodyPr anchorCtr="0" anchor="t" bIns="91425" lIns="91425" spcFirstLastPara="1" rIns="91425" wrap="square" tIns="91425">
+          <a:bodyPr spcFirstLastPara="1" wrap="square" lIns="91425" tIns="91425" rIns="91425" bIns="91425" anchor="t" anchorCtr="0">
             <a:noAutofit/>
           </a:bodyPr>
           <a:lstStyle>
-            <a:lvl1pPr indent="-342900" lvl="0" marL="457200" algn="ctr">
+            <a:lvl1pPr marL="457200" lvl="0" indent="-342900" algn="ctr">
               <a:spcBef>
                 <a:spcPts val="0"/>
               </a:spcBef>
@@ -2843,7 +2952,7 @@
               <a:buChar char="●"/>
               <a:defRPr/>
             </a:lvl1pPr>
-            <a:lvl2pPr indent="-317500" lvl="1" marL="914400" algn="ctr">
+            <a:lvl2pPr marL="914400" lvl="1" indent="-317500" algn="ctr">
               <a:spcBef>
                 <a:spcPts val="1600"/>
               </a:spcBef>
@@ -2854,7 +2963,7 @@
               <a:buChar char="○"/>
               <a:defRPr/>
             </a:lvl2pPr>
-            <a:lvl3pPr indent="-317500" lvl="2" marL="1371600" algn="ctr">
+            <a:lvl3pPr marL="1371600" lvl="2" indent="-317500" algn="ctr">
               <a:spcBef>
                 <a:spcPts val="1600"/>
               </a:spcBef>
@@ -2865,7 +2974,7 @@
               <a:buChar char="■"/>
               <a:defRPr/>
             </a:lvl3pPr>
-            <a:lvl4pPr indent="-317500" lvl="3" marL="1828800" algn="ctr">
+            <a:lvl4pPr marL="1828800" lvl="3" indent="-317500" algn="ctr">
               <a:spcBef>
                 <a:spcPts val="1600"/>
               </a:spcBef>
@@ -2876,7 +2985,7 @@
               <a:buChar char="●"/>
               <a:defRPr/>
             </a:lvl4pPr>
-            <a:lvl5pPr indent="-317500" lvl="4" marL="2286000" algn="ctr">
+            <a:lvl5pPr marL="2286000" lvl="4" indent="-317500" algn="ctr">
               <a:spcBef>
                 <a:spcPts val="1600"/>
               </a:spcBef>
@@ -2887,7 +2996,7 @@
               <a:buChar char="○"/>
               <a:defRPr/>
             </a:lvl5pPr>
-            <a:lvl6pPr indent="-317500" lvl="5" marL="2743200" algn="ctr">
+            <a:lvl6pPr marL="2743200" lvl="5" indent="-317500" algn="ctr">
               <a:spcBef>
                 <a:spcPts val="1600"/>
               </a:spcBef>
@@ -2898,7 +3007,7 @@
               <a:buChar char="■"/>
               <a:defRPr/>
             </a:lvl6pPr>
-            <a:lvl7pPr indent="-317500" lvl="6" marL="3200400" algn="ctr">
+            <a:lvl7pPr marL="3200400" lvl="6" indent="-317500" algn="ctr">
               <a:spcBef>
                 <a:spcPts val="1600"/>
               </a:spcBef>
@@ -2909,7 +3018,7 @@
               <a:buChar char="●"/>
               <a:defRPr/>
             </a:lvl7pPr>
-            <a:lvl8pPr indent="-317500" lvl="7" marL="3657600" algn="ctr">
+            <a:lvl8pPr marL="3657600" lvl="7" indent="-317500" algn="ctr">
               <a:spcBef>
                 <a:spcPts val="1600"/>
               </a:spcBef>
@@ -2920,7 +3029,7 @@
               <a:buChar char="○"/>
               <a:defRPr/>
             </a:lvl8pPr>
-            <a:lvl9pPr indent="-317500" lvl="8" marL="4114800" algn="ctr">
+            <a:lvl9pPr marL="4114800" lvl="8" indent="-317500" algn="ctr">
               <a:spcBef>
                 <a:spcPts val="1600"/>
               </a:spcBef>
@@ -2932,15 +3041,19 @@
               <a:defRPr/>
             </a:lvl9pPr>
           </a:lstStyle>
-          <a:p/>
+          <a:p>
+            <a:endParaRPr/>
+          </a:p>
         </p:txBody>
       </p:sp>
       <p:sp>
         <p:nvSpPr>
           <p:cNvPr id="47" name="Google Shape;47;p11"/>
-          <p:cNvSpPr txBox="1"/>
+          <p:cNvSpPr txBox="1">
+            <a:spLocks noGrp="1"/>
+          </p:cNvSpPr>
           <p:nvPr>
-            <p:ph idx="12" type="sldNum"/>
+            <p:ph type="sldNum" idx="12"/>
           </p:nvPr>
         </p:nvSpPr>
         <p:spPr>
@@ -2953,7 +3066,7 @@
           </a:prstGeom>
         </p:spPr>
         <p:txBody>
-          <a:bodyPr anchorCtr="0" anchor="ctr" bIns="91425" lIns="91425" spcFirstLastPara="1" rIns="91425" wrap="square" tIns="91425">
+          <a:bodyPr spcFirstLastPara="1" wrap="square" lIns="91425" tIns="91425" rIns="91425" bIns="91425" anchor="ctr" anchorCtr="0">
             <a:noAutofit/>
           </a:bodyPr>
           <a:lstStyle>
@@ -2995,7 +3108,7 @@
             </a:lvl9pPr>
           </a:lstStyle>
           <a:p>
-            <a:pPr indent="0" lvl="0" marL="0" rtl="0" algn="r">
+            <a:pPr marL="0" lvl="0" indent="0" algn="r" rtl="0">
               <a:spcBef>
                 <a:spcPts val="0"/>
               </a:spcBef>
@@ -3006,7 +3119,7 @@
             </a:pPr>
             <a:fld id="{00000000-1234-1234-1234-123412341234}" type="slidenum">
               <a:rPr lang="fr"/>
-              <a:t>‹#›</a:t>
+              <a:t>‹N°›</a:t>
             </a:fld>
             <a:endParaRPr/>
           </a:p>
@@ -3021,11 +3134,11 @@
 </file>
 
 <file path=ppt/slideLayouts/slideLayout11.xml><?xml version="1.0" encoding="utf-8"?>
-<p:sldLayout xmlns:a="http://schemas.openxmlformats.org/drawingml/2006/main" xmlns:r="http://schemas.openxmlformats.org/officeDocument/2006/relationships" xmlns:mc="http://schemas.openxmlformats.org/markup-compatibility/2006" xmlns:mv="urn:schemas-microsoft-com:mac:vml" xmlns:p="http://schemas.openxmlformats.org/presentationml/2006/main" xmlns:c="http://schemas.openxmlformats.org/drawingml/2006/chart" xmlns:dgm="http://schemas.openxmlformats.org/drawingml/2006/diagram" xmlns:o="urn:schemas-microsoft-com:office:office" xmlns:v="urn:schemas-microsoft-com:vml" xmlns:pvml="urn:schemas-microsoft-com:office:powerpoint" xmlns:com="http://schemas.openxmlformats.org/drawingml/2006/compatibility" xmlns:p14="http://schemas.microsoft.com/office/powerpoint/2010/main" xmlns:p15="http://schemas.microsoft.com/office/powerpoint/2012/main" matchingName="Blank" type="blank">
+<p:sldLayout xmlns:a="http://schemas.openxmlformats.org/drawingml/2006/main" xmlns:r="http://schemas.openxmlformats.org/officeDocument/2006/relationships" xmlns:p="http://schemas.openxmlformats.org/presentationml/2006/main" matchingName="Blank" type="blank">
   <p:cSld name="BLANK">
     <p:spTree>
       <p:nvGrpSpPr>
-        <p:cNvPr id="48" name="Shape 48"/>
+        <p:cNvPr id="1" name="Shape 48"/>
         <p:cNvGrpSpPr/>
         <p:nvPr/>
       </p:nvGrpSpPr>
@@ -3040,9 +3153,11 @@
       <p:sp>
         <p:nvSpPr>
           <p:cNvPr id="49" name="Google Shape;49;p12"/>
-          <p:cNvSpPr txBox="1"/>
+          <p:cNvSpPr txBox="1">
+            <a:spLocks noGrp="1"/>
+          </p:cNvSpPr>
           <p:nvPr>
-            <p:ph idx="12" type="sldNum"/>
+            <p:ph type="sldNum" idx="12"/>
           </p:nvPr>
         </p:nvSpPr>
         <p:spPr>
@@ -3055,7 +3170,7 @@
           </a:prstGeom>
         </p:spPr>
         <p:txBody>
-          <a:bodyPr anchorCtr="0" anchor="ctr" bIns="91425" lIns="91425" spcFirstLastPara="1" rIns="91425" wrap="square" tIns="91425">
+          <a:bodyPr spcFirstLastPara="1" wrap="square" lIns="91425" tIns="91425" rIns="91425" bIns="91425" anchor="ctr" anchorCtr="0">
             <a:noAutofit/>
           </a:bodyPr>
           <a:lstStyle>
@@ -3097,7 +3212,7 @@
             </a:lvl9pPr>
           </a:lstStyle>
           <a:p>
-            <a:pPr indent="0" lvl="0" marL="0" rtl="0" algn="r">
+            <a:pPr marL="0" lvl="0" indent="0" algn="r" rtl="0">
               <a:spcBef>
                 <a:spcPts val="0"/>
               </a:spcBef>
@@ -3108,7 +3223,7 @@
             </a:pPr>
             <a:fld id="{00000000-1234-1234-1234-123412341234}" type="slidenum">
               <a:rPr lang="fr"/>
-              <a:t>‹#›</a:t>
+              <a:t>‹N°›</a:t>
             </a:fld>
             <a:endParaRPr/>
           </a:p>
@@ -3123,11 +3238,11 @@
 </file>
 
 <file path=ppt/slideLayouts/slideLayout2.xml><?xml version="1.0" encoding="utf-8"?>
-<p:sldLayout xmlns:a="http://schemas.openxmlformats.org/drawingml/2006/main" xmlns:r="http://schemas.openxmlformats.org/officeDocument/2006/relationships" xmlns:mc="http://schemas.openxmlformats.org/markup-compatibility/2006" xmlns:mv="urn:schemas-microsoft-com:mac:vml" xmlns:p="http://schemas.openxmlformats.org/presentationml/2006/main" xmlns:c="http://schemas.openxmlformats.org/drawingml/2006/chart" xmlns:dgm="http://schemas.openxmlformats.org/drawingml/2006/diagram" xmlns:o="urn:schemas-microsoft-com:office:office" xmlns:v="urn:schemas-microsoft-com:vml" xmlns:pvml="urn:schemas-microsoft-com:office:powerpoint" xmlns:com="http://schemas.openxmlformats.org/drawingml/2006/compatibility" xmlns:p14="http://schemas.microsoft.com/office/powerpoint/2010/main" xmlns:p15="http://schemas.microsoft.com/office/powerpoint/2012/main" matchingName="Section header" type="secHead">
+<p:sldLayout xmlns:a="http://schemas.openxmlformats.org/drawingml/2006/main" xmlns:r="http://schemas.openxmlformats.org/officeDocument/2006/relationships" xmlns:p="http://schemas.openxmlformats.org/presentationml/2006/main" matchingName="Section header" type="secHead">
   <p:cSld name="SECTION_HEADER">
     <p:spTree>
       <p:nvGrpSpPr>
-        <p:cNvPr id="13" name="Shape 13"/>
+        <p:cNvPr id="1" name="Shape 13"/>
         <p:cNvGrpSpPr/>
         <p:nvPr/>
       </p:nvGrpSpPr>
@@ -3142,7 +3257,9 @@
       <p:sp>
         <p:nvSpPr>
           <p:cNvPr id="14" name="Google Shape;14;p3"/>
-          <p:cNvSpPr txBox="1"/>
+          <p:cNvSpPr txBox="1">
+            <a:spLocks noGrp="1"/>
+          </p:cNvSpPr>
           <p:nvPr>
             <p:ph type="title"/>
           </p:nvPr>
@@ -3157,7 +3274,7 @@
           </a:prstGeom>
         </p:spPr>
         <p:txBody>
-          <a:bodyPr anchorCtr="0" anchor="ctr" bIns="91425" lIns="91425" spcFirstLastPara="1" rIns="91425" wrap="square" tIns="91425">
+          <a:bodyPr spcFirstLastPara="1" wrap="square" lIns="91425" tIns="91425" rIns="91425" bIns="91425" anchor="ctr" anchorCtr="0">
             <a:noAutofit/>
           </a:bodyPr>
           <a:lstStyle>
@@ -3261,15 +3378,19 @@
               <a:defRPr sz="3600"/>
             </a:lvl9pPr>
           </a:lstStyle>
-          <a:p/>
+          <a:p>
+            <a:endParaRPr/>
+          </a:p>
         </p:txBody>
       </p:sp>
       <p:sp>
         <p:nvSpPr>
           <p:cNvPr id="15" name="Google Shape;15;p3"/>
-          <p:cNvSpPr txBox="1"/>
+          <p:cNvSpPr txBox="1">
+            <a:spLocks noGrp="1"/>
+          </p:cNvSpPr>
           <p:nvPr>
-            <p:ph idx="12" type="sldNum"/>
+            <p:ph type="sldNum" idx="12"/>
           </p:nvPr>
         </p:nvSpPr>
         <p:spPr>
@@ -3282,7 +3403,7 @@
           </a:prstGeom>
         </p:spPr>
         <p:txBody>
-          <a:bodyPr anchorCtr="0" anchor="ctr" bIns="91425" lIns="91425" spcFirstLastPara="1" rIns="91425" wrap="square" tIns="91425">
+          <a:bodyPr spcFirstLastPara="1" wrap="square" lIns="91425" tIns="91425" rIns="91425" bIns="91425" anchor="ctr" anchorCtr="0">
             <a:noAutofit/>
           </a:bodyPr>
           <a:lstStyle>
@@ -3324,7 +3445,7 @@
             </a:lvl9pPr>
           </a:lstStyle>
           <a:p>
-            <a:pPr indent="0" lvl="0" marL="0" rtl="0" algn="r">
+            <a:pPr marL="0" lvl="0" indent="0" algn="r" rtl="0">
               <a:spcBef>
                 <a:spcPts val="0"/>
               </a:spcBef>
@@ -3335,7 +3456,7 @@
             </a:pPr>
             <a:fld id="{00000000-1234-1234-1234-123412341234}" type="slidenum">
               <a:rPr lang="fr"/>
-              <a:t>‹#›</a:t>
+              <a:t>‹N°›</a:t>
             </a:fld>
             <a:endParaRPr/>
           </a:p>
@@ -3350,11 +3471,11 @@
 </file>
 
 <file path=ppt/slideLayouts/slideLayout3.xml><?xml version="1.0" encoding="utf-8"?>
-<p:sldLayout xmlns:a="http://schemas.openxmlformats.org/drawingml/2006/main" xmlns:r="http://schemas.openxmlformats.org/officeDocument/2006/relationships" xmlns:mc="http://schemas.openxmlformats.org/markup-compatibility/2006" xmlns:mv="urn:schemas-microsoft-com:mac:vml" xmlns:p="http://schemas.openxmlformats.org/presentationml/2006/main" xmlns:c="http://schemas.openxmlformats.org/drawingml/2006/chart" xmlns:dgm="http://schemas.openxmlformats.org/drawingml/2006/diagram" xmlns:o="urn:schemas-microsoft-com:office:office" xmlns:v="urn:schemas-microsoft-com:vml" xmlns:pvml="urn:schemas-microsoft-com:office:powerpoint" xmlns:com="http://schemas.openxmlformats.org/drawingml/2006/compatibility" xmlns:p14="http://schemas.microsoft.com/office/powerpoint/2010/main" xmlns:p15="http://schemas.microsoft.com/office/powerpoint/2012/main" matchingName="Title and body" type="tx">
+<p:sldLayout xmlns:a="http://schemas.openxmlformats.org/drawingml/2006/main" xmlns:r="http://schemas.openxmlformats.org/officeDocument/2006/relationships" xmlns:p="http://schemas.openxmlformats.org/presentationml/2006/main" matchingName="Title and body" type="tx">
   <p:cSld name="TITLE_AND_BODY">
     <p:spTree>
       <p:nvGrpSpPr>
-        <p:cNvPr id="16" name="Shape 16"/>
+        <p:cNvPr id="1" name="Shape 16"/>
         <p:cNvGrpSpPr/>
         <p:nvPr/>
       </p:nvGrpSpPr>
@@ -3369,7 +3490,9 @@
       <p:sp>
         <p:nvSpPr>
           <p:cNvPr id="17" name="Google Shape;17;p4"/>
-          <p:cNvSpPr txBox="1"/>
+          <p:cNvSpPr txBox="1">
+            <a:spLocks noGrp="1"/>
+          </p:cNvSpPr>
           <p:nvPr>
             <p:ph type="title"/>
           </p:nvPr>
@@ -3384,7 +3507,7 @@
           </a:prstGeom>
         </p:spPr>
         <p:txBody>
-          <a:bodyPr anchorCtr="0" anchor="t" bIns="91425" lIns="91425" spcFirstLastPara="1" rIns="91425" wrap="square" tIns="91425">
+          <a:bodyPr spcFirstLastPara="1" wrap="square" lIns="91425" tIns="91425" rIns="91425" bIns="91425" anchor="t" anchorCtr="0">
             <a:noAutofit/>
           </a:bodyPr>
           <a:lstStyle>
@@ -3488,15 +3611,19 @@
               <a:defRPr/>
             </a:lvl9pPr>
           </a:lstStyle>
-          <a:p/>
+          <a:p>
+            <a:endParaRPr/>
+          </a:p>
         </p:txBody>
       </p:sp>
       <p:sp>
         <p:nvSpPr>
           <p:cNvPr id="18" name="Google Shape;18;p4"/>
-          <p:cNvSpPr txBox="1"/>
+          <p:cNvSpPr txBox="1">
+            <a:spLocks noGrp="1"/>
+          </p:cNvSpPr>
           <p:nvPr>
-            <p:ph idx="1" type="body"/>
+            <p:ph type="body" idx="1"/>
           </p:nvPr>
         </p:nvSpPr>
         <p:spPr>
@@ -3509,11 +3636,11 @@
           </a:prstGeom>
         </p:spPr>
         <p:txBody>
-          <a:bodyPr anchorCtr="0" anchor="t" bIns="91425" lIns="91425" spcFirstLastPara="1" rIns="91425" wrap="square" tIns="91425">
+          <a:bodyPr spcFirstLastPara="1" wrap="square" lIns="91425" tIns="91425" rIns="91425" bIns="91425" anchor="t" anchorCtr="0">
             <a:noAutofit/>
           </a:bodyPr>
           <a:lstStyle>
-            <a:lvl1pPr indent="-342900" lvl="0" marL="457200">
+            <a:lvl1pPr marL="457200" lvl="0" indent="-342900">
               <a:spcBef>
                 <a:spcPts val="0"/>
               </a:spcBef>
@@ -3524,7 +3651,7 @@
               <a:buChar char="●"/>
               <a:defRPr/>
             </a:lvl1pPr>
-            <a:lvl2pPr indent="-317500" lvl="1" marL="914400">
+            <a:lvl2pPr marL="914400" lvl="1" indent="-317500">
               <a:spcBef>
                 <a:spcPts val="1600"/>
               </a:spcBef>
@@ -3535,7 +3662,7 @@
               <a:buChar char="○"/>
               <a:defRPr/>
             </a:lvl2pPr>
-            <a:lvl3pPr indent="-317500" lvl="2" marL="1371600">
+            <a:lvl3pPr marL="1371600" lvl="2" indent="-317500">
               <a:spcBef>
                 <a:spcPts val="1600"/>
               </a:spcBef>
@@ -3546,7 +3673,7 @@
               <a:buChar char="■"/>
               <a:defRPr/>
             </a:lvl3pPr>
-            <a:lvl4pPr indent="-317500" lvl="3" marL="1828800">
+            <a:lvl4pPr marL="1828800" lvl="3" indent="-317500">
               <a:spcBef>
                 <a:spcPts val="1600"/>
               </a:spcBef>
@@ -3557,7 +3684,7 @@
               <a:buChar char="●"/>
               <a:defRPr/>
             </a:lvl4pPr>
-            <a:lvl5pPr indent="-317500" lvl="4" marL="2286000">
+            <a:lvl5pPr marL="2286000" lvl="4" indent="-317500">
               <a:spcBef>
                 <a:spcPts val="1600"/>
               </a:spcBef>
@@ -3568,7 +3695,7 @@
               <a:buChar char="○"/>
               <a:defRPr/>
             </a:lvl5pPr>
-            <a:lvl6pPr indent="-317500" lvl="5" marL="2743200">
+            <a:lvl6pPr marL="2743200" lvl="5" indent="-317500">
               <a:spcBef>
                 <a:spcPts val="1600"/>
               </a:spcBef>
@@ -3579,7 +3706,7 @@
               <a:buChar char="■"/>
               <a:defRPr/>
             </a:lvl6pPr>
-            <a:lvl7pPr indent="-317500" lvl="6" marL="3200400">
+            <a:lvl7pPr marL="3200400" lvl="6" indent="-317500">
               <a:spcBef>
                 <a:spcPts val="1600"/>
               </a:spcBef>
@@ -3590,7 +3717,7 @@
               <a:buChar char="●"/>
               <a:defRPr/>
             </a:lvl7pPr>
-            <a:lvl8pPr indent="-317500" lvl="7" marL="3657600">
+            <a:lvl8pPr marL="3657600" lvl="7" indent="-317500">
               <a:spcBef>
                 <a:spcPts val="1600"/>
               </a:spcBef>
@@ -3601,7 +3728,7 @@
               <a:buChar char="○"/>
               <a:defRPr/>
             </a:lvl8pPr>
-            <a:lvl9pPr indent="-317500" lvl="8" marL="4114800">
+            <a:lvl9pPr marL="4114800" lvl="8" indent="-317500">
               <a:spcBef>
                 <a:spcPts val="1600"/>
               </a:spcBef>
@@ -3613,15 +3740,19 @@
               <a:defRPr/>
             </a:lvl9pPr>
           </a:lstStyle>
-          <a:p/>
+          <a:p>
+            <a:endParaRPr/>
+          </a:p>
         </p:txBody>
       </p:sp>
       <p:sp>
         <p:nvSpPr>
           <p:cNvPr id="19" name="Google Shape;19;p4"/>
-          <p:cNvSpPr txBox="1"/>
+          <p:cNvSpPr txBox="1">
+            <a:spLocks noGrp="1"/>
+          </p:cNvSpPr>
           <p:nvPr>
-            <p:ph idx="12" type="sldNum"/>
+            <p:ph type="sldNum" idx="12"/>
           </p:nvPr>
         </p:nvSpPr>
         <p:spPr>
@@ -3634,7 +3765,7 @@
           </a:prstGeom>
         </p:spPr>
         <p:txBody>
-          <a:bodyPr anchorCtr="0" anchor="ctr" bIns="91425" lIns="91425" spcFirstLastPara="1" rIns="91425" wrap="square" tIns="91425">
+          <a:bodyPr spcFirstLastPara="1" wrap="square" lIns="91425" tIns="91425" rIns="91425" bIns="91425" anchor="ctr" anchorCtr="0">
             <a:noAutofit/>
           </a:bodyPr>
           <a:lstStyle>
@@ -3676,7 +3807,7 @@
             </a:lvl9pPr>
           </a:lstStyle>
           <a:p>
-            <a:pPr indent="0" lvl="0" marL="0" rtl="0" algn="r">
+            <a:pPr marL="0" lvl="0" indent="0" algn="r" rtl="0">
               <a:spcBef>
                 <a:spcPts val="0"/>
               </a:spcBef>
@@ -3687,7 +3818,7 @@
             </a:pPr>
             <a:fld id="{00000000-1234-1234-1234-123412341234}" type="slidenum">
               <a:rPr lang="fr"/>
-              <a:t>‹#›</a:t>
+              <a:t>‹N°›</a:t>
             </a:fld>
             <a:endParaRPr/>
           </a:p>
@@ -3702,11 +3833,11 @@
 </file>
 
 <file path=ppt/slideLayouts/slideLayout4.xml><?xml version="1.0" encoding="utf-8"?>
-<p:sldLayout xmlns:a="http://schemas.openxmlformats.org/drawingml/2006/main" xmlns:r="http://schemas.openxmlformats.org/officeDocument/2006/relationships" xmlns:mc="http://schemas.openxmlformats.org/markup-compatibility/2006" xmlns:mv="urn:schemas-microsoft-com:mac:vml" xmlns:p="http://schemas.openxmlformats.org/presentationml/2006/main" xmlns:c="http://schemas.openxmlformats.org/drawingml/2006/chart" xmlns:dgm="http://schemas.openxmlformats.org/drawingml/2006/diagram" xmlns:o="urn:schemas-microsoft-com:office:office" xmlns:v="urn:schemas-microsoft-com:vml" xmlns:pvml="urn:schemas-microsoft-com:office:powerpoint" xmlns:com="http://schemas.openxmlformats.org/drawingml/2006/compatibility" xmlns:p14="http://schemas.microsoft.com/office/powerpoint/2010/main" xmlns:p15="http://schemas.microsoft.com/office/powerpoint/2012/main" matchingName="Title and two columns" type="twoColTx">
+<p:sldLayout xmlns:a="http://schemas.openxmlformats.org/drawingml/2006/main" xmlns:r="http://schemas.openxmlformats.org/officeDocument/2006/relationships" xmlns:p="http://schemas.openxmlformats.org/presentationml/2006/main" matchingName="Title and two columns" type="twoColTx">
   <p:cSld name="TITLE_AND_TWO_COLUMNS">
     <p:spTree>
       <p:nvGrpSpPr>
-        <p:cNvPr id="20" name="Shape 20"/>
+        <p:cNvPr id="1" name="Shape 20"/>
         <p:cNvGrpSpPr/>
         <p:nvPr/>
       </p:nvGrpSpPr>
@@ -3721,7 +3852,9 @@
       <p:sp>
         <p:nvSpPr>
           <p:cNvPr id="21" name="Google Shape;21;p5"/>
-          <p:cNvSpPr txBox="1"/>
+          <p:cNvSpPr txBox="1">
+            <a:spLocks noGrp="1"/>
+          </p:cNvSpPr>
           <p:nvPr>
             <p:ph type="title"/>
           </p:nvPr>
@@ -3736,7 +3869,7 @@
           </a:prstGeom>
         </p:spPr>
         <p:txBody>
-          <a:bodyPr anchorCtr="0" anchor="t" bIns="91425" lIns="91425" spcFirstLastPara="1" rIns="91425" wrap="square" tIns="91425">
+          <a:bodyPr spcFirstLastPara="1" wrap="square" lIns="91425" tIns="91425" rIns="91425" bIns="91425" anchor="t" anchorCtr="0">
             <a:noAutofit/>
           </a:bodyPr>
           <a:lstStyle>
@@ -3840,15 +3973,19 @@
               <a:defRPr/>
             </a:lvl9pPr>
           </a:lstStyle>
-          <a:p/>
+          <a:p>
+            <a:endParaRPr/>
+          </a:p>
         </p:txBody>
       </p:sp>
       <p:sp>
         <p:nvSpPr>
           <p:cNvPr id="22" name="Google Shape;22;p5"/>
-          <p:cNvSpPr txBox="1"/>
+          <p:cNvSpPr txBox="1">
+            <a:spLocks noGrp="1"/>
+          </p:cNvSpPr>
           <p:nvPr>
-            <p:ph idx="1" type="body"/>
+            <p:ph type="body" idx="1"/>
           </p:nvPr>
         </p:nvSpPr>
         <p:spPr>
@@ -3861,11 +3998,11 @@
           </a:prstGeom>
         </p:spPr>
         <p:txBody>
-          <a:bodyPr anchorCtr="0" anchor="t" bIns="91425" lIns="91425" spcFirstLastPara="1" rIns="91425" wrap="square" tIns="91425">
+          <a:bodyPr spcFirstLastPara="1" wrap="square" lIns="91425" tIns="91425" rIns="91425" bIns="91425" anchor="t" anchorCtr="0">
             <a:noAutofit/>
           </a:bodyPr>
           <a:lstStyle>
-            <a:lvl1pPr indent="-317500" lvl="0" marL="457200">
+            <a:lvl1pPr marL="457200" lvl="0" indent="-317500">
               <a:spcBef>
                 <a:spcPts val="0"/>
               </a:spcBef>
@@ -3876,7 +4013,7 @@
               <a:buChar char="●"/>
               <a:defRPr sz="1400"/>
             </a:lvl1pPr>
-            <a:lvl2pPr indent="-304800" lvl="1" marL="914400">
+            <a:lvl2pPr marL="914400" lvl="1" indent="-304800">
               <a:spcBef>
                 <a:spcPts val="1600"/>
               </a:spcBef>
@@ -3887,7 +4024,7 @@
               <a:buChar char="○"/>
               <a:defRPr sz="1200"/>
             </a:lvl2pPr>
-            <a:lvl3pPr indent="-304800" lvl="2" marL="1371600">
+            <a:lvl3pPr marL="1371600" lvl="2" indent="-304800">
               <a:spcBef>
                 <a:spcPts val="1600"/>
               </a:spcBef>
@@ -3898,7 +4035,7 @@
               <a:buChar char="■"/>
               <a:defRPr sz="1200"/>
             </a:lvl3pPr>
-            <a:lvl4pPr indent="-304800" lvl="3" marL="1828800">
+            <a:lvl4pPr marL="1828800" lvl="3" indent="-304800">
               <a:spcBef>
                 <a:spcPts val="1600"/>
               </a:spcBef>
@@ -3909,7 +4046,7 @@
               <a:buChar char="●"/>
               <a:defRPr sz="1200"/>
             </a:lvl4pPr>
-            <a:lvl5pPr indent="-304800" lvl="4" marL="2286000">
+            <a:lvl5pPr marL="2286000" lvl="4" indent="-304800">
               <a:spcBef>
                 <a:spcPts val="1600"/>
               </a:spcBef>
@@ -3920,7 +4057,7 @@
               <a:buChar char="○"/>
               <a:defRPr sz="1200"/>
             </a:lvl5pPr>
-            <a:lvl6pPr indent="-304800" lvl="5" marL="2743200">
+            <a:lvl6pPr marL="2743200" lvl="5" indent="-304800">
               <a:spcBef>
                 <a:spcPts val="1600"/>
               </a:spcBef>
@@ -3931,7 +4068,7 @@
               <a:buChar char="■"/>
               <a:defRPr sz="1200"/>
             </a:lvl6pPr>
-            <a:lvl7pPr indent="-304800" lvl="6" marL="3200400">
+            <a:lvl7pPr marL="3200400" lvl="6" indent="-304800">
               <a:spcBef>
                 <a:spcPts val="1600"/>
               </a:spcBef>
@@ -3942,7 +4079,7 @@
               <a:buChar char="●"/>
               <a:defRPr sz="1200"/>
             </a:lvl7pPr>
-            <a:lvl8pPr indent="-304800" lvl="7" marL="3657600">
+            <a:lvl8pPr marL="3657600" lvl="7" indent="-304800">
               <a:spcBef>
                 <a:spcPts val="1600"/>
               </a:spcBef>
@@ -3953,7 +4090,7 @@
               <a:buChar char="○"/>
               <a:defRPr sz="1200"/>
             </a:lvl8pPr>
-            <a:lvl9pPr indent="-304800" lvl="8" marL="4114800">
+            <a:lvl9pPr marL="4114800" lvl="8" indent="-304800">
               <a:spcBef>
                 <a:spcPts val="1600"/>
               </a:spcBef>
@@ -3965,15 +4102,19 @@
               <a:defRPr sz="1200"/>
             </a:lvl9pPr>
           </a:lstStyle>
-          <a:p/>
+          <a:p>
+            <a:endParaRPr/>
+          </a:p>
         </p:txBody>
       </p:sp>
       <p:sp>
         <p:nvSpPr>
           <p:cNvPr id="23" name="Google Shape;23;p5"/>
-          <p:cNvSpPr txBox="1"/>
+          <p:cNvSpPr txBox="1">
+            <a:spLocks noGrp="1"/>
+          </p:cNvSpPr>
           <p:nvPr>
-            <p:ph idx="2" type="body"/>
+            <p:ph type="body" idx="2"/>
           </p:nvPr>
         </p:nvSpPr>
         <p:spPr>
@@ -3986,11 +4127,11 @@
           </a:prstGeom>
         </p:spPr>
         <p:txBody>
-          <a:bodyPr anchorCtr="0" anchor="t" bIns="91425" lIns="91425" spcFirstLastPara="1" rIns="91425" wrap="square" tIns="91425">
+          <a:bodyPr spcFirstLastPara="1" wrap="square" lIns="91425" tIns="91425" rIns="91425" bIns="91425" anchor="t" anchorCtr="0">
             <a:noAutofit/>
           </a:bodyPr>
           <a:lstStyle>
-            <a:lvl1pPr indent="-317500" lvl="0" marL="457200">
+            <a:lvl1pPr marL="457200" lvl="0" indent="-317500">
               <a:spcBef>
                 <a:spcPts val="0"/>
               </a:spcBef>
@@ -4001,7 +4142,7 @@
               <a:buChar char="●"/>
               <a:defRPr sz="1400"/>
             </a:lvl1pPr>
-            <a:lvl2pPr indent="-304800" lvl="1" marL="914400">
+            <a:lvl2pPr marL="914400" lvl="1" indent="-304800">
               <a:spcBef>
                 <a:spcPts val="1600"/>
               </a:spcBef>
@@ -4012,7 +4153,7 @@
               <a:buChar char="○"/>
               <a:defRPr sz="1200"/>
             </a:lvl2pPr>
-            <a:lvl3pPr indent="-304800" lvl="2" marL="1371600">
+            <a:lvl3pPr marL="1371600" lvl="2" indent="-304800">
               <a:spcBef>
                 <a:spcPts val="1600"/>
               </a:spcBef>
@@ -4023,7 +4164,7 @@
               <a:buChar char="■"/>
               <a:defRPr sz="1200"/>
             </a:lvl3pPr>
-            <a:lvl4pPr indent="-304800" lvl="3" marL="1828800">
+            <a:lvl4pPr marL="1828800" lvl="3" indent="-304800">
               <a:spcBef>
                 <a:spcPts val="1600"/>
               </a:spcBef>
@@ -4034,7 +4175,7 @@
               <a:buChar char="●"/>
               <a:defRPr sz="1200"/>
             </a:lvl4pPr>
-            <a:lvl5pPr indent="-304800" lvl="4" marL="2286000">
+            <a:lvl5pPr marL="2286000" lvl="4" indent="-304800">
               <a:spcBef>
                 <a:spcPts val="1600"/>
               </a:spcBef>
@@ -4045,7 +4186,7 @@
               <a:buChar char="○"/>
               <a:defRPr sz="1200"/>
             </a:lvl5pPr>
-            <a:lvl6pPr indent="-304800" lvl="5" marL="2743200">
+            <a:lvl6pPr marL="2743200" lvl="5" indent="-304800">
               <a:spcBef>
                 <a:spcPts val="1600"/>
               </a:spcBef>
@@ -4056,7 +4197,7 @@
               <a:buChar char="■"/>
               <a:defRPr sz="1200"/>
             </a:lvl6pPr>
-            <a:lvl7pPr indent="-304800" lvl="6" marL="3200400">
+            <a:lvl7pPr marL="3200400" lvl="6" indent="-304800">
               <a:spcBef>
                 <a:spcPts val="1600"/>
               </a:spcBef>
@@ -4067,7 +4208,7 @@
               <a:buChar char="●"/>
               <a:defRPr sz="1200"/>
             </a:lvl7pPr>
-            <a:lvl8pPr indent="-304800" lvl="7" marL="3657600">
+            <a:lvl8pPr marL="3657600" lvl="7" indent="-304800">
               <a:spcBef>
                 <a:spcPts val="1600"/>
               </a:spcBef>
@@ -4078,7 +4219,7 @@
               <a:buChar char="○"/>
               <a:defRPr sz="1200"/>
             </a:lvl8pPr>
-            <a:lvl9pPr indent="-304800" lvl="8" marL="4114800">
+            <a:lvl9pPr marL="4114800" lvl="8" indent="-304800">
               <a:spcBef>
                 <a:spcPts val="1600"/>
               </a:spcBef>
@@ -4090,15 +4231,19 @@
               <a:defRPr sz="1200"/>
             </a:lvl9pPr>
           </a:lstStyle>
-          <a:p/>
+          <a:p>
+            <a:endParaRPr/>
+          </a:p>
         </p:txBody>
       </p:sp>
       <p:sp>
         <p:nvSpPr>
           <p:cNvPr id="24" name="Google Shape;24;p5"/>
-          <p:cNvSpPr txBox="1"/>
+          <p:cNvSpPr txBox="1">
+            <a:spLocks noGrp="1"/>
+          </p:cNvSpPr>
           <p:nvPr>
-            <p:ph idx="12" type="sldNum"/>
+            <p:ph type="sldNum" idx="12"/>
           </p:nvPr>
         </p:nvSpPr>
         <p:spPr>
@@ -4111,7 +4256,7 @@
           </a:prstGeom>
         </p:spPr>
         <p:txBody>
-          <a:bodyPr anchorCtr="0" anchor="ctr" bIns="91425" lIns="91425" spcFirstLastPara="1" rIns="91425" wrap="square" tIns="91425">
+          <a:bodyPr spcFirstLastPara="1" wrap="square" lIns="91425" tIns="91425" rIns="91425" bIns="91425" anchor="ctr" anchorCtr="0">
             <a:noAutofit/>
           </a:bodyPr>
           <a:lstStyle>
@@ -4153,7 +4298,7 @@
             </a:lvl9pPr>
           </a:lstStyle>
           <a:p>
-            <a:pPr indent="0" lvl="0" marL="0" rtl="0" algn="r">
+            <a:pPr marL="0" lvl="0" indent="0" algn="r" rtl="0">
               <a:spcBef>
                 <a:spcPts val="0"/>
               </a:spcBef>
@@ -4164,7 +4309,7 @@
             </a:pPr>
             <a:fld id="{00000000-1234-1234-1234-123412341234}" type="slidenum">
               <a:rPr lang="fr"/>
-              <a:t>‹#›</a:t>
+              <a:t>‹N°›</a:t>
             </a:fld>
             <a:endParaRPr/>
           </a:p>
@@ -4179,11 +4324,11 @@
 </file>
 
 <file path=ppt/slideLayouts/slideLayout5.xml><?xml version="1.0" encoding="utf-8"?>
-<p:sldLayout xmlns:a="http://schemas.openxmlformats.org/drawingml/2006/main" xmlns:r="http://schemas.openxmlformats.org/officeDocument/2006/relationships" xmlns:mc="http://schemas.openxmlformats.org/markup-compatibility/2006" xmlns:mv="urn:schemas-microsoft-com:mac:vml" xmlns:p="http://schemas.openxmlformats.org/presentationml/2006/main" xmlns:c="http://schemas.openxmlformats.org/drawingml/2006/chart" xmlns:dgm="http://schemas.openxmlformats.org/drawingml/2006/diagram" xmlns:o="urn:schemas-microsoft-com:office:office" xmlns:v="urn:schemas-microsoft-com:vml" xmlns:pvml="urn:schemas-microsoft-com:office:powerpoint" xmlns:com="http://schemas.openxmlformats.org/drawingml/2006/compatibility" xmlns:p14="http://schemas.microsoft.com/office/powerpoint/2010/main" xmlns:p15="http://schemas.microsoft.com/office/powerpoint/2012/main" matchingName="Title only" type="titleOnly">
+<p:sldLayout xmlns:a="http://schemas.openxmlformats.org/drawingml/2006/main" xmlns:r="http://schemas.openxmlformats.org/officeDocument/2006/relationships" xmlns:p="http://schemas.openxmlformats.org/presentationml/2006/main" matchingName="Title only" type="titleOnly">
   <p:cSld name="TITLE_ONLY">
     <p:spTree>
       <p:nvGrpSpPr>
-        <p:cNvPr id="25" name="Shape 25"/>
+        <p:cNvPr id="1" name="Shape 25"/>
         <p:cNvGrpSpPr/>
         <p:nvPr/>
       </p:nvGrpSpPr>
@@ -4198,7 +4343,9 @@
       <p:sp>
         <p:nvSpPr>
           <p:cNvPr id="26" name="Google Shape;26;p6"/>
-          <p:cNvSpPr txBox="1"/>
+          <p:cNvSpPr txBox="1">
+            <a:spLocks noGrp="1"/>
+          </p:cNvSpPr>
           <p:nvPr>
             <p:ph type="title"/>
           </p:nvPr>
@@ -4213,7 +4360,7 @@
           </a:prstGeom>
         </p:spPr>
         <p:txBody>
-          <a:bodyPr anchorCtr="0" anchor="t" bIns="91425" lIns="91425" spcFirstLastPara="1" rIns="91425" wrap="square" tIns="91425">
+          <a:bodyPr spcFirstLastPara="1" wrap="square" lIns="91425" tIns="91425" rIns="91425" bIns="91425" anchor="t" anchorCtr="0">
             <a:noAutofit/>
           </a:bodyPr>
           <a:lstStyle>
@@ -4317,15 +4464,19 @@
               <a:defRPr/>
             </a:lvl9pPr>
           </a:lstStyle>
-          <a:p/>
+          <a:p>
+            <a:endParaRPr/>
+          </a:p>
         </p:txBody>
       </p:sp>
       <p:sp>
         <p:nvSpPr>
           <p:cNvPr id="27" name="Google Shape;27;p6"/>
-          <p:cNvSpPr txBox="1"/>
+          <p:cNvSpPr txBox="1">
+            <a:spLocks noGrp="1"/>
+          </p:cNvSpPr>
           <p:nvPr>
-            <p:ph idx="12" type="sldNum"/>
+            <p:ph type="sldNum" idx="12"/>
           </p:nvPr>
         </p:nvSpPr>
         <p:spPr>
@@ -4338,7 +4489,7 @@
           </a:prstGeom>
         </p:spPr>
         <p:txBody>
-          <a:bodyPr anchorCtr="0" anchor="ctr" bIns="91425" lIns="91425" spcFirstLastPara="1" rIns="91425" wrap="square" tIns="91425">
+          <a:bodyPr spcFirstLastPara="1" wrap="square" lIns="91425" tIns="91425" rIns="91425" bIns="91425" anchor="ctr" anchorCtr="0">
             <a:noAutofit/>
           </a:bodyPr>
           <a:lstStyle>
@@ -4380,7 +4531,7 @@
             </a:lvl9pPr>
           </a:lstStyle>
           <a:p>
-            <a:pPr indent="0" lvl="0" marL="0" rtl="0" algn="r">
+            <a:pPr marL="0" lvl="0" indent="0" algn="r" rtl="0">
               <a:spcBef>
                 <a:spcPts val="0"/>
               </a:spcBef>
@@ -4391,7 +4542,7 @@
             </a:pPr>
             <a:fld id="{00000000-1234-1234-1234-123412341234}" type="slidenum">
               <a:rPr lang="fr"/>
-              <a:t>‹#›</a:t>
+              <a:t>‹N°›</a:t>
             </a:fld>
             <a:endParaRPr/>
           </a:p>
@@ -4406,11 +4557,11 @@
 </file>
 
 <file path=ppt/slideLayouts/slideLayout6.xml><?xml version="1.0" encoding="utf-8"?>
-<p:sldLayout xmlns:a="http://schemas.openxmlformats.org/drawingml/2006/main" xmlns:r="http://schemas.openxmlformats.org/officeDocument/2006/relationships" xmlns:mc="http://schemas.openxmlformats.org/markup-compatibility/2006" xmlns:mv="urn:schemas-microsoft-com:mac:vml" xmlns:p="http://schemas.openxmlformats.org/presentationml/2006/main" xmlns:c="http://schemas.openxmlformats.org/drawingml/2006/chart" xmlns:dgm="http://schemas.openxmlformats.org/drawingml/2006/diagram" xmlns:o="urn:schemas-microsoft-com:office:office" xmlns:v="urn:schemas-microsoft-com:vml" xmlns:pvml="urn:schemas-microsoft-com:office:powerpoint" xmlns:com="http://schemas.openxmlformats.org/drawingml/2006/compatibility" xmlns:p14="http://schemas.microsoft.com/office/powerpoint/2010/main" xmlns:p15="http://schemas.microsoft.com/office/powerpoint/2012/main" matchingName="One column text">
+<p:sldLayout xmlns:a="http://schemas.openxmlformats.org/drawingml/2006/main" xmlns:r="http://schemas.openxmlformats.org/officeDocument/2006/relationships" xmlns:p="http://schemas.openxmlformats.org/presentationml/2006/main" matchingName="One column text">
   <p:cSld name="ONE_COLUMN_TEXT">
     <p:spTree>
       <p:nvGrpSpPr>
-        <p:cNvPr id="28" name="Shape 28"/>
+        <p:cNvPr id="1" name="Shape 28"/>
         <p:cNvGrpSpPr/>
         <p:nvPr/>
       </p:nvGrpSpPr>
@@ -4425,7 +4576,9 @@
       <p:sp>
         <p:nvSpPr>
           <p:cNvPr id="29" name="Google Shape;29;p7"/>
-          <p:cNvSpPr txBox="1"/>
+          <p:cNvSpPr txBox="1">
+            <a:spLocks noGrp="1"/>
+          </p:cNvSpPr>
           <p:nvPr>
             <p:ph type="title"/>
           </p:nvPr>
@@ -4440,7 +4593,7 @@
           </a:prstGeom>
         </p:spPr>
         <p:txBody>
-          <a:bodyPr anchorCtr="0" anchor="b" bIns="91425" lIns="91425" spcFirstLastPara="1" rIns="91425" wrap="square" tIns="91425">
+          <a:bodyPr spcFirstLastPara="1" wrap="square" lIns="91425" tIns="91425" rIns="91425" bIns="91425" anchor="b" anchorCtr="0">
             <a:noAutofit/>
           </a:bodyPr>
           <a:lstStyle>
@@ -4544,15 +4697,19 @@
               <a:defRPr sz="2400"/>
             </a:lvl9pPr>
           </a:lstStyle>
-          <a:p/>
+          <a:p>
+            <a:endParaRPr/>
+          </a:p>
         </p:txBody>
       </p:sp>
       <p:sp>
         <p:nvSpPr>
           <p:cNvPr id="30" name="Google Shape;30;p7"/>
-          <p:cNvSpPr txBox="1"/>
+          <p:cNvSpPr txBox="1">
+            <a:spLocks noGrp="1"/>
+          </p:cNvSpPr>
           <p:nvPr>
-            <p:ph idx="1" type="body"/>
+            <p:ph type="body" idx="1"/>
           </p:nvPr>
         </p:nvSpPr>
         <p:spPr>
@@ -4565,11 +4722,11 @@
           </a:prstGeom>
         </p:spPr>
         <p:txBody>
-          <a:bodyPr anchorCtr="0" anchor="t" bIns="91425" lIns="91425" spcFirstLastPara="1" rIns="91425" wrap="square" tIns="91425">
+          <a:bodyPr spcFirstLastPara="1" wrap="square" lIns="91425" tIns="91425" rIns="91425" bIns="91425" anchor="t" anchorCtr="0">
             <a:noAutofit/>
           </a:bodyPr>
           <a:lstStyle>
-            <a:lvl1pPr indent="-304800" lvl="0" marL="457200">
+            <a:lvl1pPr marL="457200" lvl="0" indent="-304800">
               <a:spcBef>
                 <a:spcPts val="0"/>
               </a:spcBef>
@@ -4580,7 +4737,7 @@
               <a:buChar char="●"/>
               <a:defRPr sz="1200"/>
             </a:lvl1pPr>
-            <a:lvl2pPr indent="-304800" lvl="1" marL="914400">
+            <a:lvl2pPr marL="914400" lvl="1" indent="-304800">
               <a:spcBef>
                 <a:spcPts val="1600"/>
               </a:spcBef>
@@ -4591,7 +4748,7 @@
               <a:buChar char="○"/>
               <a:defRPr sz="1200"/>
             </a:lvl2pPr>
-            <a:lvl3pPr indent="-304800" lvl="2" marL="1371600">
+            <a:lvl3pPr marL="1371600" lvl="2" indent="-304800">
               <a:spcBef>
                 <a:spcPts val="1600"/>
               </a:spcBef>
@@ -4602,7 +4759,7 @@
               <a:buChar char="■"/>
               <a:defRPr sz="1200"/>
             </a:lvl3pPr>
-            <a:lvl4pPr indent="-304800" lvl="3" marL="1828800">
+            <a:lvl4pPr marL="1828800" lvl="3" indent="-304800">
               <a:spcBef>
                 <a:spcPts val="1600"/>
               </a:spcBef>
@@ -4613,7 +4770,7 @@
               <a:buChar char="●"/>
               <a:defRPr sz="1200"/>
             </a:lvl4pPr>
-            <a:lvl5pPr indent="-304800" lvl="4" marL="2286000">
+            <a:lvl5pPr marL="2286000" lvl="4" indent="-304800">
               <a:spcBef>
                 <a:spcPts val="1600"/>
               </a:spcBef>
@@ -4624,7 +4781,7 @@
               <a:buChar char="○"/>
               <a:defRPr sz="1200"/>
             </a:lvl5pPr>
-            <a:lvl6pPr indent="-304800" lvl="5" marL="2743200">
+            <a:lvl6pPr marL="2743200" lvl="5" indent="-304800">
               <a:spcBef>
                 <a:spcPts val="1600"/>
               </a:spcBef>
@@ -4635,7 +4792,7 @@
               <a:buChar char="■"/>
               <a:defRPr sz="1200"/>
             </a:lvl6pPr>
-            <a:lvl7pPr indent="-304800" lvl="6" marL="3200400">
+            <a:lvl7pPr marL="3200400" lvl="6" indent="-304800">
               <a:spcBef>
                 <a:spcPts val="1600"/>
               </a:spcBef>
@@ -4646,7 +4803,7 @@
               <a:buChar char="●"/>
               <a:defRPr sz="1200"/>
             </a:lvl7pPr>
-            <a:lvl8pPr indent="-304800" lvl="7" marL="3657600">
+            <a:lvl8pPr marL="3657600" lvl="7" indent="-304800">
               <a:spcBef>
                 <a:spcPts val="1600"/>
               </a:spcBef>
@@ -4657,7 +4814,7 @@
               <a:buChar char="○"/>
               <a:defRPr sz="1200"/>
             </a:lvl8pPr>
-            <a:lvl9pPr indent="-304800" lvl="8" marL="4114800">
+            <a:lvl9pPr marL="4114800" lvl="8" indent="-304800">
               <a:spcBef>
                 <a:spcPts val="1600"/>
               </a:spcBef>
@@ -4669,15 +4826,19 @@
               <a:defRPr sz="1200"/>
             </a:lvl9pPr>
           </a:lstStyle>
-          <a:p/>
+          <a:p>
+            <a:endParaRPr/>
+          </a:p>
         </p:txBody>
       </p:sp>
       <p:sp>
         <p:nvSpPr>
           <p:cNvPr id="31" name="Google Shape;31;p7"/>
-          <p:cNvSpPr txBox="1"/>
+          <p:cNvSpPr txBox="1">
+            <a:spLocks noGrp="1"/>
+          </p:cNvSpPr>
           <p:nvPr>
-            <p:ph idx="12" type="sldNum"/>
+            <p:ph type="sldNum" idx="12"/>
           </p:nvPr>
         </p:nvSpPr>
         <p:spPr>
@@ -4690,7 +4851,7 @@
           </a:prstGeom>
         </p:spPr>
         <p:txBody>
-          <a:bodyPr anchorCtr="0" anchor="ctr" bIns="91425" lIns="91425" spcFirstLastPara="1" rIns="91425" wrap="square" tIns="91425">
+          <a:bodyPr spcFirstLastPara="1" wrap="square" lIns="91425" tIns="91425" rIns="91425" bIns="91425" anchor="ctr" anchorCtr="0">
             <a:noAutofit/>
           </a:bodyPr>
           <a:lstStyle>
@@ -4732,7 +4893,7 @@
             </a:lvl9pPr>
           </a:lstStyle>
           <a:p>
-            <a:pPr indent="0" lvl="0" marL="0" rtl="0" algn="r">
+            <a:pPr marL="0" lvl="0" indent="0" algn="r" rtl="0">
               <a:spcBef>
                 <a:spcPts val="0"/>
               </a:spcBef>
@@ -4743,7 +4904,7 @@
             </a:pPr>
             <a:fld id="{00000000-1234-1234-1234-123412341234}" type="slidenum">
               <a:rPr lang="fr"/>
-              <a:t>‹#›</a:t>
+              <a:t>‹N°›</a:t>
             </a:fld>
             <a:endParaRPr/>
           </a:p>
@@ -4758,11 +4919,11 @@
 </file>
 
 <file path=ppt/slideLayouts/slideLayout7.xml><?xml version="1.0" encoding="utf-8"?>
-<p:sldLayout xmlns:a="http://schemas.openxmlformats.org/drawingml/2006/main" xmlns:r="http://schemas.openxmlformats.org/officeDocument/2006/relationships" xmlns:mc="http://schemas.openxmlformats.org/markup-compatibility/2006" xmlns:mv="urn:schemas-microsoft-com:mac:vml" xmlns:p="http://schemas.openxmlformats.org/presentationml/2006/main" xmlns:c="http://schemas.openxmlformats.org/drawingml/2006/chart" xmlns:dgm="http://schemas.openxmlformats.org/drawingml/2006/diagram" xmlns:o="urn:schemas-microsoft-com:office:office" xmlns:v="urn:schemas-microsoft-com:vml" xmlns:pvml="urn:schemas-microsoft-com:office:powerpoint" xmlns:com="http://schemas.openxmlformats.org/drawingml/2006/compatibility" xmlns:p14="http://schemas.microsoft.com/office/powerpoint/2010/main" xmlns:p15="http://schemas.microsoft.com/office/powerpoint/2012/main" matchingName="Main point">
+<p:sldLayout xmlns:a="http://schemas.openxmlformats.org/drawingml/2006/main" xmlns:r="http://schemas.openxmlformats.org/officeDocument/2006/relationships" xmlns:p="http://schemas.openxmlformats.org/presentationml/2006/main" matchingName="Main point">
   <p:cSld name="MAIN_POINT">
     <p:spTree>
       <p:nvGrpSpPr>
-        <p:cNvPr id="32" name="Shape 32"/>
+        <p:cNvPr id="1" name="Shape 32"/>
         <p:cNvGrpSpPr/>
         <p:nvPr/>
       </p:nvGrpSpPr>
@@ -4777,7 +4938,9 @@
       <p:sp>
         <p:nvSpPr>
           <p:cNvPr id="33" name="Google Shape;33;p8"/>
-          <p:cNvSpPr txBox="1"/>
+          <p:cNvSpPr txBox="1">
+            <a:spLocks noGrp="1"/>
+          </p:cNvSpPr>
           <p:nvPr>
             <p:ph type="title"/>
           </p:nvPr>
@@ -4792,7 +4955,7 @@
           </a:prstGeom>
         </p:spPr>
         <p:txBody>
-          <a:bodyPr anchorCtr="0" anchor="ctr" bIns="91425" lIns="91425" spcFirstLastPara="1" rIns="91425" wrap="square" tIns="91425">
+          <a:bodyPr spcFirstLastPara="1" wrap="square" lIns="91425" tIns="91425" rIns="91425" bIns="91425" anchor="ctr" anchorCtr="0">
             <a:noAutofit/>
           </a:bodyPr>
           <a:lstStyle>
@@ -4896,15 +5059,19 @@
               <a:defRPr sz="4800"/>
             </a:lvl9pPr>
           </a:lstStyle>
-          <a:p/>
+          <a:p>
+            <a:endParaRPr/>
+          </a:p>
         </p:txBody>
       </p:sp>
       <p:sp>
         <p:nvSpPr>
           <p:cNvPr id="34" name="Google Shape;34;p8"/>
-          <p:cNvSpPr txBox="1"/>
+          <p:cNvSpPr txBox="1">
+            <a:spLocks noGrp="1"/>
+          </p:cNvSpPr>
           <p:nvPr>
-            <p:ph idx="12" type="sldNum"/>
+            <p:ph type="sldNum" idx="12"/>
           </p:nvPr>
         </p:nvSpPr>
         <p:spPr>
@@ -4917,7 +5084,7 @@
           </a:prstGeom>
         </p:spPr>
         <p:txBody>
-          <a:bodyPr anchorCtr="0" anchor="ctr" bIns="91425" lIns="91425" spcFirstLastPara="1" rIns="91425" wrap="square" tIns="91425">
+          <a:bodyPr spcFirstLastPara="1" wrap="square" lIns="91425" tIns="91425" rIns="91425" bIns="91425" anchor="ctr" anchorCtr="0">
             <a:noAutofit/>
           </a:bodyPr>
           <a:lstStyle>
@@ -4959,7 +5126,7 @@
             </a:lvl9pPr>
           </a:lstStyle>
           <a:p>
-            <a:pPr indent="0" lvl="0" marL="0" rtl="0" algn="r">
+            <a:pPr marL="0" lvl="0" indent="0" algn="r" rtl="0">
               <a:spcBef>
                 <a:spcPts val="0"/>
               </a:spcBef>
@@ -4970,7 +5137,7 @@
             </a:pPr>
             <a:fld id="{00000000-1234-1234-1234-123412341234}" type="slidenum">
               <a:rPr lang="fr"/>
-              <a:t>‹#›</a:t>
+              <a:t>‹N°›</a:t>
             </a:fld>
             <a:endParaRPr/>
           </a:p>
@@ -4985,11 +5152,11 @@
 </file>
 
 <file path=ppt/slideLayouts/slideLayout8.xml><?xml version="1.0" encoding="utf-8"?>
-<p:sldLayout xmlns:a="http://schemas.openxmlformats.org/drawingml/2006/main" xmlns:r="http://schemas.openxmlformats.org/officeDocument/2006/relationships" xmlns:mc="http://schemas.openxmlformats.org/markup-compatibility/2006" xmlns:mv="urn:schemas-microsoft-com:mac:vml" xmlns:p="http://schemas.openxmlformats.org/presentationml/2006/main" xmlns:c="http://schemas.openxmlformats.org/drawingml/2006/chart" xmlns:dgm="http://schemas.openxmlformats.org/drawingml/2006/diagram" xmlns:o="urn:schemas-microsoft-com:office:office" xmlns:v="urn:schemas-microsoft-com:vml" xmlns:pvml="urn:schemas-microsoft-com:office:powerpoint" xmlns:com="http://schemas.openxmlformats.org/drawingml/2006/compatibility" xmlns:p14="http://schemas.microsoft.com/office/powerpoint/2010/main" xmlns:p15="http://schemas.microsoft.com/office/powerpoint/2012/main" matchingName="Section title and description">
+<p:sldLayout xmlns:a="http://schemas.openxmlformats.org/drawingml/2006/main" xmlns:r="http://schemas.openxmlformats.org/officeDocument/2006/relationships" xmlns:p="http://schemas.openxmlformats.org/presentationml/2006/main" matchingName="Section title and description">
   <p:cSld name="SECTION_TITLE_AND_DESCRIPTION">
     <p:spTree>
       <p:nvGrpSpPr>
-        <p:cNvPr id="35" name="Shape 35"/>
+        <p:cNvPr id="1" name="Shape 35"/>
         <p:cNvGrpSpPr/>
         <p:nvPr/>
       </p:nvGrpSpPr>
@@ -5023,23 +5190,20 @@
           </a:ln>
         </p:spPr>
         <p:txBody>
-          <a:bodyPr anchorCtr="0" anchor="ctr" bIns="91425" lIns="91425" spcFirstLastPara="1" rIns="91425" wrap="square" tIns="91425">
+          <a:bodyPr spcFirstLastPara="1" wrap="square" lIns="91425" tIns="91425" rIns="91425" bIns="91425" anchor="ctr" anchorCtr="0">
             <a:noAutofit/>
           </a:bodyPr>
           <a:lstStyle/>
           <a:p>
-            <a:pPr indent="0" lvl="0" marL="0" rtl="0" algn="l">
-              <a:spcBef>
-                <a:spcPts val="0"/>
-              </a:spcBef>
-              <a:spcAft>
-                <a:spcPts val="0"/>
-              </a:spcAft>
-              <a:buNone/>
-            </a:pPr>
-            <a:r>
-              <a:t/>
-            </a:r>
+            <a:pPr marL="0" lvl="0" indent="0" algn="l" rtl="0">
+              <a:spcBef>
+                <a:spcPts val="0"/>
+              </a:spcBef>
+              <a:spcAft>
+                <a:spcPts val="0"/>
+              </a:spcAft>
+              <a:buNone/>
+            </a:pPr>
             <a:endParaRPr/>
           </a:p>
         </p:txBody>
@@ -5047,7 +5211,9 @@
       <p:sp>
         <p:nvSpPr>
           <p:cNvPr id="37" name="Google Shape;37;p9"/>
-          <p:cNvSpPr txBox="1"/>
+          <p:cNvSpPr txBox="1">
+            <a:spLocks noGrp="1"/>
+          </p:cNvSpPr>
           <p:nvPr>
             <p:ph type="title"/>
           </p:nvPr>
@@ -5062,7 +5228,7 @@
           </a:prstGeom>
         </p:spPr>
         <p:txBody>
-          <a:bodyPr anchorCtr="0" anchor="b" bIns="91425" lIns="91425" spcFirstLastPara="1" rIns="91425" wrap="square" tIns="91425">
+          <a:bodyPr spcFirstLastPara="1" wrap="square" lIns="91425" tIns="91425" rIns="91425" bIns="91425" anchor="b" anchorCtr="0">
             <a:noAutofit/>
           </a:bodyPr>
           <a:lstStyle>
@@ -5166,15 +5332,19 @@
               <a:defRPr sz="4200"/>
             </a:lvl9pPr>
           </a:lstStyle>
-          <a:p/>
+          <a:p>
+            <a:endParaRPr/>
+          </a:p>
         </p:txBody>
       </p:sp>
       <p:sp>
         <p:nvSpPr>
           <p:cNvPr id="38" name="Google Shape;38;p9"/>
-          <p:cNvSpPr txBox="1"/>
+          <p:cNvSpPr txBox="1">
+            <a:spLocks noGrp="1"/>
+          </p:cNvSpPr>
           <p:nvPr>
-            <p:ph idx="1" type="subTitle"/>
+            <p:ph type="subTitle" idx="1"/>
           </p:nvPr>
         </p:nvSpPr>
         <p:spPr>
@@ -5187,7 +5357,7 @@
           </a:prstGeom>
         </p:spPr>
         <p:txBody>
-          <a:bodyPr anchorCtr="0" anchor="t" bIns="91425" lIns="91425" spcFirstLastPara="1" rIns="91425" wrap="square" tIns="91425">
+          <a:bodyPr spcFirstLastPara="1" wrap="square" lIns="91425" tIns="91425" rIns="91425" bIns="91425" anchor="t" anchorCtr="0">
             <a:noAutofit/>
           </a:bodyPr>
           <a:lstStyle>
@@ -5318,15 +5488,19 @@
               <a:defRPr sz="2100"/>
             </a:lvl9pPr>
           </a:lstStyle>
-          <a:p/>
+          <a:p>
+            <a:endParaRPr/>
+          </a:p>
         </p:txBody>
       </p:sp>
       <p:sp>
         <p:nvSpPr>
           <p:cNvPr id="39" name="Google Shape;39;p9"/>
-          <p:cNvSpPr txBox="1"/>
+          <p:cNvSpPr txBox="1">
+            <a:spLocks noGrp="1"/>
+          </p:cNvSpPr>
           <p:nvPr>
-            <p:ph idx="2" type="body"/>
+            <p:ph type="body" idx="2"/>
           </p:nvPr>
         </p:nvSpPr>
         <p:spPr>
@@ -5339,11 +5513,11 @@
           </a:prstGeom>
         </p:spPr>
         <p:txBody>
-          <a:bodyPr anchorCtr="0" anchor="ctr" bIns="91425" lIns="91425" spcFirstLastPara="1" rIns="91425" wrap="square" tIns="91425">
+          <a:bodyPr spcFirstLastPara="1" wrap="square" lIns="91425" tIns="91425" rIns="91425" bIns="91425" anchor="ctr" anchorCtr="0">
             <a:noAutofit/>
           </a:bodyPr>
           <a:lstStyle>
-            <a:lvl1pPr indent="-342900" lvl="0" marL="457200">
+            <a:lvl1pPr marL="457200" lvl="0" indent="-342900">
               <a:spcBef>
                 <a:spcPts val="0"/>
               </a:spcBef>
@@ -5354,7 +5528,7 @@
               <a:buChar char="●"/>
               <a:defRPr/>
             </a:lvl1pPr>
-            <a:lvl2pPr indent="-317500" lvl="1" marL="914400">
+            <a:lvl2pPr marL="914400" lvl="1" indent="-317500">
               <a:spcBef>
                 <a:spcPts val="1600"/>
               </a:spcBef>
@@ -5365,7 +5539,7 @@
               <a:buChar char="○"/>
               <a:defRPr/>
             </a:lvl2pPr>
-            <a:lvl3pPr indent="-317500" lvl="2" marL="1371600">
+            <a:lvl3pPr marL="1371600" lvl="2" indent="-317500">
               <a:spcBef>
                 <a:spcPts val="1600"/>
               </a:spcBef>
@@ -5376,7 +5550,7 @@
               <a:buChar char="■"/>
               <a:defRPr/>
             </a:lvl3pPr>
-            <a:lvl4pPr indent="-317500" lvl="3" marL="1828800">
+            <a:lvl4pPr marL="1828800" lvl="3" indent="-317500">
               <a:spcBef>
                 <a:spcPts val="1600"/>
               </a:spcBef>
@@ -5387,7 +5561,7 @@
               <a:buChar char="●"/>
               <a:defRPr/>
             </a:lvl4pPr>
-            <a:lvl5pPr indent="-317500" lvl="4" marL="2286000">
+            <a:lvl5pPr marL="2286000" lvl="4" indent="-317500">
               <a:spcBef>
                 <a:spcPts val="1600"/>
               </a:spcBef>
@@ -5398,7 +5572,7 @@
               <a:buChar char="○"/>
               <a:defRPr/>
             </a:lvl5pPr>
-            <a:lvl6pPr indent="-317500" lvl="5" marL="2743200">
+            <a:lvl6pPr marL="2743200" lvl="5" indent="-317500">
               <a:spcBef>
                 <a:spcPts val="1600"/>
               </a:spcBef>
@@ -5409,7 +5583,7 @@
               <a:buChar char="■"/>
               <a:defRPr/>
             </a:lvl6pPr>
-            <a:lvl7pPr indent="-317500" lvl="6" marL="3200400">
+            <a:lvl7pPr marL="3200400" lvl="6" indent="-317500">
               <a:spcBef>
                 <a:spcPts val="1600"/>
               </a:spcBef>
@@ -5420,7 +5594,7 @@
               <a:buChar char="●"/>
               <a:defRPr/>
             </a:lvl7pPr>
-            <a:lvl8pPr indent="-317500" lvl="7" marL="3657600">
+            <a:lvl8pPr marL="3657600" lvl="7" indent="-317500">
               <a:spcBef>
                 <a:spcPts val="1600"/>
               </a:spcBef>
@@ -5431,7 +5605,7 @@
               <a:buChar char="○"/>
               <a:defRPr/>
             </a:lvl8pPr>
-            <a:lvl9pPr indent="-317500" lvl="8" marL="4114800">
+            <a:lvl9pPr marL="4114800" lvl="8" indent="-317500">
               <a:spcBef>
                 <a:spcPts val="1600"/>
               </a:spcBef>
@@ -5443,15 +5617,19 @@
               <a:defRPr/>
             </a:lvl9pPr>
           </a:lstStyle>
-          <a:p/>
+          <a:p>
+            <a:endParaRPr/>
+          </a:p>
         </p:txBody>
       </p:sp>
       <p:sp>
         <p:nvSpPr>
           <p:cNvPr id="40" name="Google Shape;40;p9"/>
-          <p:cNvSpPr txBox="1"/>
+          <p:cNvSpPr txBox="1">
+            <a:spLocks noGrp="1"/>
+          </p:cNvSpPr>
           <p:nvPr>
-            <p:ph idx="12" type="sldNum"/>
+            <p:ph type="sldNum" idx="12"/>
           </p:nvPr>
         </p:nvSpPr>
         <p:spPr>
@@ -5464,7 +5642,7 @@
           </a:prstGeom>
         </p:spPr>
         <p:txBody>
-          <a:bodyPr anchorCtr="0" anchor="ctr" bIns="91425" lIns="91425" spcFirstLastPara="1" rIns="91425" wrap="square" tIns="91425">
+          <a:bodyPr spcFirstLastPara="1" wrap="square" lIns="91425" tIns="91425" rIns="91425" bIns="91425" anchor="ctr" anchorCtr="0">
             <a:noAutofit/>
           </a:bodyPr>
           <a:lstStyle>
@@ -5506,7 +5684,7 @@
             </a:lvl9pPr>
           </a:lstStyle>
           <a:p>
-            <a:pPr indent="0" lvl="0" marL="0" rtl="0" algn="r">
+            <a:pPr marL="0" lvl="0" indent="0" algn="r" rtl="0">
               <a:spcBef>
                 <a:spcPts val="0"/>
               </a:spcBef>
@@ -5517,7 +5695,7 @@
             </a:pPr>
             <a:fld id="{00000000-1234-1234-1234-123412341234}" type="slidenum">
               <a:rPr lang="fr"/>
-              <a:t>‹#›</a:t>
+              <a:t>‹N°›</a:t>
             </a:fld>
             <a:endParaRPr/>
           </a:p>
@@ -5532,11 +5710,11 @@
 </file>
 
 <file path=ppt/slideLayouts/slideLayout9.xml><?xml version="1.0" encoding="utf-8"?>
-<p:sldLayout xmlns:a="http://schemas.openxmlformats.org/drawingml/2006/main" xmlns:r="http://schemas.openxmlformats.org/officeDocument/2006/relationships" xmlns:mc="http://schemas.openxmlformats.org/markup-compatibility/2006" xmlns:mv="urn:schemas-microsoft-com:mac:vml" xmlns:p="http://schemas.openxmlformats.org/presentationml/2006/main" xmlns:c="http://schemas.openxmlformats.org/drawingml/2006/chart" xmlns:dgm="http://schemas.openxmlformats.org/drawingml/2006/diagram" xmlns:o="urn:schemas-microsoft-com:office:office" xmlns:v="urn:schemas-microsoft-com:vml" xmlns:pvml="urn:schemas-microsoft-com:office:powerpoint" xmlns:com="http://schemas.openxmlformats.org/drawingml/2006/compatibility" xmlns:p14="http://schemas.microsoft.com/office/powerpoint/2010/main" xmlns:p15="http://schemas.microsoft.com/office/powerpoint/2012/main" matchingName="Caption">
+<p:sldLayout xmlns:a="http://schemas.openxmlformats.org/drawingml/2006/main" xmlns:r="http://schemas.openxmlformats.org/officeDocument/2006/relationships" xmlns:p="http://schemas.openxmlformats.org/presentationml/2006/main" matchingName="Caption">
   <p:cSld name="CAPTION_ONLY">
     <p:spTree>
       <p:nvGrpSpPr>
-        <p:cNvPr id="41" name="Shape 41"/>
+        <p:cNvPr id="1" name="Shape 41"/>
         <p:cNvGrpSpPr/>
         <p:nvPr/>
       </p:nvGrpSpPr>
@@ -5551,9 +5729,11 @@
       <p:sp>
         <p:nvSpPr>
           <p:cNvPr id="42" name="Google Shape;42;p10"/>
-          <p:cNvSpPr txBox="1"/>
+          <p:cNvSpPr txBox="1">
+            <a:spLocks noGrp="1"/>
+          </p:cNvSpPr>
           <p:nvPr>
-            <p:ph idx="1" type="body"/>
+            <p:ph type="body" idx="1"/>
           </p:nvPr>
         </p:nvSpPr>
         <p:spPr>
@@ -5566,11 +5746,11 @@
           </a:prstGeom>
         </p:spPr>
         <p:txBody>
-          <a:bodyPr anchorCtr="0" anchor="ctr" bIns="91425" lIns="91425" spcFirstLastPara="1" rIns="91425" wrap="square" tIns="91425">
+          <a:bodyPr spcFirstLastPara="1" wrap="square" lIns="91425" tIns="91425" rIns="91425" bIns="91425" anchor="ctr" anchorCtr="0">
             <a:noAutofit/>
           </a:bodyPr>
           <a:lstStyle>
-            <a:lvl1pPr indent="-228600" lvl="0" marL="457200">
+            <a:lvl1pPr marL="457200" lvl="0" indent="-228600">
               <a:lnSpc>
                 <a:spcPct val="100000"/>
               </a:lnSpc>
@@ -5585,15 +5765,19 @@
               <a:defRPr/>
             </a:lvl1pPr>
           </a:lstStyle>
-          <a:p/>
+          <a:p>
+            <a:endParaRPr/>
+          </a:p>
         </p:txBody>
       </p:sp>
       <p:sp>
         <p:nvSpPr>
           <p:cNvPr id="43" name="Google Shape;43;p10"/>
-          <p:cNvSpPr txBox="1"/>
+          <p:cNvSpPr txBox="1">
+            <a:spLocks noGrp="1"/>
+          </p:cNvSpPr>
           <p:nvPr>
-            <p:ph idx="12" type="sldNum"/>
+            <p:ph type="sldNum" idx="12"/>
           </p:nvPr>
         </p:nvSpPr>
         <p:spPr>
@@ -5606,7 +5790,7 @@
           </a:prstGeom>
         </p:spPr>
         <p:txBody>
-          <a:bodyPr anchorCtr="0" anchor="ctr" bIns="91425" lIns="91425" spcFirstLastPara="1" rIns="91425" wrap="square" tIns="91425">
+          <a:bodyPr spcFirstLastPara="1" wrap="square" lIns="91425" tIns="91425" rIns="91425" bIns="91425" anchor="ctr" anchorCtr="0">
             <a:noAutofit/>
           </a:bodyPr>
           <a:lstStyle>
@@ -5648,7 +5832,7 @@
             </a:lvl9pPr>
           </a:lstStyle>
           <a:p>
-            <a:pPr indent="0" lvl="0" marL="0" rtl="0" algn="r">
+            <a:pPr marL="0" lvl="0" indent="0" algn="r" rtl="0">
               <a:spcBef>
                 <a:spcPts val="0"/>
               </a:spcBef>
@@ -5659,7 +5843,7 @@
             </a:pPr>
             <a:fld id="{00000000-1234-1234-1234-123412341234}" type="slidenum">
               <a:rPr lang="fr"/>
-              <a:t>‹#›</a:t>
+              <a:t>‹N°›</a:t>
             </a:fld>
             <a:endParaRPr/>
           </a:p>
@@ -5674,18 +5858,19 @@
 </file>
 
 <file path=ppt/slideMasters/slideMaster1.xml><?xml version="1.0" encoding="utf-8"?>
-<p:sldMaster xmlns:a="http://schemas.openxmlformats.org/drawingml/2006/main" xmlns:r="http://schemas.openxmlformats.org/officeDocument/2006/relationships" xmlns:mc="http://schemas.openxmlformats.org/markup-compatibility/2006" xmlns:mv="urn:schemas-microsoft-com:mac:vml" xmlns:p="http://schemas.openxmlformats.org/presentationml/2006/main" xmlns:c="http://schemas.openxmlformats.org/drawingml/2006/chart" xmlns:dgm="http://schemas.openxmlformats.org/drawingml/2006/diagram" xmlns:o="urn:schemas-microsoft-com:office:office" xmlns:v="urn:schemas-microsoft-com:vml" xmlns:pvml="urn:schemas-microsoft-com:office:powerpoint" xmlns:com="http://schemas.openxmlformats.org/drawingml/2006/compatibility" xmlns:p14="http://schemas.microsoft.com/office/powerpoint/2010/main" xmlns:p15="http://schemas.microsoft.com/office/powerpoint/2012/main">
+<p:sldMaster xmlns:a="http://schemas.openxmlformats.org/drawingml/2006/main" xmlns:r="http://schemas.openxmlformats.org/officeDocument/2006/relationships" xmlns:p="http://schemas.openxmlformats.org/presentationml/2006/main">
   <p:cSld name="simple-light-2">
     <p:bg>
       <p:bgPr>
         <a:solidFill>
           <a:schemeClr val="lt1"/>
         </a:solidFill>
+        <a:effectLst/>
       </p:bgPr>
     </p:bg>
     <p:spTree>
       <p:nvGrpSpPr>
-        <p:cNvPr id="5" name="Shape 5"/>
+        <p:cNvPr id="1" name="Shape 5"/>
         <p:cNvGrpSpPr/>
         <p:nvPr/>
       </p:nvGrpSpPr>
@@ -5700,7 +5885,9 @@
       <p:sp>
         <p:nvSpPr>
           <p:cNvPr id="6" name="Google Shape;6;p1"/>
-          <p:cNvSpPr txBox="1"/>
+          <p:cNvSpPr txBox="1">
+            <a:spLocks noGrp="1"/>
+          </p:cNvSpPr>
           <p:nvPr>
             <p:ph type="title"/>
           </p:nvPr>
@@ -5719,7 +5906,7 @@
           </a:ln>
         </p:spPr>
         <p:txBody>
-          <a:bodyPr anchorCtr="0" anchor="t" bIns="91425" lIns="91425" spcFirstLastPara="1" rIns="91425" wrap="square" tIns="91425">
+          <a:bodyPr spcFirstLastPara="1" wrap="square" lIns="91425" tIns="91425" rIns="91425" bIns="91425" anchor="t" anchorCtr="0">
             <a:noAutofit/>
           </a:bodyPr>
           <a:lstStyle>
@@ -5886,15 +6073,19 @@
               </a:defRPr>
             </a:lvl9pPr>
           </a:lstStyle>
-          <a:p/>
+          <a:p>
+            <a:endParaRPr/>
+          </a:p>
         </p:txBody>
       </p:sp>
       <p:sp>
         <p:nvSpPr>
           <p:cNvPr id="7" name="Google Shape;7;p1"/>
-          <p:cNvSpPr txBox="1"/>
+          <p:cNvSpPr txBox="1">
+            <a:spLocks noGrp="1"/>
+          </p:cNvSpPr>
           <p:nvPr>
-            <p:ph idx="1" type="body"/>
+            <p:ph type="body" idx="1"/>
           </p:nvPr>
         </p:nvSpPr>
         <p:spPr>
@@ -5911,11 +6102,11 @@
           </a:ln>
         </p:spPr>
         <p:txBody>
-          <a:bodyPr anchorCtr="0" anchor="t" bIns="91425" lIns="91425" spcFirstLastPara="1" rIns="91425" wrap="square" tIns="91425">
+          <a:bodyPr spcFirstLastPara="1" wrap="square" lIns="91425" tIns="91425" rIns="91425" bIns="91425" anchor="t" anchorCtr="0">
             <a:noAutofit/>
           </a:bodyPr>
           <a:lstStyle>
-            <a:lvl1pPr indent="-342900" lvl="0" marL="457200">
+            <a:lvl1pPr marL="457200" lvl="0" indent="-342900">
               <a:lnSpc>
                 <a:spcPct val="115000"/>
               </a:lnSpc>
@@ -5936,7 +6127,7 @@
                 </a:solidFill>
               </a:defRPr>
             </a:lvl1pPr>
-            <a:lvl2pPr indent="-317500" lvl="1" marL="914400">
+            <a:lvl2pPr marL="914400" lvl="1" indent="-317500">
               <a:lnSpc>
                 <a:spcPct val="115000"/>
               </a:lnSpc>
@@ -5957,7 +6148,7 @@
                 </a:solidFill>
               </a:defRPr>
             </a:lvl2pPr>
-            <a:lvl3pPr indent="-317500" lvl="2" marL="1371600">
+            <a:lvl3pPr marL="1371600" lvl="2" indent="-317500">
               <a:lnSpc>
                 <a:spcPct val="115000"/>
               </a:lnSpc>
@@ -5978,7 +6169,7 @@
                 </a:solidFill>
               </a:defRPr>
             </a:lvl3pPr>
-            <a:lvl4pPr indent="-317500" lvl="3" marL="1828800">
+            <a:lvl4pPr marL="1828800" lvl="3" indent="-317500">
               <a:lnSpc>
                 <a:spcPct val="115000"/>
               </a:lnSpc>
@@ -5999,7 +6190,7 @@
                 </a:solidFill>
               </a:defRPr>
             </a:lvl4pPr>
-            <a:lvl5pPr indent="-317500" lvl="4" marL="2286000">
+            <a:lvl5pPr marL="2286000" lvl="4" indent="-317500">
               <a:lnSpc>
                 <a:spcPct val="115000"/>
               </a:lnSpc>
@@ -6020,7 +6211,7 @@
                 </a:solidFill>
               </a:defRPr>
             </a:lvl5pPr>
-            <a:lvl6pPr indent="-317500" lvl="5" marL="2743200">
+            <a:lvl6pPr marL="2743200" lvl="5" indent="-317500">
               <a:lnSpc>
                 <a:spcPct val="115000"/>
               </a:lnSpc>
@@ -6041,7 +6232,7 @@
                 </a:solidFill>
               </a:defRPr>
             </a:lvl6pPr>
-            <a:lvl7pPr indent="-317500" lvl="6" marL="3200400">
+            <a:lvl7pPr marL="3200400" lvl="6" indent="-317500">
               <a:lnSpc>
                 <a:spcPct val="115000"/>
               </a:lnSpc>
@@ -6062,7 +6253,7 @@
                 </a:solidFill>
               </a:defRPr>
             </a:lvl7pPr>
-            <a:lvl8pPr indent="-317500" lvl="7" marL="3657600">
+            <a:lvl8pPr marL="3657600" lvl="7" indent="-317500">
               <a:lnSpc>
                 <a:spcPct val="115000"/>
               </a:lnSpc>
@@ -6083,7 +6274,7 @@
                 </a:solidFill>
               </a:defRPr>
             </a:lvl8pPr>
-            <a:lvl9pPr indent="-317500" lvl="8" marL="4114800">
+            <a:lvl9pPr marL="4114800" lvl="8" indent="-317500">
               <a:lnSpc>
                 <a:spcPct val="115000"/>
               </a:lnSpc>
@@ -6105,15 +6296,19 @@
               </a:defRPr>
             </a:lvl9pPr>
           </a:lstStyle>
-          <a:p/>
+          <a:p>
+            <a:endParaRPr/>
+          </a:p>
         </p:txBody>
       </p:sp>
       <p:sp>
         <p:nvSpPr>
           <p:cNvPr id="8" name="Google Shape;8;p1"/>
-          <p:cNvSpPr txBox="1"/>
+          <p:cNvSpPr txBox="1">
+            <a:spLocks noGrp="1"/>
+          </p:cNvSpPr>
           <p:nvPr>
-            <p:ph idx="12" type="sldNum"/>
+            <p:ph type="sldNum" idx="12"/>
           </p:nvPr>
         </p:nvSpPr>
         <p:spPr>
@@ -6130,7 +6325,7 @@
           </a:ln>
         </p:spPr>
         <p:txBody>
-          <a:bodyPr anchorCtr="0" anchor="ctr" bIns="91425" lIns="91425" spcFirstLastPara="1" rIns="91425" wrap="square" tIns="91425">
+          <a:bodyPr spcFirstLastPara="1" wrap="square" lIns="91425" tIns="91425" rIns="91425" bIns="91425" anchor="ctr" anchorCtr="0">
             <a:noAutofit/>
           </a:bodyPr>
           <a:lstStyle>
@@ -6208,7 +6403,7 @@
             </a:lvl9pPr>
           </a:lstStyle>
           <a:p>
-            <a:pPr indent="0" lvl="0" marL="0" rtl="0" algn="r">
+            <a:pPr marL="0" lvl="0" indent="0" algn="r" rtl="0">
               <a:spcBef>
                 <a:spcPts val="0"/>
               </a:spcBef>
@@ -6219,7 +6414,7 @@
             </a:pPr>
             <a:fld id="{00000000-1234-1234-1234-123412341234}" type="slidenum">
               <a:rPr lang="fr"/>
-              <a:t>‹#›</a:t>
+              <a:t>‹N°›</a:t>
             </a:fld>
             <a:endParaRPr/>
           </a:p>
@@ -6227,7 +6422,7 @@
       </p:sp>
     </p:spTree>
   </p:cSld>
-  <p:clrMap accent1="accent1" accent2="accent2" accent3="accent3" accent4="accent4" accent5="accent5" accent6="accent6" bg1="lt1" bg2="dk2" tx1="dk1" tx2="lt2" folHlink="folHlink" hlink="hlink"/>
+  <p:clrMap bg1="lt1" tx1="dk1" bg2="dk2" tx2="lt2" accent1="accent1" accent2="accent2" accent3="accent3" accent4="accent4" accent5="accent5" accent6="accent6" hlink="hlink" folHlink="folHlink"/>
   <p:sldLayoutIdLst>
     <p:sldLayoutId id="2147483648" r:id="rId1"/>
     <p:sldLayoutId id="2147483649" r:id="rId2"/>
@@ -6241,10 +6436,10 @@
     <p:sldLayoutId id="2147483657" r:id="rId10"/>
     <p:sldLayoutId id="2147483658" r:id="rId11"/>
   </p:sldLayoutIdLst>
-  <p:hf dt="0" ftr="0" hdr="0" sldNum="0"/>
+  <p:hf sldNum="0" hdr="0" ftr="0" dt="0"/>
   <p:txStyles>
     <p:titleStyle>
-      <a:defPPr lvl="0" marR="0" rtl="0" algn="l">
+      <a:defPPr marR="0" lvl="0" algn="l" rtl="0">
         <a:lnSpc>
           <a:spcPct val="100000"/>
         </a:lnSpc>
@@ -6255,7 +6450,7 @@
           <a:spcPts val="0"/>
         </a:spcAft>
       </a:defPPr>
-      <a:lvl1pPr lvl="0" marR="0" rtl="0" algn="l">
+      <a:lvl1pPr marR="0" lvl="0" algn="l" rtl="0">
         <a:lnSpc>
           <a:spcPct val="100000"/>
         </a:lnSpc>
@@ -6269,7 +6464,7 @@
           <a:srgbClr val="000000"/>
         </a:buClr>
         <a:buFont typeface="Arial"/>
-        <a:defRPr b="0" i="0" sz="1400" u="none" cap="none" strike="noStrike">
+        <a:defRPr sz="1400" b="0" i="0" u="none" strike="noStrike" cap="none">
           <a:solidFill>
             <a:srgbClr val="000000"/>
           </a:solidFill>
@@ -6279,7 +6474,7 @@
           <a:sym typeface="Arial"/>
         </a:defRPr>
       </a:lvl1pPr>
-      <a:lvl2pPr lvl="1" marR="0" rtl="0" algn="l">
+      <a:lvl2pPr marR="0" lvl="1" algn="l" rtl="0">
         <a:lnSpc>
           <a:spcPct val="100000"/>
         </a:lnSpc>
@@ -6293,7 +6488,7 @@
           <a:srgbClr val="000000"/>
         </a:buClr>
         <a:buFont typeface="Arial"/>
-        <a:defRPr b="0" i="0" sz="1400" u="none" cap="none" strike="noStrike">
+        <a:defRPr sz="1400" b="0" i="0" u="none" strike="noStrike" cap="none">
           <a:solidFill>
             <a:srgbClr val="000000"/>
           </a:solidFill>
@@ -6303,7 +6498,7 @@
           <a:sym typeface="Arial"/>
         </a:defRPr>
       </a:lvl2pPr>
-      <a:lvl3pPr lvl="2" marR="0" rtl="0" algn="l">
+      <a:lvl3pPr marR="0" lvl="2" algn="l" rtl="0">
         <a:lnSpc>
           <a:spcPct val="100000"/>
         </a:lnSpc>
@@ -6317,7 +6512,7 @@
           <a:srgbClr val="000000"/>
         </a:buClr>
         <a:buFont typeface="Arial"/>
-        <a:defRPr b="0" i="0" sz="1400" u="none" cap="none" strike="noStrike">
+        <a:defRPr sz="1400" b="0" i="0" u="none" strike="noStrike" cap="none">
           <a:solidFill>
             <a:srgbClr val="000000"/>
           </a:solidFill>
@@ -6327,7 +6522,7 @@
           <a:sym typeface="Arial"/>
         </a:defRPr>
       </a:lvl3pPr>
-      <a:lvl4pPr lvl="3" marR="0" rtl="0" algn="l">
+      <a:lvl4pPr marR="0" lvl="3" algn="l" rtl="0">
         <a:lnSpc>
           <a:spcPct val="100000"/>
         </a:lnSpc>
@@ -6341,7 +6536,7 @@
           <a:srgbClr val="000000"/>
         </a:buClr>
         <a:buFont typeface="Arial"/>
-        <a:defRPr b="0" i="0" sz="1400" u="none" cap="none" strike="noStrike">
+        <a:defRPr sz="1400" b="0" i="0" u="none" strike="noStrike" cap="none">
           <a:solidFill>
             <a:srgbClr val="000000"/>
           </a:solidFill>
@@ -6351,7 +6546,7 @@
           <a:sym typeface="Arial"/>
         </a:defRPr>
       </a:lvl4pPr>
-      <a:lvl5pPr lvl="4" marR="0" rtl="0" algn="l">
+      <a:lvl5pPr marR="0" lvl="4" algn="l" rtl="0">
         <a:lnSpc>
           <a:spcPct val="100000"/>
         </a:lnSpc>
@@ -6365,7 +6560,7 @@
           <a:srgbClr val="000000"/>
         </a:buClr>
         <a:buFont typeface="Arial"/>
-        <a:defRPr b="0" i="0" sz="1400" u="none" cap="none" strike="noStrike">
+        <a:defRPr sz="1400" b="0" i="0" u="none" strike="noStrike" cap="none">
           <a:solidFill>
             <a:srgbClr val="000000"/>
           </a:solidFill>
@@ -6375,7 +6570,7 @@
           <a:sym typeface="Arial"/>
         </a:defRPr>
       </a:lvl5pPr>
-      <a:lvl6pPr lvl="5" marR="0" rtl="0" algn="l">
+      <a:lvl6pPr marR="0" lvl="5" algn="l" rtl="0">
         <a:lnSpc>
           <a:spcPct val="100000"/>
         </a:lnSpc>
@@ -6389,7 +6584,7 @@
           <a:srgbClr val="000000"/>
         </a:buClr>
         <a:buFont typeface="Arial"/>
-        <a:defRPr b="0" i="0" sz="1400" u="none" cap="none" strike="noStrike">
+        <a:defRPr sz="1400" b="0" i="0" u="none" strike="noStrike" cap="none">
           <a:solidFill>
             <a:srgbClr val="000000"/>
           </a:solidFill>
@@ -6399,7 +6594,7 @@
           <a:sym typeface="Arial"/>
         </a:defRPr>
       </a:lvl6pPr>
-      <a:lvl7pPr lvl="6" marR="0" rtl="0" algn="l">
+      <a:lvl7pPr marR="0" lvl="6" algn="l" rtl="0">
         <a:lnSpc>
           <a:spcPct val="100000"/>
         </a:lnSpc>
@@ -6413,7 +6608,7 @@
           <a:srgbClr val="000000"/>
         </a:buClr>
         <a:buFont typeface="Arial"/>
-        <a:defRPr b="0" i="0" sz="1400" u="none" cap="none" strike="noStrike">
+        <a:defRPr sz="1400" b="0" i="0" u="none" strike="noStrike" cap="none">
           <a:solidFill>
             <a:srgbClr val="000000"/>
           </a:solidFill>
@@ -6423,7 +6618,7 @@
           <a:sym typeface="Arial"/>
         </a:defRPr>
       </a:lvl7pPr>
-      <a:lvl8pPr lvl="7" marR="0" rtl="0" algn="l">
+      <a:lvl8pPr marR="0" lvl="7" algn="l" rtl="0">
         <a:lnSpc>
           <a:spcPct val="100000"/>
         </a:lnSpc>
@@ -6437,7 +6632,7 @@
           <a:srgbClr val="000000"/>
         </a:buClr>
         <a:buFont typeface="Arial"/>
-        <a:defRPr b="0" i="0" sz="1400" u="none" cap="none" strike="noStrike">
+        <a:defRPr sz="1400" b="0" i="0" u="none" strike="noStrike" cap="none">
           <a:solidFill>
             <a:srgbClr val="000000"/>
           </a:solidFill>
@@ -6447,7 +6642,7 @@
           <a:sym typeface="Arial"/>
         </a:defRPr>
       </a:lvl8pPr>
-      <a:lvl9pPr lvl="8" marR="0" rtl="0" algn="l">
+      <a:lvl9pPr marR="0" lvl="8" algn="l" rtl="0">
         <a:lnSpc>
           <a:spcPct val="100000"/>
         </a:lnSpc>
@@ -6461,7 +6656,7 @@
           <a:srgbClr val="000000"/>
         </a:buClr>
         <a:buFont typeface="Arial"/>
-        <a:defRPr b="0" i="0" sz="1400" u="none" cap="none" strike="noStrike">
+        <a:defRPr sz="1400" b="0" i="0" u="none" strike="noStrike" cap="none">
           <a:solidFill>
             <a:srgbClr val="000000"/>
           </a:solidFill>
@@ -6473,7 +6668,7 @@
       </a:lvl9pPr>
     </p:titleStyle>
     <p:bodyStyle>
-      <a:defPPr lvl="0" marR="0" rtl="0" algn="l">
+      <a:defPPr marR="0" lvl="0" algn="l" rtl="0">
         <a:lnSpc>
           <a:spcPct val="100000"/>
         </a:lnSpc>
@@ -6484,7 +6679,7 @@
           <a:spcPts val="0"/>
         </a:spcAft>
       </a:defPPr>
-      <a:lvl1pPr lvl="0" marR="0" rtl="0" algn="l">
+      <a:lvl1pPr marR="0" lvl="0" algn="l" rtl="0">
         <a:lnSpc>
           <a:spcPct val="100000"/>
         </a:lnSpc>
@@ -6498,7 +6693,7 @@
           <a:srgbClr val="000000"/>
         </a:buClr>
         <a:buFont typeface="Arial"/>
-        <a:defRPr b="0" i="0" sz="1400" u="none" cap="none" strike="noStrike">
+        <a:defRPr sz="1400" b="0" i="0" u="none" strike="noStrike" cap="none">
           <a:solidFill>
             <a:srgbClr val="000000"/>
           </a:solidFill>
@@ -6508,7 +6703,7 @@
           <a:sym typeface="Arial"/>
         </a:defRPr>
       </a:lvl1pPr>
-      <a:lvl2pPr lvl="1" marR="0" rtl="0" algn="l">
+      <a:lvl2pPr marR="0" lvl="1" algn="l" rtl="0">
         <a:lnSpc>
           <a:spcPct val="100000"/>
         </a:lnSpc>
@@ -6522,7 +6717,7 @@
           <a:srgbClr val="000000"/>
         </a:buClr>
         <a:buFont typeface="Arial"/>
-        <a:defRPr b="0" i="0" sz="1400" u="none" cap="none" strike="noStrike">
+        <a:defRPr sz="1400" b="0" i="0" u="none" strike="noStrike" cap="none">
           <a:solidFill>
             <a:srgbClr val="000000"/>
           </a:solidFill>
@@ -6532,7 +6727,7 @@
           <a:sym typeface="Arial"/>
         </a:defRPr>
       </a:lvl2pPr>
-      <a:lvl3pPr lvl="2" marR="0" rtl="0" algn="l">
+      <a:lvl3pPr marR="0" lvl="2" algn="l" rtl="0">
         <a:lnSpc>
           <a:spcPct val="100000"/>
         </a:lnSpc>
@@ -6546,7 +6741,7 @@
           <a:srgbClr val="000000"/>
         </a:buClr>
         <a:buFont typeface="Arial"/>
-        <a:defRPr b="0" i="0" sz="1400" u="none" cap="none" strike="noStrike">
+        <a:defRPr sz="1400" b="0" i="0" u="none" strike="noStrike" cap="none">
           <a:solidFill>
             <a:srgbClr val="000000"/>
           </a:solidFill>
@@ -6556,7 +6751,7 @@
           <a:sym typeface="Arial"/>
         </a:defRPr>
       </a:lvl3pPr>
-      <a:lvl4pPr lvl="3" marR="0" rtl="0" algn="l">
+      <a:lvl4pPr marR="0" lvl="3" algn="l" rtl="0">
         <a:lnSpc>
           <a:spcPct val="100000"/>
         </a:lnSpc>
@@ -6570,7 +6765,7 @@
           <a:srgbClr val="000000"/>
         </a:buClr>
         <a:buFont typeface="Arial"/>
-        <a:defRPr b="0" i="0" sz="1400" u="none" cap="none" strike="noStrike">
+        <a:defRPr sz="1400" b="0" i="0" u="none" strike="noStrike" cap="none">
           <a:solidFill>
             <a:srgbClr val="000000"/>
           </a:solidFill>
@@ -6580,7 +6775,7 @@
           <a:sym typeface="Arial"/>
         </a:defRPr>
       </a:lvl4pPr>
-      <a:lvl5pPr lvl="4" marR="0" rtl="0" algn="l">
+      <a:lvl5pPr marR="0" lvl="4" algn="l" rtl="0">
         <a:lnSpc>
           <a:spcPct val="100000"/>
         </a:lnSpc>
@@ -6594,7 +6789,7 @@
           <a:srgbClr val="000000"/>
         </a:buClr>
         <a:buFont typeface="Arial"/>
-        <a:defRPr b="0" i="0" sz="1400" u="none" cap="none" strike="noStrike">
+        <a:defRPr sz="1400" b="0" i="0" u="none" strike="noStrike" cap="none">
           <a:solidFill>
             <a:srgbClr val="000000"/>
           </a:solidFill>
@@ -6604,7 +6799,7 @@
           <a:sym typeface="Arial"/>
         </a:defRPr>
       </a:lvl5pPr>
-      <a:lvl6pPr lvl="5" marR="0" rtl="0" algn="l">
+      <a:lvl6pPr marR="0" lvl="5" algn="l" rtl="0">
         <a:lnSpc>
           <a:spcPct val="100000"/>
         </a:lnSpc>
@@ -6618,7 +6813,7 @@
           <a:srgbClr val="000000"/>
         </a:buClr>
         <a:buFont typeface="Arial"/>
-        <a:defRPr b="0" i="0" sz="1400" u="none" cap="none" strike="noStrike">
+        <a:defRPr sz="1400" b="0" i="0" u="none" strike="noStrike" cap="none">
           <a:solidFill>
             <a:srgbClr val="000000"/>
           </a:solidFill>
@@ -6628,7 +6823,7 @@
           <a:sym typeface="Arial"/>
         </a:defRPr>
       </a:lvl6pPr>
-      <a:lvl7pPr lvl="6" marR="0" rtl="0" algn="l">
+      <a:lvl7pPr marR="0" lvl="6" algn="l" rtl="0">
         <a:lnSpc>
           <a:spcPct val="100000"/>
         </a:lnSpc>
@@ -6642,7 +6837,7 @@
           <a:srgbClr val="000000"/>
         </a:buClr>
         <a:buFont typeface="Arial"/>
-        <a:defRPr b="0" i="0" sz="1400" u="none" cap="none" strike="noStrike">
+        <a:defRPr sz="1400" b="0" i="0" u="none" strike="noStrike" cap="none">
           <a:solidFill>
             <a:srgbClr val="000000"/>
           </a:solidFill>
@@ -6652,7 +6847,7 @@
           <a:sym typeface="Arial"/>
         </a:defRPr>
       </a:lvl7pPr>
-      <a:lvl8pPr lvl="7" marR="0" rtl="0" algn="l">
+      <a:lvl8pPr marR="0" lvl="7" algn="l" rtl="0">
         <a:lnSpc>
           <a:spcPct val="100000"/>
         </a:lnSpc>
@@ -6666,7 +6861,7 @@
           <a:srgbClr val="000000"/>
         </a:buClr>
         <a:buFont typeface="Arial"/>
-        <a:defRPr b="0" i="0" sz="1400" u="none" cap="none" strike="noStrike">
+        <a:defRPr sz="1400" b="0" i="0" u="none" strike="noStrike" cap="none">
           <a:solidFill>
             <a:srgbClr val="000000"/>
           </a:solidFill>
@@ -6676,7 +6871,7 @@
           <a:sym typeface="Arial"/>
         </a:defRPr>
       </a:lvl8pPr>
-      <a:lvl9pPr lvl="8" marR="0" rtl="0" algn="l">
+      <a:lvl9pPr marR="0" lvl="8" algn="l" rtl="0">
         <a:lnSpc>
           <a:spcPct val="100000"/>
         </a:lnSpc>
@@ -6690,7 +6885,7 @@
           <a:srgbClr val="000000"/>
         </a:buClr>
         <a:buFont typeface="Arial"/>
-        <a:defRPr b="0" i="0" sz="1400" u="none" cap="none" strike="noStrike">
+        <a:defRPr sz="1400" b="0" i="0" u="none" strike="noStrike" cap="none">
           <a:solidFill>
             <a:srgbClr val="000000"/>
           </a:solidFill>
@@ -6702,7 +6897,7 @@
       </a:lvl9pPr>
     </p:bodyStyle>
     <p:otherStyle>
-      <a:defPPr lvl="0" marR="0" rtl="0" algn="l">
+      <a:defPPr marR="0" lvl="0" algn="l" rtl="0">
         <a:lnSpc>
           <a:spcPct val="100000"/>
         </a:lnSpc>
@@ -6713,7 +6908,7 @@
           <a:spcPts val="0"/>
         </a:spcAft>
       </a:defPPr>
-      <a:lvl1pPr lvl="0" marR="0" rtl="0" algn="l">
+      <a:lvl1pPr marR="0" lvl="0" algn="l" rtl="0">
         <a:lnSpc>
           <a:spcPct val="100000"/>
         </a:lnSpc>
@@ -6727,7 +6922,7 @@
           <a:srgbClr val="000000"/>
         </a:buClr>
         <a:buFont typeface="Arial"/>
-        <a:defRPr b="0" i="0" sz="1400" u="none" cap="none" strike="noStrike">
+        <a:defRPr sz="1400" b="0" i="0" u="none" strike="noStrike" cap="none">
           <a:solidFill>
             <a:srgbClr val="000000"/>
           </a:solidFill>
@@ -6737,7 +6932,7 @@
           <a:sym typeface="Arial"/>
         </a:defRPr>
       </a:lvl1pPr>
-      <a:lvl2pPr lvl="1" marR="0" rtl="0" algn="l">
+      <a:lvl2pPr marR="0" lvl="1" algn="l" rtl="0">
         <a:lnSpc>
           <a:spcPct val="100000"/>
         </a:lnSpc>
@@ -6751,7 +6946,7 @@
           <a:srgbClr val="000000"/>
         </a:buClr>
         <a:buFont typeface="Arial"/>
-        <a:defRPr b="0" i="0" sz="1400" u="none" cap="none" strike="noStrike">
+        <a:defRPr sz="1400" b="0" i="0" u="none" strike="noStrike" cap="none">
           <a:solidFill>
             <a:srgbClr val="000000"/>
           </a:solidFill>
@@ -6761,7 +6956,7 @@
           <a:sym typeface="Arial"/>
         </a:defRPr>
       </a:lvl2pPr>
-      <a:lvl3pPr lvl="2" marR="0" rtl="0" algn="l">
+      <a:lvl3pPr marR="0" lvl="2" algn="l" rtl="0">
         <a:lnSpc>
           <a:spcPct val="100000"/>
         </a:lnSpc>
@@ -6775,7 +6970,7 @@
           <a:srgbClr val="000000"/>
         </a:buClr>
         <a:buFont typeface="Arial"/>
-        <a:defRPr b="0" i="0" sz="1400" u="none" cap="none" strike="noStrike">
+        <a:defRPr sz="1400" b="0" i="0" u="none" strike="noStrike" cap="none">
           <a:solidFill>
             <a:srgbClr val="000000"/>
           </a:solidFill>
@@ -6785,7 +6980,7 @@
           <a:sym typeface="Arial"/>
         </a:defRPr>
       </a:lvl3pPr>
-      <a:lvl4pPr lvl="3" marR="0" rtl="0" algn="l">
+      <a:lvl4pPr marR="0" lvl="3" algn="l" rtl="0">
         <a:lnSpc>
           <a:spcPct val="100000"/>
         </a:lnSpc>
@@ -6799,7 +6994,7 @@
           <a:srgbClr val="000000"/>
         </a:buClr>
         <a:buFont typeface="Arial"/>
-        <a:defRPr b="0" i="0" sz="1400" u="none" cap="none" strike="noStrike">
+        <a:defRPr sz="1400" b="0" i="0" u="none" strike="noStrike" cap="none">
           <a:solidFill>
             <a:srgbClr val="000000"/>
           </a:solidFill>
@@ -6809,7 +7004,7 @@
           <a:sym typeface="Arial"/>
         </a:defRPr>
       </a:lvl4pPr>
-      <a:lvl5pPr lvl="4" marR="0" rtl="0" algn="l">
+      <a:lvl5pPr marR="0" lvl="4" algn="l" rtl="0">
         <a:lnSpc>
           <a:spcPct val="100000"/>
         </a:lnSpc>
@@ -6823,7 +7018,7 @@
           <a:srgbClr val="000000"/>
         </a:buClr>
         <a:buFont typeface="Arial"/>
-        <a:defRPr b="0" i="0" sz="1400" u="none" cap="none" strike="noStrike">
+        <a:defRPr sz="1400" b="0" i="0" u="none" strike="noStrike" cap="none">
           <a:solidFill>
             <a:srgbClr val="000000"/>
           </a:solidFill>
@@ -6833,7 +7028,7 @@
           <a:sym typeface="Arial"/>
         </a:defRPr>
       </a:lvl5pPr>
-      <a:lvl6pPr lvl="5" marR="0" rtl="0" algn="l">
+      <a:lvl6pPr marR="0" lvl="5" algn="l" rtl="0">
         <a:lnSpc>
           <a:spcPct val="100000"/>
         </a:lnSpc>
@@ -6847,7 +7042,7 @@
           <a:srgbClr val="000000"/>
         </a:buClr>
         <a:buFont typeface="Arial"/>
-        <a:defRPr b="0" i="0" sz="1400" u="none" cap="none" strike="noStrike">
+        <a:defRPr sz="1400" b="0" i="0" u="none" strike="noStrike" cap="none">
           <a:solidFill>
             <a:srgbClr val="000000"/>
           </a:solidFill>
@@ -6857,7 +7052,7 @@
           <a:sym typeface="Arial"/>
         </a:defRPr>
       </a:lvl6pPr>
-      <a:lvl7pPr lvl="6" marR="0" rtl="0" algn="l">
+      <a:lvl7pPr marR="0" lvl="6" algn="l" rtl="0">
         <a:lnSpc>
           <a:spcPct val="100000"/>
         </a:lnSpc>
@@ -6871,7 +7066,7 @@
           <a:srgbClr val="000000"/>
         </a:buClr>
         <a:buFont typeface="Arial"/>
-        <a:defRPr b="0" i="0" sz="1400" u="none" cap="none" strike="noStrike">
+        <a:defRPr sz="1400" b="0" i="0" u="none" strike="noStrike" cap="none">
           <a:solidFill>
             <a:srgbClr val="000000"/>
           </a:solidFill>
@@ -6881,7 +7076,7 @@
           <a:sym typeface="Arial"/>
         </a:defRPr>
       </a:lvl7pPr>
-      <a:lvl8pPr lvl="7" marR="0" rtl="0" algn="l">
+      <a:lvl8pPr marR="0" lvl="7" algn="l" rtl="0">
         <a:lnSpc>
           <a:spcPct val="100000"/>
         </a:lnSpc>
@@ -6895,7 +7090,7 @@
           <a:srgbClr val="000000"/>
         </a:buClr>
         <a:buFont typeface="Arial"/>
-        <a:defRPr b="0" i="0" sz="1400" u="none" cap="none" strike="noStrike">
+        <a:defRPr sz="1400" b="0" i="0" u="none" strike="noStrike" cap="none">
           <a:solidFill>
             <a:srgbClr val="000000"/>
           </a:solidFill>
@@ -6905,7 +7100,7 @@
           <a:sym typeface="Arial"/>
         </a:defRPr>
       </a:lvl8pPr>
-      <a:lvl9pPr lvl="8" marR="0" rtl="0" algn="l">
+      <a:lvl9pPr marR="0" lvl="8" algn="l" rtl="0">
         <a:lnSpc>
           <a:spcPct val="100000"/>
         </a:lnSpc>
@@ -6919,7 +7114,7 @@
           <a:srgbClr val="000000"/>
         </a:buClr>
         <a:buFont typeface="Arial"/>
-        <a:defRPr b="0" i="0" sz="1400" u="none" cap="none" strike="noStrike">
+        <a:defRPr sz="1400" b="0" i="0" u="none" strike="noStrike" cap="none">
           <a:solidFill>
             <a:srgbClr val="000000"/>
           </a:solidFill>
@@ -6935,11 +7130,11 @@
 </file>
 
 <file path=ppt/slides/slide1.xml><?xml version="1.0" encoding="utf-8"?>
-<p:sld xmlns:a="http://schemas.openxmlformats.org/drawingml/2006/main" xmlns:r="http://schemas.openxmlformats.org/officeDocument/2006/relationships" xmlns:mc="http://schemas.openxmlformats.org/markup-compatibility/2006" xmlns:mv="urn:schemas-microsoft-com:mac:vml" xmlns:p="http://schemas.openxmlformats.org/presentationml/2006/main" xmlns:c="http://schemas.openxmlformats.org/drawingml/2006/chart" xmlns:dgm="http://schemas.openxmlformats.org/drawingml/2006/diagram" xmlns:o="urn:schemas-microsoft-com:office:office" xmlns:v="urn:schemas-microsoft-com:vml" xmlns:pvml="urn:schemas-microsoft-com:office:powerpoint" xmlns:com="http://schemas.openxmlformats.org/drawingml/2006/compatibility" xmlns:p14="http://schemas.microsoft.com/office/powerpoint/2010/main" xmlns:p15="http://schemas.microsoft.com/office/powerpoint/2012/main">
+<p:sld xmlns:a="http://schemas.openxmlformats.org/drawingml/2006/main" xmlns:r="http://schemas.openxmlformats.org/officeDocument/2006/relationships" xmlns:p="http://schemas.openxmlformats.org/presentationml/2006/main">
   <p:cSld>
     <p:spTree>
       <p:nvGrpSpPr>
-        <p:cNvPr id="53" name="Shape 53"/>
+        <p:cNvPr id="1" name="Shape 53"/>
         <p:cNvGrpSpPr/>
         <p:nvPr/>
       </p:nvGrpSpPr>
@@ -6954,7 +7149,9 @@
       <p:sp>
         <p:nvSpPr>
           <p:cNvPr id="54" name="Google Shape;54;p13"/>
-          <p:cNvSpPr txBox="1"/>
+          <p:cNvSpPr txBox="1">
+            <a:spLocks noGrp="1"/>
+          </p:cNvSpPr>
           <p:nvPr>
             <p:ph type="ctrTitle"/>
           </p:nvPr>
@@ -6969,12 +7166,12 @@
           </a:prstGeom>
         </p:spPr>
         <p:txBody>
-          <a:bodyPr anchorCtr="0" anchor="b" bIns="91425" lIns="91425" spcFirstLastPara="1" rIns="91425" wrap="square" tIns="91425">
+          <a:bodyPr spcFirstLastPara="1" wrap="square" lIns="91425" tIns="91425" rIns="91425" bIns="91425" anchor="b" anchorCtr="0">
             <a:noAutofit/>
           </a:bodyPr>
           <a:lstStyle/>
           <a:p>
-            <a:pPr indent="0" lvl="0" marL="0" rtl="0" algn="ctr">
+            <a:pPr marL="0" lvl="0" indent="0" algn="ctr" rtl="0">
               <a:spcBef>
                 <a:spcPts val="0"/>
               </a:spcBef>
@@ -6994,9 +7191,11 @@
       <p:sp>
         <p:nvSpPr>
           <p:cNvPr id="55" name="Google Shape;55;p13"/>
-          <p:cNvSpPr txBox="1"/>
+          <p:cNvSpPr txBox="1">
+            <a:spLocks noGrp="1"/>
+          </p:cNvSpPr>
           <p:nvPr>
-            <p:ph idx="1" type="subTitle"/>
+            <p:ph type="subTitle" idx="1"/>
           </p:nvPr>
         </p:nvSpPr>
         <p:spPr>
@@ -7009,23 +7208,20 @@
           </a:prstGeom>
         </p:spPr>
         <p:txBody>
-          <a:bodyPr anchorCtr="0" anchor="t" bIns="91425" lIns="91425" spcFirstLastPara="1" rIns="91425" wrap="square" tIns="91425">
+          <a:bodyPr spcFirstLastPara="1" wrap="square" lIns="91425" tIns="91425" rIns="91425" bIns="91425" anchor="t" anchorCtr="0">
             <a:noAutofit/>
           </a:bodyPr>
           <a:lstStyle/>
           <a:p>
-            <a:pPr indent="0" lvl="0" marL="0" rtl="0" algn="ctr">
-              <a:spcBef>
-                <a:spcPts val="0"/>
-              </a:spcBef>
-              <a:spcAft>
-                <a:spcPts val="0"/>
-              </a:spcAft>
-              <a:buNone/>
-            </a:pPr>
-            <a:r>
-              <a:t/>
-            </a:r>
+            <a:pPr marL="0" lvl="0" indent="0" algn="ctr" rtl="0">
+              <a:spcBef>
+                <a:spcPts val="0"/>
+              </a:spcBef>
+              <a:spcAft>
+                <a:spcPts val="0"/>
+              </a:spcAft>
+              <a:buNone/>
+            </a:pPr>
             <a:endParaRPr/>
           </a:p>
         </p:txBody>
@@ -7039,11 +7235,11 @@
 </file>
 
 <file path=ppt/slides/slide10.xml><?xml version="1.0" encoding="utf-8"?>
-<p:sld xmlns:a="http://schemas.openxmlformats.org/drawingml/2006/main" xmlns:r="http://schemas.openxmlformats.org/officeDocument/2006/relationships" xmlns:mc="http://schemas.openxmlformats.org/markup-compatibility/2006" xmlns:mv="urn:schemas-microsoft-com:mac:vml" xmlns:p="http://schemas.openxmlformats.org/presentationml/2006/main" xmlns:c="http://schemas.openxmlformats.org/drawingml/2006/chart" xmlns:dgm="http://schemas.openxmlformats.org/drawingml/2006/diagram" xmlns:o="urn:schemas-microsoft-com:office:office" xmlns:v="urn:schemas-microsoft-com:vml" xmlns:pvml="urn:schemas-microsoft-com:office:powerpoint" xmlns:com="http://schemas.openxmlformats.org/drawingml/2006/compatibility" xmlns:p14="http://schemas.microsoft.com/office/powerpoint/2010/main" xmlns:p15="http://schemas.microsoft.com/office/powerpoint/2012/main">
+<p:sld xmlns:a="http://schemas.openxmlformats.org/drawingml/2006/main" xmlns:r="http://schemas.openxmlformats.org/officeDocument/2006/relationships" xmlns:p="http://schemas.openxmlformats.org/presentationml/2006/main">
   <p:cSld>
     <p:spTree>
       <p:nvGrpSpPr>
-        <p:cNvPr id="107" name="Shape 107"/>
+        <p:cNvPr id="1" name="Shape 107"/>
         <p:cNvGrpSpPr/>
         <p:nvPr/>
       </p:nvGrpSpPr>
@@ -7058,7 +7254,9 @@
       <p:sp>
         <p:nvSpPr>
           <p:cNvPr id="108" name="Google Shape;108;p22"/>
-          <p:cNvSpPr txBox="1"/>
+          <p:cNvSpPr txBox="1">
+            <a:spLocks noGrp="1"/>
+          </p:cNvSpPr>
           <p:nvPr>
             <p:ph type="title"/>
           </p:nvPr>
@@ -7073,12 +7271,12 @@
           </a:prstGeom>
         </p:spPr>
         <p:txBody>
-          <a:bodyPr anchorCtr="0" anchor="t" bIns="91425" lIns="91425" spcFirstLastPara="1" rIns="91425" wrap="square" tIns="91425">
+          <a:bodyPr spcFirstLastPara="1" wrap="square" lIns="91425" tIns="91425" rIns="91425" bIns="91425" anchor="t" anchorCtr="0">
             <a:noAutofit/>
           </a:bodyPr>
           <a:lstStyle/>
           <a:p>
-            <a:pPr indent="0" lvl="0" marL="0" rtl="0" algn="l">
+            <a:pPr marL="0" lvl="0" indent="0" algn="l" rtl="0">
               <a:spcBef>
                 <a:spcPts val="0"/>
               </a:spcBef>
@@ -7106,18 +7304,15 @@
             </a:endParaRPr>
           </a:p>
           <a:p>
-            <a:pPr indent="0" lvl="0" marL="0" rtl="0" algn="l">
-              <a:spcBef>
-                <a:spcPts val="0"/>
-              </a:spcBef>
-              <a:spcAft>
-                <a:spcPts val="0"/>
-              </a:spcAft>
-              <a:buNone/>
-            </a:pPr>
-            <a:r>
-              <a:t/>
-            </a:r>
+            <a:pPr marL="0" lvl="0" indent="0" algn="l" rtl="0">
+              <a:spcBef>
+                <a:spcPts val="0"/>
+              </a:spcBef>
+              <a:spcAft>
+                <a:spcPts val="0"/>
+              </a:spcAft>
+              <a:buNone/>
+            </a:pPr>
             <a:endParaRPr/>
           </a:p>
         </p:txBody>
@@ -7132,7 +7327,7 @@
           <a:blip r:embed="rId3">
             <a:alphaModFix/>
           </a:blip>
-          <a:srcRect b="19340" l="2964" r="3803" t="2705"/>
+          <a:srcRect l="2964" t="2705" r="3803" b="19340"/>
           <a:stretch/>
         </p:blipFill>
         <p:spPr>
@@ -7164,34 +7359,31 @@
             <a:avLst/>
           </a:prstGeom>
           <a:noFill/>
-          <a:ln cap="flat" cmpd="sng" w="28575">
+          <a:ln w="28575" cap="flat" cmpd="sng">
             <a:solidFill>
               <a:srgbClr val="FF0000"/>
             </a:solidFill>
             <a:prstDash val="solid"/>
             <a:round/>
-            <a:headEnd len="sm" w="sm" type="none"/>
-            <a:tailEnd len="sm" w="sm" type="none"/>
+            <a:headEnd type="none" w="sm" len="sm"/>
+            <a:tailEnd type="none" w="sm" len="sm"/>
           </a:ln>
         </p:spPr>
         <p:txBody>
-          <a:bodyPr anchorCtr="0" anchor="ctr" bIns="91425" lIns="91425" spcFirstLastPara="1" rIns="91425" wrap="square" tIns="91425">
+          <a:bodyPr spcFirstLastPara="1" wrap="square" lIns="91425" tIns="91425" rIns="91425" bIns="91425" anchor="ctr" anchorCtr="0">
             <a:noAutofit/>
           </a:bodyPr>
           <a:lstStyle/>
           <a:p>
-            <a:pPr indent="0" lvl="0" marL="0" rtl="0" algn="l">
-              <a:spcBef>
-                <a:spcPts val="0"/>
-              </a:spcBef>
-              <a:spcAft>
-                <a:spcPts val="0"/>
-              </a:spcAft>
-              <a:buNone/>
-            </a:pPr>
-            <a:r>
-              <a:t/>
-            </a:r>
+            <a:pPr marL="0" lvl="0" indent="0" algn="l" rtl="0">
+              <a:spcBef>
+                <a:spcPts val="0"/>
+              </a:spcBef>
+              <a:spcAft>
+                <a:spcPts val="0"/>
+              </a:spcAft>
+              <a:buNone/>
+            </a:pPr>
             <a:endParaRPr/>
           </a:p>
         </p:txBody>
@@ -7205,7 +7397,7 @@
           <p:nvPr/>
         </p:nvCxnSpPr>
         <p:spPr>
-          <a:xfrm flipH="1" rot="10800000">
+          <a:xfrm rot="10800000" flipH="1">
             <a:off x="4463074" y="505299"/>
             <a:ext cx="1319400" cy="525600"/>
           </a:xfrm>
@@ -7213,14 +7405,14 @@
             <a:avLst/>
           </a:prstGeom>
           <a:noFill/>
-          <a:ln cap="flat" cmpd="sng" w="9525">
+          <a:ln w="9525" cap="flat" cmpd="sng">
             <a:solidFill>
               <a:srgbClr val="FF0000"/>
             </a:solidFill>
             <a:prstDash val="solid"/>
             <a:round/>
-            <a:headEnd len="med" w="med" type="none"/>
-            <a:tailEnd len="med" w="med" type="none"/>
+            <a:headEnd type="none" w="med" len="med"/>
+            <a:tailEnd type="none" w="med" len="med"/>
           </a:ln>
         </p:spPr>
       </p:cxnSp>
@@ -7244,12 +7436,12 @@
           </a:ln>
         </p:spPr>
         <p:txBody>
-          <a:bodyPr anchorCtr="0" anchor="t" bIns="91425" lIns="91425" spcFirstLastPara="1" rIns="91425" wrap="square" tIns="91425">
+          <a:bodyPr spcFirstLastPara="1" wrap="square" lIns="91425" tIns="91425" rIns="91425" bIns="91425" anchor="t" anchorCtr="0">
             <a:noAutofit/>
           </a:bodyPr>
           <a:lstStyle/>
           <a:p>
-            <a:pPr indent="0" lvl="0" marL="0" rtl="0" algn="l">
+            <a:pPr marL="0" lvl="0" indent="0" algn="l" rtl="0">
               <a:spcBef>
                 <a:spcPts val="0"/>
               </a:spcBef>
@@ -7275,11 +7467,11 @@
 </file>
 
 <file path=ppt/slides/slide11.xml><?xml version="1.0" encoding="utf-8"?>
-<p:sld xmlns:a="http://schemas.openxmlformats.org/drawingml/2006/main" xmlns:r="http://schemas.openxmlformats.org/officeDocument/2006/relationships" xmlns:mc="http://schemas.openxmlformats.org/markup-compatibility/2006" xmlns:mv="urn:schemas-microsoft-com:mac:vml" xmlns:p="http://schemas.openxmlformats.org/presentationml/2006/main" xmlns:c="http://schemas.openxmlformats.org/drawingml/2006/chart" xmlns:dgm="http://schemas.openxmlformats.org/drawingml/2006/diagram" xmlns:o="urn:schemas-microsoft-com:office:office" xmlns:v="urn:schemas-microsoft-com:vml" xmlns:pvml="urn:schemas-microsoft-com:office:powerpoint" xmlns:com="http://schemas.openxmlformats.org/drawingml/2006/compatibility" xmlns:p14="http://schemas.microsoft.com/office/powerpoint/2010/main" xmlns:p15="http://schemas.microsoft.com/office/powerpoint/2012/main">
+<p:sld xmlns:a="http://schemas.openxmlformats.org/drawingml/2006/main" xmlns:r="http://schemas.openxmlformats.org/officeDocument/2006/relationships" xmlns:p="http://schemas.openxmlformats.org/presentationml/2006/main">
   <p:cSld>
     <p:spTree>
       <p:nvGrpSpPr>
-        <p:cNvPr id="116" name="Shape 116"/>
+        <p:cNvPr id="1" name="Shape 116"/>
         <p:cNvGrpSpPr/>
         <p:nvPr/>
       </p:nvGrpSpPr>
@@ -7356,11 +7548,11 @@
 </file>
 
 <file path=ppt/slides/slide12.xml><?xml version="1.0" encoding="utf-8"?>
-<p:sld xmlns:a="http://schemas.openxmlformats.org/drawingml/2006/main" xmlns:r="http://schemas.openxmlformats.org/officeDocument/2006/relationships" xmlns:mc="http://schemas.openxmlformats.org/markup-compatibility/2006" xmlns:mv="urn:schemas-microsoft-com:mac:vml" xmlns:p="http://schemas.openxmlformats.org/presentationml/2006/main" xmlns:c="http://schemas.openxmlformats.org/drawingml/2006/chart" xmlns:dgm="http://schemas.openxmlformats.org/drawingml/2006/diagram" xmlns:o="urn:schemas-microsoft-com:office:office" xmlns:v="urn:schemas-microsoft-com:vml" xmlns:pvml="urn:schemas-microsoft-com:office:powerpoint" xmlns:com="http://schemas.openxmlformats.org/drawingml/2006/compatibility" xmlns:p14="http://schemas.microsoft.com/office/powerpoint/2010/main" xmlns:p15="http://schemas.microsoft.com/office/powerpoint/2012/main">
+<p:sld xmlns:a="http://schemas.openxmlformats.org/drawingml/2006/main" xmlns:r="http://schemas.openxmlformats.org/officeDocument/2006/relationships" xmlns:p="http://schemas.openxmlformats.org/presentationml/2006/main">
   <p:cSld>
     <p:spTree>
       <p:nvGrpSpPr>
-        <p:cNvPr id="122" name="Shape 122"/>
+        <p:cNvPr id="1" name="Shape 122"/>
         <p:cNvGrpSpPr/>
         <p:nvPr/>
       </p:nvGrpSpPr>
@@ -7392,12 +7584,12 @@
           </a:ln>
         </p:spPr>
         <p:txBody>
-          <a:bodyPr anchorCtr="0" anchor="t" bIns="91425" lIns="91425" spcFirstLastPara="1" rIns="91425" wrap="square" tIns="91425">
+          <a:bodyPr spcFirstLastPara="1" wrap="square" lIns="91425" tIns="91425" rIns="91425" bIns="91425" anchor="t" anchorCtr="0">
             <a:noAutofit/>
           </a:bodyPr>
           <a:lstStyle/>
           <a:p>
-            <a:pPr indent="0" lvl="0" marL="0" rtl="0" algn="l">
+            <a:pPr marL="0" lvl="0" indent="0" algn="l" rtl="0">
               <a:spcBef>
                 <a:spcPts val="0"/>
               </a:spcBef>
@@ -7434,12 +7626,12 @@
           </a:ln>
         </p:spPr>
         <p:txBody>
-          <a:bodyPr anchorCtr="0" anchor="t" bIns="91425" lIns="91425" spcFirstLastPara="1" rIns="91425" wrap="square" tIns="91425">
+          <a:bodyPr spcFirstLastPara="1" wrap="square" lIns="91425" tIns="91425" rIns="91425" bIns="91425" anchor="t" anchorCtr="0">
             <a:noAutofit/>
           </a:bodyPr>
           <a:lstStyle/>
           <a:p>
-            <a:pPr indent="0" lvl="0" marL="190500" marR="190500" rtl="0" algn="l">
+            <a:pPr marL="190500" marR="190500" lvl="0" indent="0" algn="l" rtl="0">
               <a:lnSpc>
                 <a:spcPct val="115000"/>
               </a:lnSpc>
@@ -7480,7 +7672,7 @@
             </a:endParaRPr>
           </a:p>
           <a:p>
-            <a:pPr indent="0" lvl="0" marL="190500" marR="190500" rtl="0" algn="l">
+            <a:pPr marL="190500" marR="190500" lvl="0" indent="0" algn="l" rtl="0">
               <a:lnSpc>
                 <a:spcPct val="115000"/>
               </a:lnSpc>
@@ -7521,7 +7713,7 @@
             </a:endParaRPr>
           </a:p>
           <a:p>
-            <a:pPr indent="0" lvl="0" marL="190500" marR="190500" rtl="0" algn="l">
+            <a:pPr marL="190500" marR="190500" lvl="0" indent="0" algn="l" rtl="0">
               <a:lnSpc>
                 <a:spcPct val="115000"/>
               </a:lnSpc>
@@ -7533,9 +7725,6 @@
               </a:spcAft>
               <a:buNone/>
             </a:pPr>
-            <a:r>
-              <a:t/>
-            </a:r>
             <a:endParaRPr sz="1050">
               <a:solidFill>
                 <a:srgbClr val="222222"/>
@@ -7550,7 +7739,7 @@
             </a:endParaRPr>
           </a:p>
           <a:p>
-            <a:pPr indent="0" lvl="0" marL="190500" marR="190500" rtl="0" algn="l">
+            <a:pPr marL="190500" marR="190500" lvl="0" indent="0" algn="l" rtl="0">
               <a:lnSpc>
                 <a:spcPct val="115000"/>
               </a:lnSpc>
@@ -7562,9 +7751,6 @@
               </a:spcAft>
               <a:buNone/>
             </a:pPr>
-            <a:r>
-              <a:t/>
-            </a:r>
             <a:endParaRPr sz="1050">
               <a:solidFill>
                 <a:srgbClr val="222222"/>
@@ -7579,7 +7765,7 @@
             </a:endParaRPr>
           </a:p>
           <a:p>
-            <a:pPr indent="0" lvl="0" marL="190500" marR="190500" rtl="0" algn="l">
+            <a:pPr marL="190500" marR="190500" lvl="0" indent="0" algn="l" rtl="0">
               <a:lnSpc>
                 <a:spcPct val="115000"/>
               </a:lnSpc>
@@ -7591,9 +7777,6 @@
               </a:spcAft>
               <a:buNone/>
             </a:pPr>
-            <a:r>
-              <a:t/>
-            </a:r>
             <a:endParaRPr sz="1050">
               <a:solidFill>
                 <a:srgbClr val="222222"/>
@@ -7608,7 +7791,7 @@
             </a:endParaRPr>
           </a:p>
           <a:p>
-            <a:pPr indent="0" lvl="0" marL="190500" marR="190500" rtl="0" algn="l">
+            <a:pPr marL="190500" marR="190500" lvl="0" indent="0" algn="l" rtl="0">
               <a:lnSpc>
                 <a:spcPct val="115000"/>
               </a:lnSpc>
@@ -7620,9 +7803,6 @@
               </a:spcAft>
               <a:buNone/>
             </a:pPr>
-            <a:r>
-              <a:t/>
-            </a:r>
             <a:endParaRPr sz="1050">
               <a:solidFill>
                 <a:srgbClr val="222222"/>
@@ -7637,7 +7817,7 @@
             </a:endParaRPr>
           </a:p>
           <a:p>
-            <a:pPr indent="0" lvl="0" marL="190500" marR="190500" rtl="0" algn="l">
+            <a:pPr marL="190500" marR="190500" lvl="0" indent="0" algn="l" rtl="0">
               <a:lnSpc>
                 <a:spcPct val="115000"/>
               </a:lnSpc>
@@ -7693,7 +7873,7 @@
             </a:endParaRPr>
           </a:p>
           <a:p>
-            <a:pPr indent="0" lvl="0" marL="190500" marR="190500" rtl="0" algn="l">
+            <a:pPr marL="190500" marR="190500" lvl="0" indent="0" algn="l" rtl="0">
               <a:lnSpc>
                 <a:spcPct val="115000"/>
               </a:lnSpc>
@@ -7705,9 +7885,6 @@
               </a:spcAft>
               <a:buNone/>
             </a:pPr>
-            <a:r>
-              <a:t/>
-            </a:r>
             <a:endParaRPr sz="1050">
               <a:solidFill>
                 <a:srgbClr val="222222"/>
@@ -7722,7 +7899,7 @@
             </a:endParaRPr>
           </a:p>
           <a:p>
-            <a:pPr indent="0" lvl="0" marL="190500" marR="190500" rtl="0" algn="l">
+            <a:pPr marL="190500" marR="190500" lvl="0" indent="0" algn="l" rtl="0">
               <a:lnSpc>
                 <a:spcPct val="115000"/>
               </a:lnSpc>
@@ -7734,9 +7911,6 @@
               </a:spcAft>
               <a:buNone/>
             </a:pPr>
-            <a:r>
-              <a:t/>
-            </a:r>
             <a:endParaRPr sz="1050">
               <a:solidFill>
                 <a:srgbClr val="222222"/>
@@ -7751,7 +7925,7 @@
             </a:endParaRPr>
           </a:p>
           <a:p>
-            <a:pPr indent="0" lvl="0" marL="190500" marR="190500" rtl="0" algn="l">
+            <a:pPr marL="190500" marR="190500" lvl="0" indent="0" algn="l" rtl="0">
               <a:lnSpc>
                 <a:spcPct val="115000"/>
               </a:lnSpc>
@@ -7763,9 +7937,6 @@
               </a:spcAft>
               <a:buNone/>
             </a:pPr>
-            <a:r>
-              <a:t/>
-            </a:r>
             <a:endParaRPr sz="1050">
               <a:solidFill>
                 <a:srgbClr val="222222"/>
@@ -7780,7 +7951,7 @@
             </a:endParaRPr>
           </a:p>
           <a:p>
-            <a:pPr indent="0" lvl="0" marL="190500" marR="190500" rtl="0" algn="l">
+            <a:pPr marL="190500" marR="190500" lvl="0" indent="0" algn="l" rtl="0">
               <a:lnSpc>
                 <a:spcPct val="115000"/>
               </a:lnSpc>
@@ -7792,9 +7963,6 @@
               </a:spcAft>
               <a:buNone/>
             </a:pPr>
-            <a:r>
-              <a:t/>
-            </a:r>
             <a:endParaRPr sz="1050">
               <a:solidFill>
                 <a:srgbClr val="222222"/>
@@ -7809,7 +7977,7 @@
             </a:endParaRPr>
           </a:p>
           <a:p>
-            <a:pPr indent="0" lvl="0" marL="190500" marR="190500" rtl="0" algn="l">
+            <a:pPr marL="190500" marR="190500" lvl="0" indent="0" algn="l" rtl="0">
               <a:lnSpc>
                 <a:spcPct val="115000"/>
               </a:lnSpc>
@@ -7850,7 +8018,7 @@
             </a:endParaRPr>
           </a:p>
           <a:p>
-            <a:pPr indent="0" lvl="0" marL="190500" marR="190500" rtl="0" algn="l">
+            <a:pPr marL="190500" marR="190500" lvl="0" indent="0" algn="l" rtl="0">
               <a:lnSpc>
                 <a:spcPct val="115000"/>
               </a:lnSpc>
@@ -7862,9 +8030,6 @@
               </a:spcAft>
               <a:buNone/>
             </a:pPr>
-            <a:r>
-              <a:t/>
-            </a:r>
             <a:endParaRPr sz="1050">
               <a:solidFill>
                 <a:srgbClr val="222222"/>
@@ -7879,7 +8044,7 @@
             </a:endParaRPr>
           </a:p>
           <a:p>
-            <a:pPr indent="0" lvl="0" marL="190500" marR="190500" rtl="0" algn="l">
+            <a:pPr marL="190500" marR="190500" lvl="0" indent="0" algn="l" rtl="0">
               <a:lnSpc>
                 <a:spcPct val="115000"/>
               </a:lnSpc>
@@ -7896,9 +8061,6 @@
               <a:buFont typeface="Arial"/>
               <a:buNone/>
             </a:pPr>
-            <a:r>
-              <a:t/>
-            </a:r>
             <a:endParaRPr sz="1050">
               <a:solidFill>
                 <a:srgbClr val="222222"/>
@@ -7913,18 +8075,15 @@
             </a:endParaRPr>
           </a:p>
           <a:p>
-            <a:pPr indent="0" lvl="0" marL="0" rtl="0" algn="l">
-              <a:spcBef>
-                <a:spcPts val="0"/>
-              </a:spcBef>
-              <a:spcAft>
-                <a:spcPts val="0"/>
-              </a:spcAft>
-              <a:buNone/>
-            </a:pPr>
-            <a:r>
-              <a:t/>
-            </a:r>
+            <a:pPr marL="0" lvl="0" indent="0" algn="l" rtl="0">
+              <a:spcBef>
+                <a:spcPts val="0"/>
+              </a:spcBef>
+              <a:spcAft>
+                <a:spcPts val="0"/>
+              </a:spcAft>
+              <a:buNone/>
+            </a:pPr>
             <a:endParaRPr/>
           </a:p>
         </p:txBody>
@@ -7949,12 +8108,12 @@
           </a:ln>
         </p:spPr>
         <p:txBody>
-          <a:bodyPr anchorCtr="0" anchor="t" bIns="91425" lIns="91425" spcFirstLastPara="1" rIns="91425" wrap="square" tIns="91425">
+          <a:bodyPr spcFirstLastPara="1" wrap="square" lIns="91425" tIns="91425" rIns="91425" bIns="91425" anchor="t" anchorCtr="0">
             <a:noAutofit/>
           </a:bodyPr>
           <a:lstStyle/>
           <a:p>
-            <a:pPr indent="0" lvl="0" marL="0" rtl="0" algn="l">
+            <a:pPr marL="0" lvl="0" indent="0" algn="l" rtl="0">
               <a:spcBef>
                 <a:spcPts val="0"/>
               </a:spcBef>
@@ -7991,12 +8150,12 @@
           </a:ln>
         </p:spPr>
         <p:txBody>
-          <a:bodyPr anchorCtr="0" anchor="t" bIns="91425" lIns="91425" spcFirstLastPara="1" rIns="91425" wrap="square" tIns="91425">
+          <a:bodyPr spcFirstLastPara="1" wrap="square" lIns="91425" tIns="91425" rIns="91425" bIns="91425" anchor="t" anchorCtr="0">
             <a:noAutofit/>
           </a:bodyPr>
           <a:lstStyle/>
           <a:p>
-            <a:pPr indent="0" lvl="0" marL="0" rtl="0" algn="l">
+            <a:pPr marL="0" lvl="0" indent="0" algn="l" rtl="0">
               <a:spcBef>
                 <a:spcPts val="0"/>
               </a:spcBef>
@@ -8033,12 +8192,12 @@
           </a:ln>
         </p:spPr>
         <p:txBody>
-          <a:bodyPr anchorCtr="0" anchor="t" bIns="91425" lIns="91425" spcFirstLastPara="1" rIns="91425" wrap="square" tIns="91425">
+          <a:bodyPr spcFirstLastPara="1" wrap="square" lIns="91425" tIns="91425" rIns="91425" bIns="91425" anchor="t" anchorCtr="0">
             <a:noAutofit/>
           </a:bodyPr>
           <a:lstStyle/>
           <a:p>
-            <a:pPr indent="0" lvl="0" marL="0" rtl="0" algn="l">
+            <a:pPr marL="0" lvl="0" indent="0" algn="l" rtl="0">
               <a:spcBef>
                 <a:spcPts val="0"/>
               </a:spcBef>
@@ -8049,11 +8208,7 @@
             </a:pPr>
             <a:r>
               <a:rPr lang="fr" sz="2400"/>
-              <a:t>Install</a:t>
-            </a:r>
-            <a:r>
-              <a:rPr lang="fr" sz="2400"/>
-              <a:t> shiny server</a:t>
+              <a:t>Install shiny server</a:t>
             </a:r>
             <a:endParaRPr sz="2400"/>
           </a:p>
@@ -8079,12 +8234,12 @@
           </a:ln>
         </p:spPr>
         <p:txBody>
-          <a:bodyPr anchorCtr="0" anchor="t" bIns="91425" lIns="91425" spcFirstLastPara="1" rIns="91425" wrap="square" tIns="91425">
+          <a:bodyPr spcFirstLastPara="1" wrap="square" lIns="91425" tIns="91425" rIns="91425" bIns="91425" anchor="t" anchorCtr="0">
             <a:noAutofit/>
           </a:bodyPr>
           <a:lstStyle/>
           <a:p>
-            <a:pPr indent="0" lvl="0" marL="0" rtl="0" algn="l">
+            <a:pPr marL="0" lvl="0" indent="0" algn="l" rtl="0">
               <a:spcBef>
                 <a:spcPts val="0"/>
               </a:spcBef>
@@ -8110,11 +8265,11 @@
 </file>
 
 <file path=ppt/slides/slide13.xml><?xml version="1.0" encoding="utf-8"?>
-<p:sld xmlns:a="http://schemas.openxmlformats.org/drawingml/2006/main" xmlns:r="http://schemas.openxmlformats.org/officeDocument/2006/relationships" xmlns:mc="http://schemas.openxmlformats.org/markup-compatibility/2006" xmlns:mv="urn:schemas-microsoft-com:mac:vml" xmlns:p="http://schemas.openxmlformats.org/presentationml/2006/main" xmlns:c="http://schemas.openxmlformats.org/drawingml/2006/chart" xmlns:dgm="http://schemas.openxmlformats.org/drawingml/2006/diagram" xmlns:o="urn:schemas-microsoft-com:office:office" xmlns:v="urn:schemas-microsoft-com:vml" xmlns:pvml="urn:schemas-microsoft-com:office:powerpoint" xmlns:com="http://schemas.openxmlformats.org/drawingml/2006/compatibility" xmlns:p14="http://schemas.microsoft.com/office/powerpoint/2010/main" xmlns:p15="http://schemas.microsoft.com/office/powerpoint/2012/main">
+<p:sld xmlns:a="http://schemas.openxmlformats.org/drawingml/2006/main" xmlns:r="http://schemas.openxmlformats.org/officeDocument/2006/relationships" xmlns:p="http://schemas.openxmlformats.org/presentationml/2006/main">
   <p:cSld>
     <p:spTree>
       <p:nvGrpSpPr>
-        <p:cNvPr id="132" name="Shape 132"/>
+        <p:cNvPr id="1" name="Shape 132"/>
         <p:cNvGrpSpPr/>
         <p:nvPr/>
       </p:nvGrpSpPr>
@@ -8129,7 +8284,9 @@
       <p:sp>
         <p:nvSpPr>
           <p:cNvPr id="133" name="Google Shape;133;p25"/>
-          <p:cNvSpPr txBox="1"/>
+          <p:cNvSpPr txBox="1">
+            <a:spLocks noGrp="1"/>
+          </p:cNvSpPr>
           <p:nvPr>
             <p:ph type="title"/>
           </p:nvPr>
@@ -8144,12 +8301,12 @@
           </a:prstGeom>
         </p:spPr>
         <p:txBody>
-          <a:bodyPr anchorCtr="0" anchor="t" bIns="91425" lIns="91425" spcFirstLastPara="1" rIns="91425" wrap="square" tIns="91425">
+          <a:bodyPr spcFirstLastPara="1" wrap="square" lIns="91425" tIns="91425" rIns="91425" bIns="91425" anchor="t" anchorCtr="0">
             <a:noAutofit/>
           </a:bodyPr>
           <a:lstStyle/>
           <a:p>
-            <a:pPr indent="0" lvl="0" marL="0" rtl="0" algn="l">
+            <a:pPr marL="0" lvl="0" indent="0" algn="l" rtl="0">
               <a:lnSpc>
                 <a:spcPct val="115000"/>
               </a:lnSpc>
@@ -8173,18 +8330,15 @@
             <a:endParaRPr/>
           </a:p>
           <a:p>
-            <a:pPr indent="0" lvl="0" marL="0" rtl="0" algn="l">
-              <a:spcBef>
-                <a:spcPts val="0"/>
-              </a:spcBef>
-              <a:spcAft>
-                <a:spcPts val="0"/>
-              </a:spcAft>
-              <a:buNone/>
-            </a:pPr>
-            <a:r>
-              <a:t/>
-            </a:r>
+            <a:pPr marL="0" lvl="0" indent="0" algn="l" rtl="0">
+              <a:spcBef>
+                <a:spcPts val="0"/>
+              </a:spcBef>
+              <a:spcAft>
+                <a:spcPts val="0"/>
+              </a:spcAft>
+              <a:buNone/>
+            </a:pPr>
             <a:endParaRPr/>
           </a:p>
         </p:txBody>
@@ -8193,11 +8347,17 @@
         <p:nvGraphicFramePr>
           <p:cNvPr id="134" name="Google Shape;134;p25"/>
           <p:cNvGraphicFramePr/>
-          <p:nvPr/>
+          <p:nvPr>
+            <p:extLst>
+              <p:ext uri="{D42A27DB-BD31-4B8C-83A1-F6EECF244321}">
+                <p14:modId xmlns:p14="http://schemas.microsoft.com/office/powerpoint/2010/main" val="89032047"/>
+              </p:ext>
+            </p:extLst>
+          </p:nvPr>
         </p:nvGraphicFramePr>
         <p:xfrm>
           <a:off x="419750" y="1234750"/>
-          <a:ext cx="3000000" cy="3000000"/>
+          <a:ext cx="8480875" cy="2886650"/>
         </p:xfrm>
         <a:graphic>
           <a:graphicData uri="http://schemas.openxmlformats.org/drawingml/2006/table">
@@ -8207,11 +8367,41 @@
                 <a:tableStyleId>{3E6A3BFE-380C-4150-B761-381902D709B5}</a:tableStyleId>
               </a:tblPr>
               <a:tblGrid>
-                <a:gridCol w="1696175"/>
-                <a:gridCol w="1696175"/>
-                <a:gridCol w="1696175"/>
-                <a:gridCol w="1696175"/>
-                <a:gridCol w="1696175"/>
+                <a:gridCol w="1696175">
+                  <a:extLst>
+                    <a:ext uri="{9D8B030D-6E8A-4147-A177-3AD203B41FA5}">
+                      <a16:colId xmlns:a16="http://schemas.microsoft.com/office/drawing/2014/main" val="20000"/>
+                    </a:ext>
+                  </a:extLst>
+                </a:gridCol>
+                <a:gridCol w="1696175">
+                  <a:extLst>
+                    <a:ext uri="{9D8B030D-6E8A-4147-A177-3AD203B41FA5}">
+                      <a16:colId xmlns:a16="http://schemas.microsoft.com/office/drawing/2014/main" val="20001"/>
+                    </a:ext>
+                  </a:extLst>
+                </a:gridCol>
+                <a:gridCol w="1696175">
+                  <a:extLst>
+                    <a:ext uri="{9D8B030D-6E8A-4147-A177-3AD203B41FA5}">
+                      <a16:colId xmlns:a16="http://schemas.microsoft.com/office/drawing/2014/main" val="20002"/>
+                    </a:ext>
+                  </a:extLst>
+                </a:gridCol>
+                <a:gridCol w="1696175">
+                  <a:extLst>
+                    <a:ext uri="{9D8B030D-6E8A-4147-A177-3AD203B41FA5}">
+                      <a16:colId xmlns:a16="http://schemas.microsoft.com/office/drawing/2014/main" val="20003"/>
+                    </a:ext>
+                  </a:extLst>
+                </a:gridCol>
+                <a:gridCol w="1696175">
+                  <a:extLst>
+                    <a:ext uri="{9D8B030D-6E8A-4147-A177-3AD203B41FA5}">
+                      <a16:colId xmlns:a16="http://schemas.microsoft.com/office/drawing/2014/main" val="20004"/>
+                    </a:ext>
+                  </a:extLst>
+                </a:gridCol>
               </a:tblGrid>
               <a:tr h="650875">
                 <a:tc>
@@ -8219,7 +8409,7 @@
                     <a:bodyPr/>
                     <a:lstStyle/>
                     <a:p>
-                      <a:pPr indent="0" lvl="0" marL="0" rtl="0" algn="l">
+                      <a:pPr marL="0" lvl="0" indent="0" algn="l" rtl="0">
                         <a:spcBef>
                           <a:spcPts val="0"/>
                         </a:spcBef>
@@ -8228,20 +8418,17 @@
                         </a:spcAft>
                         <a:buNone/>
                       </a:pPr>
-                      <a:r>
-                        <a:t/>
-                      </a:r>
                       <a:endParaRPr/>
                     </a:p>
                   </a:txBody>
-                  <a:tcPr marT="91425" marB="91425" marR="91425" marL="91425"/>
+                  <a:tcPr marL="91425" marR="91425" marT="91425" marB="91425"/>
                 </a:tc>
                 <a:tc>
                   <a:txBody>
                     <a:bodyPr/>
                     <a:lstStyle/>
                     <a:p>
-                      <a:pPr indent="0" lvl="0" marL="0" rtl="0" algn="l">
+                      <a:pPr marL="0" lvl="0" indent="0" algn="l" rtl="0">
                         <a:spcBef>
                           <a:spcPts val="0"/>
                         </a:spcBef>
@@ -8257,14 +8444,14 @@
                       <a:endParaRPr/>
                     </a:p>
                   </a:txBody>
-                  <a:tcPr marT="91425" marB="91425" marR="91425" marL="91425"/>
+                  <a:tcPr marL="91425" marR="91425" marT="91425" marB="91425"/>
                 </a:tc>
                 <a:tc>
                   <a:txBody>
                     <a:bodyPr/>
                     <a:lstStyle/>
                     <a:p>
-                      <a:pPr indent="0" lvl="0" marL="0" rtl="0" algn="l">
+                      <a:pPr marL="0" lvl="0" indent="0" algn="l" rtl="0">
                         <a:spcBef>
                           <a:spcPts val="0"/>
                         </a:spcBef>
@@ -8280,14 +8467,14 @@
                       <a:endParaRPr/>
                     </a:p>
                   </a:txBody>
-                  <a:tcPr marT="91425" marB="91425" marR="91425" marL="91425"/>
+                  <a:tcPr marL="91425" marR="91425" marT="91425" marB="91425"/>
                 </a:tc>
                 <a:tc>
                   <a:txBody>
                     <a:bodyPr/>
                     <a:lstStyle/>
                     <a:p>
-                      <a:pPr indent="0" lvl="0" marL="0" rtl="0" algn="l">
+                      <a:pPr marL="0" lvl="0" indent="0" algn="l" rtl="0">
                         <a:spcBef>
                           <a:spcPts val="0"/>
                         </a:spcBef>
@@ -8303,14 +8490,14 @@
                       <a:endParaRPr/>
                     </a:p>
                   </a:txBody>
-                  <a:tcPr marT="91425" marB="91425" marR="91425" marL="91425"/>
+                  <a:tcPr marL="91425" marR="91425" marT="91425" marB="91425"/>
                 </a:tc>
                 <a:tc>
                   <a:txBody>
                     <a:bodyPr/>
                     <a:lstStyle/>
                     <a:p>
-                      <a:pPr indent="0" lvl="0" marL="0" rtl="0" algn="l">
+                      <a:pPr marL="0" lvl="0" indent="0" algn="l" rtl="0">
                         <a:spcBef>
                           <a:spcPts val="0"/>
                         </a:spcBef>
@@ -8335,8 +8522,13 @@
                       <a:endParaRPr/>
                     </a:p>
                   </a:txBody>
-                  <a:tcPr marT="91425" marB="91425" marR="91425" marL="91425"/>
+                  <a:tcPr marL="91425" marR="91425" marT="91425" marB="91425"/>
                 </a:tc>
+                <a:extLst>
+                  <a:ext uri="{0D108BD9-81ED-4DB2-BD59-A6C34878D82A}">
+                    <a16:rowId xmlns:a16="http://schemas.microsoft.com/office/drawing/2014/main" val="10000"/>
+                  </a:ext>
+                </a:extLst>
               </a:tr>
               <a:tr h="650875">
                 <a:tc>
@@ -8344,7 +8536,7 @@
                     <a:bodyPr/>
                     <a:lstStyle/>
                     <a:p>
-                      <a:pPr indent="0" lvl="0" marL="0" rtl="0" algn="l">
+                      <a:pPr marL="0" lvl="0" indent="0" algn="l" rtl="0">
                         <a:spcBef>
                           <a:spcPts val="0"/>
                         </a:spcBef>
@@ -8360,14 +8552,41 @@
                       <a:endParaRPr/>
                     </a:p>
                   </a:txBody>
-                  <a:tcPr marT="91425" marB="91425" marR="91425" marL="91425"/>
+                  <a:tcPr marL="91425" marR="91425" marT="91425" marB="91425"/>
                 </a:tc>
                 <a:tc>
                   <a:txBody>
                     <a:bodyPr/>
                     <a:lstStyle/>
                     <a:p>
-                      <a:pPr indent="0" lvl="0" marL="0" rtl="0" algn="l">
+                      <a:pPr marL="0" lvl="0" indent="0" algn="l" rtl="0">
+                        <a:spcBef>
+                          <a:spcPts val="0"/>
+                        </a:spcBef>
+                        <a:spcAft>
+                          <a:spcPts val="0"/>
+                        </a:spcAft>
+                        <a:buNone/>
+                      </a:pPr>
+                      <a:r>
+                        <a:rPr lang="fr" sz="1000" dirty="0"/>
+                        <a:t>None </a:t>
+                      </a:r>
+                      <a:r>
+                        <a:rPr lang="fr" sz="1000" dirty="0" err="1"/>
+                        <a:t>needed</a:t>
+                      </a:r>
+                      <a:endParaRPr sz="1000" dirty="0"/>
+                    </a:p>
+                  </a:txBody>
+                  <a:tcPr marL="91425" marR="91425" marT="91425" marB="91425"/>
+                </a:tc>
+                <a:tc>
+                  <a:txBody>
+                    <a:bodyPr/>
+                    <a:lstStyle/>
+                    <a:p>
+                      <a:pPr marL="0" lvl="0" indent="0" algn="l" rtl="0">
                         <a:spcBef>
                           <a:spcPts val="0"/>
                         </a:spcBef>
@@ -8378,39 +8597,12 @@
                       </a:pPr>
                       <a:r>
                         <a:rPr lang="fr" sz="1000"/>
-                        <a:t>None needed</a:t>
-                      </a:r>
-                      <a:endParaRPr sz="1000"/>
-                    </a:p>
-                  </a:txBody>
-                  <a:tcPr marT="91425" marB="91425" marR="91425" marL="91425"/>
-                </a:tc>
-                <a:tc>
-                  <a:txBody>
-                    <a:bodyPr/>
-                    <a:lstStyle/>
-                    <a:p>
-                      <a:pPr indent="0" lvl="0" marL="0" rtl="0" algn="l">
-                        <a:spcBef>
-                          <a:spcPts val="0"/>
-                        </a:spcBef>
-                        <a:spcAft>
-                          <a:spcPts val="0"/>
-                        </a:spcAft>
-                        <a:buNone/>
-                      </a:pPr>
-                      <a:r>
-                        <a:rPr lang="fr" sz="1000"/>
-                        <a:t>- </a:t>
-                      </a:r>
-                      <a:r>
-                        <a:rPr lang="fr" sz="1000"/>
-                        <a:t>free for 5 apps/25h usage</a:t>
+                        <a:t>- free for 5 apps/25h usage</a:t>
                       </a:r>
                       <a:endParaRPr sz="1000"/>
                     </a:p>
                     <a:p>
-                      <a:pPr indent="0" lvl="0" marL="0" rtl="0" algn="l">
+                      <a:pPr marL="0" lvl="0" indent="0" algn="l" rtl="0">
                         <a:spcBef>
                           <a:spcPts val="0"/>
                         </a:spcBef>
@@ -8426,14 +8618,14 @@
                       <a:endParaRPr sz="1000"/>
                     </a:p>
                   </a:txBody>
-                  <a:tcPr marT="91425" marB="91425" marR="91425" marL="91425"/>
+                  <a:tcPr marL="91425" marR="91425" marT="91425" marB="91425"/>
                 </a:tc>
                 <a:tc>
                   <a:txBody>
                     <a:bodyPr/>
                     <a:lstStyle/>
                     <a:p>
-                      <a:pPr indent="0" lvl="0" marL="0" rtl="0" algn="l">
+                      <a:pPr marL="0" lvl="0" indent="0" algn="l" rtl="0">
                         <a:spcBef>
                           <a:spcPts val="0"/>
                         </a:spcBef>
@@ -8453,14 +8645,14 @@
                       <a:endParaRPr sz="1000"/>
                     </a:p>
                   </a:txBody>
-                  <a:tcPr marT="91425" marB="91425" marR="91425" marL="91425"/>
+                  <a:tcPr marL="91425" marR="91425" marT="91425" marB="91425"/>
                 </a:tc>
                 <a:tc>
                   <a:txBody>
                     <a:bodyPr/>
                     <a:lstStyle/>
                     <a:p>
-                      <a:pPr indent="0" lvl="0" marL="0" rtl="0" algn="l">
+                      <a:pPr marL="0" lvl="0" indent="0" algn="l" rtl="0">
                         <a:spcBef>
                           <a:spcPts val="0"/>
                         </a:spcBef>
@@ -8481,8 +8673,13 @@
                       <a:endParaRPr sz="1000"/>
                     </a:p>
                   </a:txBody>
-                  <a:tcPr marT="91425" marB="91425" marR="91425" marL="91425"/>
+                  <a:tcPr marL="91425" marR="91425" marT="91425" marB="91425"/>
                 </a:tc>
+                <a:extLst>
+                  <a:ext uri="{0D108BD9-81ED-4DB2-BD59-A6C34878D82A}">
+                    <a16:rowId xmlns:a16="http://schemas.microsoft.com/office/drawing/2014/main" val="10001"/>
+                  </a:ext>
+                </a:extLst>
               </a:tr>
               <a:tr h="650875">
                 <a:tc>
@@ -8490,7 +8687,7 @@
                     <a:bodyPr/>
                     <a:lstStyle/>
                     <a:p>
-                      <a:pPr indent="0" lvl="0" marL="0" rtl="0" algn="l">
+                      <a:pPr marL="0" lvl="0" indent="0" algn="l" rtl="0">
                         <a:spcBef>
                           <a:spcPts val="0"/>
                         </a:spcBef>
@@ -8506,14 +8703,14 @@
                       <a:endParaRPr/>
                     </a:p>
                   </a:txBody>
-                  <a:tcPr marT="91425" marB="91425" marR="91425" marL="91425"/>
+                  <a:tcPr marL="91425" marR="91425" marT="91425" marB="91425"/>
                 </a:tc>
                 <a:tc>
                   <a:txBody>
                     <a:bodyPr/>
                     <a:lstStyle/>
                     <a:p>
-                      <a:pPr indent="0" lvl="0" marL="0" rtl="0" algn="l">
+                      <a:pPr marL="0" lvl="0" indent="0" algn="l" rtl="0">
                         <a:spcBef>
                           <a:spcPts val="0"/>
                         </a:spcBef>
@@ -8523,20 +8720,89 @@
                         <a:buNone/>
                       </a:pPr>
                       <a:r>
-                        <a:rPr lang="fr" sz="1000"/>
+                        <a:rPr lang="fr" sz="1000" dirty="0"/>
                         <a:t>++</a:t>
                       </a:r>
-                      <a:endParaRPr sz="1000"/>
+                      <a:endParaRPr sz="1000" dirty="0"/>
                     </a:p>
                   </a:txBody>
-                  <a:tcPr marT="91425" marB="91425" marR="91425" marL="91425"/>
+                  <a:tcPr marL="91425" marR="91425" marT="91425" marB="91425"/>
                 </a:tc>
                 <a:tc>
                   <a:txBody>
                     <a:bodyPr/>
                     <a:lstStyle/>
                     <a:p>
-                      <a:pPr indent="0" lvl="0" marL="0" rtl="0" algn="l">
+                      <a:pPr marL="171450" lvl="0" indent="-171450" algn="l" rtl="0">
+                        <a:spcBef>
+                          <a:spcPts val="0"/>
+                        </a:spcBef>
+                        <a:spcAft>
+                          <a:spcPts val="0"/>
+                        </a:spcAft>
+                        <a:buFontTx/>
+                        <a:buChar char="-"/>
+                      </a:pPr>
+                      <a:r>
+                        <a:rPr lang="fr" sz="1000" dirty="0"/>
+                        <a:t>free </a:t>
+                      </a:r>
+                      <a:r>
+                        <a:rPr lang="fr" sz="1000" dirty="0" err="1"/>
+                        <a:t>with</a:t>
+                      </a:r>
+                      <a:r>
+                        <a:rPr lang="fr" sz="1000" dirty="0"/>
+                        <a:t> </a:t>
+                      </a:r>
+                      <a:r>
+                        <a:rPr lang="fr" sz="1000" dirty="0" err="1"/>
+                        <a:t>limited</a:t>
+                      </a:r>
+                      <a:r>
+                        <a:rPr lang="fr" sz="1000" dirty="0"/>
+                        <a:t> </a:t>
+                      </a:r>
+                      <a:r>
+                        <a:rPr lang="fr" sz="1000" dirty="0" err="1"/>
+                        <a:t>capabilities</a:t>
+                      </a:r>
+                      <a:endParaRPr lang="fr" sz="1000" dirty="0"/>
+                    </a:p>
+                    <a:p>
+                      <a:pPr marL="171450" lvl="0" indent="-171450" algn="l" rtl="0">
+                        <a:spcBef>
+                          <a:spcPts val="0"/>
+                        </a:spcBef>
+                        <a:spcAft>
+                          <a:spcPts val="0"/>
+                        </a:spcAft>
+                        <a:buFontTx/>
+                        <a:buChar char="-"/>
+                      </a:pPr>
+                      <a:r>
+                        <a:rPr lang="fr" sz="1000" dirty="0"/>
+                        <a:t>5000 €/</a:t>
+                      </a:r>
+                      <a:r>
+                        <a:rPr lang="fr" sz="1000" dirty="0" err="1"/>
+                        <a:t>year</a:t>
+                      </a:r>
+                      <a:r>
+                        <a:rPr lang="fr" sz="1000" dirty="0"/>
+                        <a:t> for full version</a:t>
+                      </a:r>
+                      <a:endParaRPr sz="1000" dirty="0"/>
+                    </a:p>
+                  </a:txBody>
+                  <a:tcPr marL="91425" marR="91425" marT="91425" marB="91425"/>
+                </a:tc>
+                <a:tc>
+                  <a:txBody>
+                    <a:bodyPr/>
+                    <a:lstStyle/>
+                    <a:p>
+                      <a:pPr marL="0" lvl="0" indent="0" algn="l" rtl="0">
                         <a:spcBef>
                           <a:spcPts val="0"/>
                         </a:spcBef>
@@ -8546,24 +8812,33 @@
                         <a:buNone/>
                       </a:pPr>
                       <a:r>
-                        <a:rPr lang="fr" sz="1000"/>
-                        <a:t>-</a:t>
+                        <a:rPr lang="fr-FR" sz="1000" dirty="0"/>
+                        <a:t>Installation </a:t>
                       </a:r>
                       <a:r>
-                        <a:rPr lang="fr" sz="1000"/>
-                        <a:t> free with limited capabilities</a:t>
+                        <a:rPr lang="fr-FR" sz="1000" dirty="0" err="1"/>
+                        <a:t>relatively</a:t>
                       </a:r>
-                      <a:endParaRPr sz="1000"/>
+                      <a:r>
+                        <a:rPr lang="fr-FR" sz="1000" dirty="0"/>
+                        <a:t> </a:t>
+                      </a:r>
+                      <a:r>
+                        <a:rPr lang="fr-FR" sz="1000" dirty="0" err="1"/>
+                        <a:t>easy</a:t>
+                      </a:r>
+                      <a:r>
+                        <a:rPr lang="fr-FR" sz="1000" dirty="0"/>
+                        <a:t> on </a:t>
+                      </a:r>
+                      <a:r>
+                        <a:rPr lang="fr-FR" sz="1000" dirty="0" err="1"/>
+                        <a:t>ubuntu</a:t>
+                      </a:r>
+                      <a:endParaRPr lang="fr-FR" sz="1000" dirty="0"/>
                     </a:p>
-                  </a:txBody>
-                  <a:tcPr marT="91425" marB="91425" marR="91425" marL="91425"/>
-                </a:tc>
-                <a:tc>
-                  <a:txBody>
-                    <a:bodyPr/>
-                    <a:lstStyle/>
                     <a:p>
-                      <a:pPr indent="0" lvl="0" marL="0" rtl="0" algn="l">
+                      <a:pPr marL="0" lvl="0" indent="0" algn="l" rtl="0">
                         <a:spcBef>
                           <a:spcPts val="0"/>
                         </a:spcBef>
@@ -8573,19 +8848,40 @@
                         <a:buNone/>
                       </a:pPr>
                       <a:r>
-                        <a:t/>
+                        <a:rPr lang="fr-FR" sz="1000" dirty="0"/>
+                        <a:t>Maintenance </a:t>
                       </a:r>
-                      <a:endParaRPr sz="1000"/>
+                      <a:r>
+                        <a:rPr lang="fr-FR" sz="1000" dirty="0" err="1"/>
+                        <a:t>easy</a:t>
+                      </a:r>
+                      <a:r>
+                        <a:rPr lang="fr-FR" sz="1000" dirty="0"/>
+                        <a:t> for </a:t>
+                      </a:r>
+                      <a:r>
+                        <a:rPr lang="fr-FR" sz="1000" dirty="0" err="1"/>
+                        <a:t>systems</a:t>
+                      </a:r>
+                      <a:r>
+                        <a:rPr lang="fr-FR" sz="1000" dirty="0"/>
+                        <a:t> </a:t>
+                      </a:r>
+                      <a:r>
+                        <a:rPr lang="fr-FR" sz="1000" dirty="0" err="1"/>
+                        <a:t>administrators</a:t>
+                      </a:r>
+                      <a:endParaRPr sz="1000" dirty="0"/>
                     </a:p>
                   </a:txBody>
-                  <a:tcPr marT="91425" marB="91425" marR="91425" marL="91425"/>
+                  <a:tcPr marL="91425" marR="91425" marT="91425" marB="91425"/>
                 </a:tc>
                 <a:tc>
                   <a:txBody>
                     <a:bodyPr/>
                     <a:lstStyle/>
                     <a:p>
-                      <a:pPr indent="0" lvl="0" marL="0" rtl="0" algn="l">
+                      <a:pPr marL="0" lvl="0" indent="0" algn="l" rtl="0">
                         <a:spcBef>
                           <a:spcPts val="0"/>
                         </a:spcBef>
@@ -8595,13 +8891,31 @@
                         <a:buNone/>
                       </a:pPr>
                       <a:r>
-                        <a:t/>
+                        <a:rPr lang="fr-FR" sz="1000" dirty="0"/>
+                        <a:t>few </a:t>
                       </a:r>
-                      <a:endParaRPr sz="1000"/>
+                      <a:r>
+                        <a:rPr lang="fr-FR" sz="1000" dirty="0" err="1"/>
+                        <a:t>skills</a:t>
+                      </a:r>
+                      <a:r>
+                        <a:rPr lang="fr-FR" sz="1000" dirty="0"/>
+                        <a:t> in </a:t>
+                      </a:r>
+                      <a:r>
+                        <a:rPr lang="fr-FR" sz="1000" dirty="0" err="1"/>
+                        <a:t>unix</a:t>
+                      </a:r>
+                      <a:endParaRPr sz="1000" dirty="0"/>
                     </a:p>
                   </a:txBody>
-                  <a:tcPr marT="91425" marB="91425" marR="91425" marL="91425"/>
+                  <a:tcPr marL="91425" marR="91425" marT="91425" marB="91425"/>
                 </a:tc>
+                <a:extLst>
+                  <a:ext uri="{0D108BD9-81ED-4DB2-BD59-A6C34878D82A}">
+                    <a16:rowId xmlns:a16="http://schemas.microsoft.com/office/drawing/2014/main" val="10002"/>
+                  </a:ext>
+                </a:extLst>
               </a:tr>
               <a:tr h="650875">
                 <a:tc>
@@ -8609,7 +8923,7 @@
                     <a:bodyPr/>
                     <a:lstStyle/>
                     <a:p>
-                      <a:pPr indent="0" lvl="0" marL="0" rtl="0" algn="l">
+                      <a:pPr marL="0" lvl="0" indent="0" algn="l" rtl="0">
                         <a:spcBef>
                           <a:spcPts val="0"/>
                         </a:spcBef>
@@ -8619,20 +8933,20 @@
                         <a:buNone/>
                       </a:pPr>
                       <a:r>
-                        <a:rPr lang="fr"/>
+                        <a:rPr lang="fr" dirty="0" err="1"/>
                         <a:t>shinyproxy</a:t>
                       </a:r>
-                      <a:endParaRPr/>
+                      <a:endParaRPr dirty="0"/>
                     </a:p>
                   </a:txBody>
-                  <a:tcPr marT="91425" marB="91425" marR="91425" marL="91425"/>
+                  <a:tcPr marL="91425" marR="91425" marT="91425" marB="91425"/>
                 </a:tc>
                 <a:tc>
                   <a:txBody>
                     <a:bodyPr/>
                     <a:lstStyle/>
                     <a:p>
-                      <a:pPr indent="0" lvl="0" marL="0" rtl="0" algn="l">
+                      <a:pPr marL="0" lvl="0" indent="0" algn="l" rtl="0">
                         <a:spcBef>
                           <a:spcPts val="0"/>
                         </a:spcBef>
@@ -8642,20 +8956,20 @@
                         <a:buNone/>
                       </a:pPr>
                       <a:r>
-                        <a:rPr lang="fr" sz="1000"/>
+                        <a:rPr lang="fr" sz="1000" dirty="0"/>
                         <a:t>++</a:t>
                       </a:r>
-                      <a:endParaRPr sz="1000"/>
+                      <a:endParaRPr sz="1000" dirty="0"/>
                     </a:p>
                   </a:txBody>
-                  <a:tcPr marT="91425" marB="91425" marR="91425" marL="91425"/>
+                  <a:tcPr marL="91425" marR="91425" marT="91425" marB="91425"/>
                 </a:tc>
                 <a:tc>
                   <a:txBody>
                     <a:bodyPr/>
                     <a:lstStyle/>
                     <a:p>
-                      <a:pPr indent="0" lvl="0" marL="0" rtl="0" algn="l">
+                      <a:pPr marL="0" lvl="0" indent="0" algn="l" rtl="0">
                         <a:spcBef>
                           <a:spcPts val="0"/>
                         </a:spcBef>
@@ -8665,24 +8979,20 @@
                         <a:buNone/>
                       </a:pPr>
                       <a:r>
-                        <a:rPr lang="fr" sz="1000"/>
-                        <a:t>- </a:t>
+                        <a:rPr lang="fr" sz="1000" dirty="0"/>
+                        <a:t>- free</a:t>
                       </a:r>
-                      <a:r>
-                        <a:rPr lang="fr" sz="1000"/>
-                        <a:t>free</a:t>
-                      </a:r>
-                      <a:endParaRPr sz="1000"/>
+                      <a:endParaRPr sz="1000" dirty="0"/>
                     </a:p>
                   </a:txBody>
-                  <a:tcPr marT="91425" marB="91425" marR="91425" marL="91425"/>
+                  <a:tcPr marL="91425" marR="91425" marT="91425" marB="91425"/>
                 </a:tc>
                 <a:tc>
                   <a:txBody>
                     <a:bodyPr/>
                     <a:lstStyle/>
                     <a:p>
-                      <a:pPr indent="0" lvl="0" marL="0" rtl="0" algn="l">
+                      <a:pPr marL="0" lvl="0" indent="0" algn="l" rtl="0">
                         <a:spcBef>
                           <a:spcPts val="0"/>
                         </a:spcBef>
@@ -8692,19 +9002,102 @@
                         <a:buNone/>
                       </a:pPr>
                       <a:r>
-                        <a:t/>
+                        <a:rPr lang="fr-FR" sz="1000" dirty="0"/>
+                        <a:t>Installation </a:t>
                       </a:r>
-                      <a:endParaRPr sz="1000"/>
+                      <a:r>
+                        <a:rPr lang="fr-FR" sz="1000" dirty="0" err="1"/>
+                        <a:t>relativeley</a:t>
+                      </a:r>
+                      <a:r>
+                        <a:rPr lang="fr-FR" sz="1000" dirty="0"/>
+                        <a:t> </a:t>
+                      </a:r>
+                      <a:r>
+                        <a:rPr lang="fr-FR" sz="1000" dirty="0" err="1"/>
+                        <a:t>easy</a:t>
+                      </a:r>
+                      <a:r>
+                        <a:rPr lang="fr-FR" sz="1000" dirty="0"/>
+                        <a:t> </a:t>
+                      </a:r>
+                      <a:r>
+                        <a:rPr lang="fr-FR" sz="1000" dirty="0" err="1"/>
+                        <a:t>using</a:t>
+                      </a:r>
+                      <a:r>
+                        <a:rPr lang="fr-FR" sz="1000" dirty="0"/>
+                        <a:t> docker but docker administration </a:t>
+                      </a:r>
+                      <a:r>
+                        <a:rPr lang="fr-FR" sz="1000" dirty="0" err="1"/>
+                        <a:t>is</a:t>
+                      </a:r>
+                      <a:r>
+                        <a:rPr lang="fr-FR" sz="1000" dirty="0"/>
+                        <a:t> not </a:t>
+                      </a:r>
+                      <a:r>
+                        <a:rPr lang="fr-FR" sz="1000" dirty="0" err="1"/>
+                        <a:t>so</a:t>
+                      </a:r>
+                      <a:r>
+                        <a:rPr lang="fr-FR" sz="1000" dirty="0"/>
+                        <a:t> </a:t>
+                      </a:r>
+                      <a:r>
+                        <a:rPr lang="fr-FR" sz="1000" dirty="0" err="1"/>
+                        <a:t>easy</a:t>
+                      </a:r>
+                      <a:endParaRPr sz="1000" dirty="0"/>
                     </a:p>
                   </a:txBody>
-                  <a:tcPr marT="91425" marB="91425" marR="91425" marL="91425"/>
+                  <a:tcPr marL="91425" marR="91425" marT="91425" marB="91425"/>
                 </a:tc>
                 <a:tc>
                   <a:txBody>
                     <a:bodyPr/>
                     <a:lstStyle/>
                     <a:p>
-                      <a:pPr indent="0" lvl="0" marL="0" rtl="0" algn="l">
+                      <a:pPr marL="0" marR="0" lvl="0" indent="0" algn="l" defTabSz="914400" rtl="0" eaLnBrk="1" fontAlgn="auto" latinLnBrk="0" hangingPunct="1">
+                        <a:lnSpc>
+                          <a:spcPct val="100000"/>
+                        </a:lnSpc>
+                        <a:spcBef>
+                          <a:spcPts val="0"/>
+                        </a:spcBef>
+                        <a:spcAft>
+                          <a:spcPts val="0"/>
+                        </a:spcAft>
+                        <a:buClr>
+                          <a:srgbClr val="000000"/>
+                        </a:buClr>
+                        <a:buSzTx/>
+                        <a:buFont typeface="Arial"/>
+                        <a:buNone/>
+                        <a:tabLst/>
+                        <a:defRPr/>
+                      </a:pPr>
+                      <a:r>
+                        <a:rPr lang="fr-FR" sz="1000" dirty="0"/>
+                        <a:t>few </a:t>
+                      </a:r>
+                      <a:r>
+                        <a:rPr lang="fr-FR" sz="1000" dirty="0" err="1"/>
+                        <a:t>skills</a:t>
+                      </a:r>
+                      <a:r>
+                        <a:rPr lang="fr-FR" sz="1000" dirty="0"/>
+                        <a:t> in </a:t>
+                      </a:r>
+                      <a:r>
+                        <a:rPr lang="fr-FR" sz="1000" dirty="0" err="1"/>
+                        <a:t>unix</a:t>
+                      </a:r>
+                      <a:endParaRPr lang="fr-FR" sz="1000" dirty="0"/>
+                    </a:p>
+                    <a:p>
+                      <a:pPr marL="0" lvl="0" indent="0" algn="l" rtl="0">
                         <a:spcBef>
                           <a:spcPts val="0"/>
                         </a:spcBef>
@@ -8713,14 +9106,16 @@
                         </a:spcAft>
                         <a:buNone/>
                       </a:pPr>
-                      <a:r>
-                        <a:t/>
-                      </a:r>
-                      <a:endParaRPr sz="1000"/>
+                      <a:endParaRPr sz="1000" dirty="0"/>
                     </a:p>
                   </a:txBody>
-                  <a:tcPr marT="91425" marB="91425" marR="91425" marL="91425"/>
+                  <a:tcPr marL="91425" marR="91425" marT="91425" marB="91425"/>
                 </a:tc>
+                <a:extLst>
+                  <a:ext uri="{0D108BD9-81ED-4DB2-BD59-A6C34878D82A}">
+                    <a16:rowId xmlns:a16="http://schemas.microsoft.com/office/drawing/2014/main" val="10003"/>
+                  </a:ext>
+                </a:extLst>
               </a:tr>
             </a:tbl>
           </a:graphicData>
@@ -8735,11 +9130,11 @@
 </file>
 
 <file path=ppt/slides/slide14.xml><?xml version="1.0" encoding="utf-8"?>
-<p:sld xmlns:a="http://schemas.openxmlformats.org/drawingml/2006/main" xmlns:r="http://schemas.openxmlformats.org/officeDocument/2006/relationships" xmlns:mc="http://schemas.openxmlformats.org/markup-compatibility/2006" xmlns:mv="urn:schemas-microsoft-com:mac:vml" xmlns:p="http://schemas.openxmlformats.org/presentationml/2006/main" xmlns:c="http://schemas.openxmlformats.org/drawingml/2006/chart" xmlns:dgm="http://schemas.openxmlformats.org/drawingml/2006/diagram" xmlns:o="urn:schemas-microsoft-com:office:office" xmlns:v="urn:schemas-microsoft-com:vml" xmlns:pvml="urn:schemas-microsoft-com:office:powerpoint" xmlns:com="http://schemas.openxmlformats.org/drawingml/2006/compatibility" xmlns:p14="http://schemas.microsoft.com/office/powerpoint/2010/main" xmlns:p15="http://schemas.microsoft.com/office/powerpoint/2012/main">
+<p:sld xmlns:a="http://schemas.openxmlformats.org/drawingml/2006/main" xmlns:r="http://schemas.openxmlformats.org/officeDocument/2006/relationships" xmlns:p="http://schemas.openxmlformats.org/presentationml/2006/main">
   <p:cSld>
     <p:spTree>
       <p:nvGrpSpPr>
-        <p:cNvPr id="138" name="Shape 138"/>
+        <p:cNvPr id="1" name="Shape 138"/>
         <p:cNvGrpSpPr/>
         <p:nvPr/>
       </p:nvGrpSpPr>
@@ -8754,7 +9149,9 @@
       <p:sp>
         <p:nvSpPr>
           <p:cNvPr id="139" name="Google Shape;139;p26"/>
-          <p:cNvSpPr txBox="1"/>
+          <p:cNvSpPr txBox="1">
+            <a:spLocks noGrp="1"/>
+          </p:cNvSpPr>
           <p:nvPr>
             <p:ph type="title"/>
           </p:nvPr>
@@ -8769,12 +9166,12 @@
           </a:prstGeom>
         </p:spPr>
         <p:txBody>
-          <a:bodyPr anchorCtr="0" anchor="t" bIns="91425" lIns="91425" spcFirstLastPara="1" rIns="91425" wrap="square" tIns="91425">
+          <a:bodyPr spcFirstLastPara="1" wrap="square" lIns="91425" tIns="91425" rIns="91425" bIns="91425" anchor="t" anchorCtr="0">
             <a:noAutofit/>
           </a:bodyPr>
           <a:lstStyle/>
           <a:p>
-            <a:pPr indent="0" lvl="0" marL="0" rtl="0" algn="l">
+            <a:pPr marL="0" lvl="0" indent="0" algn="l" rtl="0">
               <a:spcBef>
                 <a:spcPts val="0"/>
               </a:spcBef>
@@ -8794,9 +9191,11 @@
       <p:sp>
         <p:nvSpPr>
           <p:cNvPr id="140" name="Google Shape;140;p26"/>
-          <p:cNvSpPr txBox="1"/>
+          <p:cNvSpPr txBox="1">
+            <a:spLocks noGrp="1"/>
+          </p:cNvSpPr>
           <p:nvPr>
-            <p:ph idx="1" type="body"/>
+            <p:ph type="body" idx="1"/>
           </p:nvPr>
         </p:nvSpPr>
         <p:spPr>
@@ -8809,12 +9208,12 @@
           </a:prstGeom>
         </p:spPr>
         <p:txBody>
-          <a:bodyPr anchorCtr="0" anchor="t" bIns="91425" lIns="91425" spcFirstLastPara="1" rIns="91425" wrap="square" tIns="91425">
+          <a:bodyPr spcFirstLastPara="1" wrap="square" lIns="91425" tIns="91425" rIns="91425" bIns="91425" anchor="t" anchorCtr="0">
             <a:noAutofit/>
           </a:bodyPr>
           <a:lstStyle/>
           <a:p>
-            <a:pPr indent="0" lvl="0" marL="101600" marR="101600" rtl="0" algn="l">
+            <a:pPr marL="101600" marR="101600" lvl="0" indent="0" algn="l" rtl="0">
               <a:lnSpc>
                 <a:spcPct val="100000"/>
               </a:lnSpc>
@@ -8833,7 +9232,7 @@
             <a:endParaRPr sz="2600"/>
           </a:p>
           <a:p>
-            <a:pPr indent="0" lvl="0" marL="101600" marR="101600" rtl="0" algn="l">
+            <a:pPr marL="101600" marR="101600" lvl="0" indent="0" algn="l" rtl="0">
               <a:lnSpc>
                 <a:spcPct val="100000"/>
               </a:lnSpc>
@@ -8852,7 +9251,7 @@
             <a:endParaRPr sz="1000"/>
           </a:p>
           <a:p>
-            <a:pPr indent="0" lvl="0" marL="101600" marR="101600" rtl="0" algn="l">
+            <a:pPr marL="101600" marR="101600" lvl="0" indent="0" algn="l" rtl="0">
               <a:lnSpc>
                 <a:spcPct val="100000"/>
               </a:lnSpc>
@@ -8871,7 +9270,7 @@
             <a:endParaRPr sz="1000"/>
           </a:p>
           <a:p>
-            <a:pPr indent="0" lvl="0" marL="101600" marR="101600" rtl="0" algn="l">
+            <a:pPr marL="101600" marR="101600" lvl="0" indent="0" algn="l" rtl="0">
               <a:lnSpc>
                 <a:spcPct val="100000"/>
               </a:lnSpc>
@@ -8890,7 +9289,7 @@
             <a:endParaRPr sz="1000"/>
           </a:p>
           <a:p>
-            <a:pPr indent="0" lvl="0" marL="101600" marR="101600" rtl="0" algn="l">
+            <a:pPr marL="101600" marR="101600" lvl="0" indent="0" algn="l" rtl="0">
               <a:lnSpc>
                 <a:spcPct val="100000"/>
               </a:lnSpc>
@@ -8909,7 +9308,7 @@
             <a:endParaRPr sz="1000"/>
           </a:p>
           <a:p>
-            <a:pPr indent="0" lvl="0" marL="101600" marR="101600" rtl="0" algn="l">
+            <a:pPr marL="101600" marR="101600" lvl="0" indent="0" algn="l" rtl="0">
               <a:lnSpc>
                 <a:spcPct val="100000"/>
               </a:lnSpc>
@@ -8928,7 +9327,7 @@
             <a:endParaRPr sz="1000"/>
           </a:p>
           <a:p>
-            <a:pPr indent="0" lvl="0" marL="101600" marR="101600" rtl="0" algn="l">
+            <a:pPr marL="101600" marR="101600" lvl="0" indent="0" algn="l" rtl="0">
               <a:lnSpc>
                 <a:spcPct val="100000"/>
               </a:lnSpc>
@@ -8947,7 +9346,7 @@
             <a:endParaRPr sz="1000"/>
           </a:p>
           <a:p>
-            <a:pPr indent="0" lvl="0" marL="101600" marR="101600" rtl="0" algn="l">
+            <a:pPr marL="101600" marR="101600" lvl="0" indent="0" algn="l" rtl="0">
               <a:lnSpc>
                 <a:spcPct val="100000"/>
               </a:lnSpc>
@@ -8966,7 +9365,7 @@
             <a:endParaRPr sz="1000"/>
           </a:p>
           <a:p>
-            <a:pPr indent="0" lvl="0" marL="101600" marR="101600" rtl="0" algn="l">
+            <a:pPr marL="101600" marR="101600" lvl="0" indent="0" algn="l" rtl="0">
               <a:lnSpc>
                 <a:spcPct val="100000"/>
               </a:lnSpc>
@@ -8985,7 +9384,7 @@
             <a:endParaRPr sz="1000"/>
           </a:p>
           <a:p>
-            <a:pPr indent="0" lvl="0" marL="101600" marR="101600" rtl="0" algn="l">
+            <a:pPr marL="101600" marR="101600" lvl="0" indent="0" algn="l" rtl="0">
               <a:lnSpc>
                 <a:spcPct val="100000"/>
               </a:lnSpc>
@@ -9004,7 +9403,7 @@
             <a:endParaRPr sz="1000"/>
           </a:p>
           <a:p>
-            <a:pPr indent="0" lvl="0" marL="101600" marR="101600" rtl="0" algn="l">
+            <a:pPr marL="101600" marR="101600" lvl="0" indent="0" algn="l" rtl="0">
               <a:lnSpc>
                 <a:spcPct val="100000"/>
               </a:lnSpc>
@@ -9023,7 +9422,7 @@
             <a:endParaRPr sz="1000"/>
           </a:p>
           <a:p>
-            <a:pPr indent="0" lvl="0" marL="101600" marR="101600" rtl="0" algn="l">
+            <a:pPr marL="101600" marR="101600" lvl="0" indent="0" algn="l" rtl="0">
               <a:lnSpc>
                 <a:spcPct val="100000"/>
               </a:lnSpc>
@@ -9042,7 +9441,7 @@
             <a:endParaRPr sz="1000"/>
           </a:p>
           <a:p>
-            <a:pPr indent="0" lvl="0" marL="0" rtl="0" algn="l">
+            <a:pPr marL="0" lvl="0" indent="0" algn="l" rtl="0">
               <a:lnSpc>
                 <a:spcPct val="100000"/>
               </a:lnSpc>
@@ -9054,9 +9453,6 @@
               </a:spcAft>
               <a:buNone/>
             </a:pPr>
-            <a:r>
-              <a:t/>
-            </a:r>
             <a:endParaRPr sz="1000"/>
           </a:p>
         </p:txBody>
@@ -9070,11 +9466,11 @@
 </file>
 
 <file path=ppt/slides/slide15.xml><?xml version="1.0" encoding="utf-8"?>
-<p:sld xmlns:a="http://schemas.openxmlformats.org/drawingml/2006/main" xmlns:r="http://schemas.openxmlformats.org/officeDocument/2006/relationships" xmlns:mc="http://schemas.openxmlformats.org/markup-compatibility/2006" xmlns:mv="urn:schemas-microsoft-com:mac:vml" xmlns:p="http://schemas.openxmlformats.org/presentationml/2006/main" xmlns:c="http://schemas.openxmlformats.org/drawingml/2006/chart" xmlns:dgm="http://schemas.openxmlformats.org/drawingml/2006/diagram" xmlns:o="urn:schemas-microsoft-com:office:office" xmlns:v="urn:schemas-microsoft-com:vml" xmlns:pvml="urn:schemas-microsoft-com:office:powerpoint" xmlns:com="http://schemas.openxmlformats.org/drawingml/2006/compatibility" xmlns:p14="http://schemas.microsoft.com/office/powerpoint/2010/main" xmlns:p15="http://schemas.microsoft.com/office/powerpoint/2012/main">
+<p:sld xmlns:a="http://schemas.openxmlformats.org/drawingml/2006/main" xmlns:r="http://schemas.openxmlformats.org/officeDocument/2006/relationships" xmlns:p="http://schemas.openxmlformats.org/presentationml/2006/main">
   <p:cSld>
     <p:spTree>
       <p:nvGrpSpPr>
-        <p:cNvPr id="144" name="Shape 144"/>
+        <p:cNvPr id="1" name="Shape 144"/>
         <p:cNvGrpSpPr/>
         <p:nvPr/>
       </p:nvGrpSpPr>
@@ -9089,9 +9485,11 @@
       <p:sp>
         <p:nvSpPr>
           <p:cNvPr id="145" name="Google Shape;145;p27"/>
-          <p:cNvSpPr txBox="1"/>
+          <p:cNvSpPr txBox="1">
+            <a:spLocks noGrp="1"/>
+          </p:cNvSpPr>
           <p:nvPr>
-            <p:ph idx="1" type="body"/>
+            <p:ph type="body" idx="1"/>
           </p:nvPr>
         </p:nvSpPr>
         <p:spPr>
@@ -9104,12 +9502,12 @@
           </a:prstGeom>
         </p:spPr>
         <p:txBody>
-          <a:bodyPr anchorCtr="0" anchor="t" bIns="91425" lIns="91425" spcFirstLastPara="1" rIns="91425" wrap="square" tIns="91425">
+          <a:bodyPr spcFirstLastPara="1" wrap="square" lIns="91425" tIns="91425" rIns="91425" bIns="91425" anchor="t" anchorCtr="0">
             <a:noAutofit/>
           </a:bodyPr>
           <a:lstStyle/>
           <a:p>
-            <a:pPr indent="0" lvl="0" marL="0" rtl="0" algn="l">
+            <a:pPr marL="0" lvl="0" indent="0" algn="l" rtl="0">
               <a:spcBef>
                 <a:spcPts val="0"/>
               </a:spcBef>
@@ -9125,7 +9523,7 @@
             <a:endParaRPr/>
           </a:p>
           <a:p>
-            <a:pPr indent="0" lvl="0" marL="0" rtl="0" algn="l">
+            <a:pPr marL="0" lvl="0" indent="0" algn="l" rtl="0">
               <a:spcBef>
                 <a:spcPts val="1600"/>
               </a:spcBef>
@@ -9135,13 +9533,13 @@
               <a:buNone/>
             </a:pPr>
             <a:r>
-              <a:rPr b="1" lang="fr"/>
+              <a:rPr lang="fr" b="1"/>
               <a:t>Ubuntu:</a:t>
             </a:r>
             <a:endParaRPr b="1"/>
           </a:p>
           <a:p>
-            <a:pPr indent="0" lvl="0" marL="0" rtl="0" algn="l">
+            <a:pPr marL="0" lvl="0" indent="0" algn="l" rtl="0">
               <a:spcBef>
                 <a:spcPts val="1600"/>
               </a:spcBef>
@@ -9157,7 +9555,7 @@
             <a:endParaRPr/>
           </a:p>
           <a:p>
-            <a:pPr indent="-342900" lvl="0" marL="457200" rtl="0" algn="l">
+            <a:pPr marL="457200" lvl="0" indent="-342900" algn="l" rtl="0">
               <a:spcBef>
                 <a:spcPts val="1600"/>
               </a:spcBef>
@@ -9174,7 +9572,7 @@
             <a:endParaRPr/>
           </a:p>
           <a:p>
-            <a:pPr indent="-342900" lvl="0" marL="457200" rtl="0" algn="l">
+            <a:pPr marL="457200" lvl="0" indent="-342900" algn="l" rtl="0">
               <a:spcBef>
                 <a:spcPts val="0"/>
               </a:spcBef>
@@ -9195,7 +9593,9 @@
       <p:sp>
         <p:nvSpPr>
           <p:cNvPr id="146" name="Google Shape;146;p27"/>
-          <p:cNvSpPr txBox="1"/>
+          <p:cNvSpPr txBox="1">
+            <a:spLocks noGrp="1"/>
+          </p:cNvSpPr>
           <p:nvPr>
             <p:ph type="title"/>
           </p:nvPr>
@@ -9210,12 +9610,12 @@
           </a:prstGeom>
         </p:spPr>
         <p:txBody>
-          <a:bodyPr anchorCtr="0" anchor="t" bIns="91425" lIns="91425" spcFirstLastPara="1" rIns="91425" wrap="square" tIns="91425">
+          <a:bodyPr spcFirstLastPara="1" wrap="square" lIns="91425" tIns="91425" rIns="91425" bIns="91425" anchor="t" anchorCtr="0">
             <a:noAutofit/>
           </a:bodyPr>
           <a:lstStyle/>
           <a:p>
-            <a:pPr indent="0" lvl="0" marL="0" rtl="0" algn="l">
+            <a:pPr marL="0" lvl="0" indent="0" algn="l" rtl="0">
               <a:spcBef>
                 <a:spcPts val="0"/>
               </a:spcBef>
@@ -9241,11 +9641,11 @@
 </file>
 
 <file path=ppt/slides/slide16.xml><?xml version="1.0" encoding="utf-8"?>
-<p:sld xmlns:a="http://schemas.openxmlformats.org/drawingml/2006/main" xmlns:r="http://schemas.openxmlformats.org/officeDocument/2006/relationships" xmlns:mc="http://schemas.openxmlformats.org/markup-compatibility/2006" xmlns:mv="urn:schemas-microsoft-com:mac:vml" xmlns:p="http://schemas.openxmlformats.org/presentationml/2006/main" xmlns:c="http://schemas.openxmlformats.org/drawingml/2006/chart" xmlns:dgm="http://schemas.openxmlformats.org/drawingml/2006/diagram" xmlns:o="urn:schemas-microsoft-com:office:office" xmlns:v="urn:schemas-microsoft-com:vml" xmlns:pvml="urn:schemas-microsoft-com:office:powerpoint" xmlns:com="http://schemas.openxmlformats.org/drawingml/2006/compatibility" xmlns:p14="http://schemas.microsoft.com/office/powerpoint/2010/main" xmlns:p15="http://schemas.microsoft.com/office/powerpoint/2012/main">
+<p:sld xmlns:a="http://schemas.openxmlformats.org/drawingml/2006/main" xmlns:r="http://schemas.openxmlformats.org/officeDocument/2006/relationships" xmlns:p="http://schemas.openxmlformats.org/presentationml/2006/main">
   <p:cSld>
     <p:spTree>
       <p:nvGrpSpPr>
-        <p:cNvPr id="150" name="Shape 150"/>
+        <p:cNvPr id="1" name="Shape 150"/>
         <p:cNvGrpSpPr/>
         <p:nvPr/>
       </p:nvGrpSpPr>
@@ -9260,7 +9660,9 @@
       <p:sp>
         <p:nvSpPr>
           <p:cNvPr id="151" name="Google Shape;151;p28"/>
-          <p:cNvSpPr txBox="1"/>
+          <p:cNvSpPr txBox="1">
+            <a:spLocks noGrp="1"/>
+          </p:cNvSpPr>
           <p:nvPr>
             <p:ph type="title"/>
           </p:nvPr>
@@ -9275,12 +9677,12 @@
           </a:prstGeom>
         </p:spPr>
         <p:txBody>
-          <a:bodyPr anchorCtr="0" anchor="t" bIns="91425" lIns="91425" spcFirstLastPara="1" rIns="91425" wrap="square" tIns="91425">
+          <a:bodyPr spcFirstLastPara="1" wrap="square" lIns="91425" tIns="91425" rIns="91425" bIns="91425" anchor="t" anchorCtr="0">
             <a:noAutofit/>
           </a:bodyPr>
           <a:lstStyle/>
           <a:p>
-            <a:pPr indent="0" lvl="0" marL="0" rtl="0" algn="l">
+            <a:pPr marL="0" lvl="0" indent="0" algn="l" rtl="0">
               <a:spcBef>
                 <a:spcPts val="0"/>
               </a:spcBef>
@@ -9300,9 +9702,11 @@
       <p:sp>
         <p:nvSpPr>
           <p:cNvPr id="152" name="Google Shape;152;p28"/>
-          <p:cNvSpPr txBox="1"/>
+          <p:cNvSpPr txBox="1">
+            <a:spLocks noGrp="1"/>
+          </p:cNvSpPr>
           <p:nvPr>
-            <p:ph idx="1" type="body"/>
+            <p:ph type="body" idx="1"/>
           </p:nvPr>
         </p:nvSpPr>
         <p:spPr>
@@ -9315,12 +9719,12 @@
           </a:prstGeom>
         </p:spPr>
         <p:txBody>
-          <a:bodyPr anchorCtr="0" anchor="t" bIns="91425" lIns="91425" spcFirstLastPara="1" rIns="91425" wrap="square" tIns="91425">
+          <a:bodyPr spcFirstLastPara="1" wrap="square" lIns="91425" tIns="91425" rIns="91425" bIns="91425" anchor="t" anchorCtr="0">
             <a:noAutofit/>
           </a:bodyPr>
           <a:lstStyle/>
           <a:p>
-            <a:pPr indent="0" lvl="0" marL="0" rtl="0" algn="l">
+            <a:pPr marL="0" lvl="0" indent="0" algn="l" rtl="0">
               <a:lnSpc>
                 <a:spcPct val="100000"/>
               </a:lnSpc>
@@ -9356,7 +9760,7 @@
             </a:endParaRPr>
           </a:p>
           <a:p>
-            <a:pPr indent="0" lvl="0" marL="0" rtl="0" algn="l">
+            <a:pPr marL="0" lvl="0" indent="0" algn="l" rtl="0">
               <a:lnSpc>
                 <a:spcPct val="100000"/>
               </a:lnSpc>
@@ -9380,7 +9784,7 @@
             <a:endParaRPr sz="1200"/>
           </a:p>
           <a:p>
-            <a:pPr indent="0" lvl="0" marL="0" rtl="0" algn="l">
+            <a:pPr marL="0" lvl="0" indent="0" algn="l" rtl="0">
               <a:lnSpc>
                 <a:spcPct val="100000"/>
               </a:lnSpc>
@@ -9416,7 +9820,7 @@
             </a:endParaRPr>
           </a:p>
           <a:p>
-            <a:pPr indent="0" lvl="0" marL="0" rtl="0" algn="l">
+            <a:pPr marL="0" lvl="0" indent="0" algn="l" rtl="0">
               <a:lnSpc>
                 <a:spcPct val="100000"/>
               </a:lnSpc>
@@ -9448,7 +9852,7 @@
             </a:endParaRPr>
           </a:p>
           <a:p>
-            <a:pPr indent="0" lvl="0" marL="0" rtl="0" algn="l">
+            <a:pPr marL="0" lvl="0" indent="0" algn="l" rtl="0">
               <a:lnSpc>
                 <a:spcPct val="100000"/>
               </a:lnSpc>
@@ -9480,7 +9884,7 @@
             </a:endParaRPr>
           </a:p>
           <a:p>
-            <a:pPr indent="0" lvl="0" marL="0" rtl="0" algn="l">
+            <a:pPr marL="0" lvl="0" indent="0" algn="l" rtl="0">
               <a:lnSpc>
                 <a:spcPct val="100000"/>
               </a:lnSpc>
@@ -9497,9 +9901,6 @@
               <a:buFont typeface="Arial"/>
               <a:buNone/>
             </a:pPr>
-            <a:r>
-              <a:t/>
-            </a:r>
             <a:endParaRPr sz="1200">
               <a:solidFill>
                 <a:srgbClr val="FF0000"/>
@@ -9507,7 +9908,7 @@
             </a:endParaRPr>
           </a:p>
           <a:p>
-            <a:pPr indent="0" lvl="0" marL="0" rtl="0" algn="l">
+            <a:pPr marL="0" lvl="0" indent="0" algn="l" rtl="0">
               <a:lnSpc>
                 <a:spcPct val="100000"/>
               </a:lnSpc>
@@ -9539,7 +9940,7 @@
             </a:endParaRPr>
           </a:p>
           <a:p>
-            <a:pPr indent="0" lvl="0" marL="0" rtl="0" algn="l">
+            <a:pPr marL="0" lvl="0" indent="0" algn="l" rtl="0">
               <a:lnSpc>
                 <a:spcPct val="100000"/>
               </a:lnSpc>
@@ -9571,7 +9972,7 @@
             </a:endParaRPr>
           </a:p>
           <a:p>
-            <a:pPr indent="0" lvl="0" marL="0" rtl="0" algn="l">
+            <a:pPr marL="0" lvl="0" indent="0" algn="l" rtl="0">
               <a:lnSpc>
                 <a:spcPct val="100000"/>
               </a:lnSpc>
@@ -9603,7 +10004,7 @@
             </a:endParaRPr>
           </a:p>
           <a:p>
-            <a:pPr indent="0" lvl="0" marL="0" rtl="0" algn="l">
+            <a:pPr marL="0" lvl="0" indent="0" algn="l" rtl="0">
               <a:lnSpc>
                 <a:spcPct val="100000"/>
               </a:lnSpc>
@@ -9635,7 +10036,7 @@
             </a:endParaRPr>
           </a:p>
           <a:p>
-            <a:pPr indent="0" lvl="0" marL="0" rtl="0" algn="l">
+            <a:pPr marL="0" lvl="0" indent="0" algn="l" rtl="0">
               <a:lnSpc>
                 <a:spcPct val="100000"/>
               </a:lnSpc>
@@ -9667,7 +10068,7 @@
             </a:endParaRPr>
           </a:p>
           <a:p>
-            <a:pPr indent="0" lvl="0" marL="0" rtl="0" algn="l">
+            <a:pPr marL="0" lvl="0" indent="0" algn="l" rtl="0">
               <a:lnSpc>
                 <a:spcPct val="100000"/>
               </a:lnSpc>
@@ -9699,7 +10100,7 @@
             </a:endParaRPr>
           </a:p>
           <a:p>
-            <a:pPr indent="0" lvl="0" marL="0" rtl="0" algn="l">
+            <a:pPr marL="0" lvl="0" indent="0" algn="l" rtl="0">
               <a:lnSpc>
                 <a:spcPct val="100000"/>
               </a:lnSpc>
@@ -9731,7 +10132,7 @@
             </a:endParaRPr>
           </a:p>
           <a:p>
-            <a:pPr indent="0" lvl="0" marL="0" rtl="0" algn="l">
+            <a:pPr marL="0" lvl="0" indent="0" algn="l" rtl="0">
               <a:lnSpc>
                 <a:spcPct val="100000"/>
               </a:lnSpc>
@@ -9763,7 +10164,7 @@
             </a:endParaRPr>
           </a:p>
           <a:p>
-            <a:pPr indent="0" lvl="0" marL="0" rtl="0" algn="l">
+            <a:pPr marL="0" lvl="0" indent="0" algn="l" rtl="0">
               <a:lnSpc>
                 <a:spcPct val="100000"/>
               </a:lnSpc>
@@ -9775,13 +10176,10 @@
               </a:spcAft>
               <a:buNone/>
             </a:pPr>
-            <a:r>
-              <a:t/>
-            </a:r>
             <a:endParaRPr sz="1200"/>
           </a:p>
           <a:p>
-            <a:pPr indent="0" lvl="0" marL="0" rtl="0" algn="l">
+            <a:pPr marL="0" lvl="0" indent="0" algn="l" rtl="0">
               <a:lnSpc>
                 <a:spcPct val="100000"/>
               </a:lnSpc>
@@ -9794,13 +10192,13 @@
               <a:buNone/>
             </a:pPr>
             <a:r>
-              <a:rPr b="1" lang="fr" sz="1200"/>
+              <a:rPr lang="fr" sz="1200" b="1"/>
               <a:t>FIX: install missing packages</a:t>
             </a:r>
-            <a:endParaRPr b="1" sz="1200"/>
-          </a:p>
-          <a:p>
-            <a:pPr indent="0" lvl="0" marL="0" rtl="0" algn="l">
+            <a:endParaRPr sz="1200" b="1"/>
+          </a:p>
+          <a:p>
+            <a:pPr marL="0" lvl="0" indent="0" algn="l" rtl="0">
               <a:lnSpc>
                 <a:spcPct val="100000"/>
               </a:lnSpc>
@@ -9831,7 +10229,7 @@
             </a:endParaRPr>
           </a:p>
           <a:p>
-            <a:pPr indent="0" lvl="0" marL="0" rtl="0" algn="l">
+            <a:pPr marL="0" lvl="0" indent="0" algn="l" rtl="0">
               <a:lnSpc>
                 <a:spcPct val="100000"/>
               </a:lnSpc>
@@ -9862,7 +10260,7 @@
             </a:endParaRPr>
           </a:p>
           <a:p>
-            <a:pPr indent="0" lvl="0" marL="0" rtl="0" algn="l">
+            <a:pPr marL="0" lvl="0" indent="0" algn="l" rtl="0">
               <a:lnSpc>
                 <a:spcPct val="100000"/>
               </a:lnSpc>
@@ -9893,7 +10291,7 @@
             </a:endParaRPr>
           </a:p>
           <a:p>
-            <a:pPr indent="0" lvl="0" marL="0" rtl="0" algn="l">
+            <a:pPr marL="0" lvl="0" indent="0" algn="l" rtl="0">
               <a:lnSpc>
                 <a:spcPct val="100000"/>
               </a:lnSpc>
@@ -9912,7 +10310,7 @@
             <a:endParaRPr sz="1200"/>
           </a:p>
           <a:p>
-            <a:pPr indent="0" lvl="0" marL="0" rtl="0" algn="l">
+            <a:pPr marL="0" lvl="0" indent="0" algn="l" rtl="0">
               <a:lnSpc>
                 <a:spcPct val="100000"/>
               </a:lnSpc>
@@ -9931,7 +10329,7 @@
             <a:endParaRPr sz="1200"/>
           </a:p>
           <a:p>
-            <a:pPr indent="0" lvl="0" marL="0" rtl="0" algn="l">
+            <a:pPr marL="0" lvl="0" indent="0" algn="l" rtl="0">
               <a:lnSpc>
                 <a:spcPct val="100000"/>
               </a:lnSpc>
@@ -9950,7 +10348,7 @@
             <a:endParaRPr sz="1200"/>
           </a:p>
           <a:p>
-            <a:pPr indent="0" lvl="0" marL="0" rtl="0" algn="l">
+            <a:pPr marL="0" lvl="0" indent="0" algn="l" rtl="0">
               <a:lnSpc>
                 <a:spcPct val="100000"/>
               </a:lnSpc>
@@ -9969,7 +10367,7 @@
             <a:endParaRPr sz="1200"/>
           </a:p>
           <a:p>
-            <a:pPr indent="0" lvl="0" marL="0" rtl="0" algn="l">
+            <a:pPr marL="0" lvl="0" indent="0" algn="l" rtl="0">
               <a:lnSpc>
                 <a:spcPct val="100000"/>
               </a:lnSpc>
@@ -9988,7 +10386,7 @@
             <a:endParaRPr sz="1200"/>
           </a:p>
           <a:p>
-            <a:pPr indent="0" lvl="0" marL="0" rtl="0" algn="l">
+            <a:pPr marL="0" lvl="0" indent="0" algn="l" rtl="0">
               <a:lnSpc>
                 <a:spcPct val="100000"/>
               </a:lnSpc>
@@ -10007,7 +10405,7 @@
             <a:endParaRPr sz="1200"/>
           </a:p>
           <a:p>
-            <a:pPr indent="0" lvl="0" marL="0" rtl="0" algn="l">
+            <a:pPr marL="0" lvl="0" indent="0" algn="l" rtl="0">
               <a:lnSpc>
                 <a:spcPct val="100000"/>
               </a:lnSpc>
@@ -10026,7 +10424,7 @@
             <a:endParaRPr sz="1200"/>
           </a:p>
           <a:p>
-            <a:pPr indent="0" lvl="0" marL="0" rtl="0" algn="l">
+            <a:pPr marL="0" lvl="0" indent="0" algn="l" rtl="0">
               <a:lnSpc>
                 <a:spcPct val="100000"/>
               </a:lnSpc>
@@ -10045,7 +10443,7 @@
             <a:endParaRPr sz="1200"/>
           </a:p>
           <a:p>
-            <a:pPr indent="0" lvl="0" marL="0" rtl="0" algn="l">
+            <a:pPr marL="0" lvl="0" indent="0" algn="l" rtl="0">
               <a:lnSpc>
                 <a:spcPct val="100000"/>
               </a:lnSpc>
@@ -10064,7 +10462,7 @@
             <a:endParaRPr sz="1200"/>
           </a:p>
           <a:p>
-            <a:pPr indent="0" lvl="0" marL="0" rtl="0" algn="l">
+            <a:pPr marL="0" lvl="0" indent="0" algn="l" rtl="0">
               <a:lnSpc>
                 <a:spcPct val="100000"/>
               </a:lnSpc>
@@ -10083,7 +10481,7 @@
             <a:endParaRPr sz="1200"/>
           </a:p>
           <a:p>
-            <a:pPr indent="0" lvl="0" marL="0" rtl="0" algn="l">
+            <a:pPr marL="0" lvl="0" indent="0" algn="l" rtl="0">
               <a:lnSpc>
                 <a:spcPct val="100000"/>
               </a:lnSpc>
@@ -10102,7 +10500,7 @@
             <a:endParaRPr sz="1200"/>
           </a:p>
           <a:p>
-            <a:pPr indent="0" lvl="0" marL="0" rtl="0" algn="l">
+            <a:pPr marL="0" lvl="0" indent="0" algn="l" rtl="0">
               <a:lnSpc>
                 <a:spcPct val="100000"/>
               </a:lnSpc>
@@ -10121,7 +10519,7 @@
             <a:endParaRPr sz="1200"/>
           </a:p>
           <a:p>
-            <a:pPr indent="0" lvl="0" marL="0" rtl="0" algn="l">
+            <a:pPr marL="0" lvl="0" indent="0" algn="l" rtl="0">
               <a:lnSpc>
                 <a:spcPct val="100000"/>
               </a:lnSpc>
@@ -10140,7 +10538,7 @@
             <a:endParaRPr sz="1200"/>
           </a:p>
           <a:p>
-            <a:pPr indent="0" lvl="0" marL="0" rtl="0" algn="l">
+            <a:pPr marL="0" lvl="0" indent="0" algn="l" rtl="0">
               <a:lnSpc>
                 <a:spcPct val="100000"/>
               </a:lnSpc>
@@ -10159,7 +10557,7 @@
             <a:endParaRPr sz="1200"/>
           </a:p>
           <a:p>
-            <a:pPr indent="0" lvl="0" marL="0" rtl="0" algn="l">
+            <a:pPr marL="0" lvl="0" indent="0" algn="l" rtl="0">
               <a:lnSpc>
                 <a:spcPct val="100000"/>
               </a:lnSpc>
@@ -10178,7 +10576,7 @@
             <a:endParaRPr sz="1200"/>
           </a:p>
           <a:p>
-            <a:pPr indent="0" lvl="0" marL="0" rtl="0" algn="l">
+            <a:pPr marL="0" lvl="0" indent="0" algn="l" rtl="0">
               <a:lnSpc>
                 <a:spcPct val="100000"/>
               </a:lnSpc>
@@ -10197,7 +10595,7 @@
             <a:endParaRPr sz="1200"/>
           </a:p>
           <a:p>
-            <a:pPr indent="0" lvl="0" marL="0" rtl="0" algn="l">
+            <a:pPr marL="0" lvl="0" indent="0" algn="l" rtl="0">
               <a:lnSpc>
                 <a:spcPct val="100000"/>
               </a:lnSpc>
@@ -10221,7 +10619,7 @@
             <a:endParaRPr sz="1200"/>
           </a:p>
           <a:p>
-            <a:pPr indent="0" lvl="0" marL="0" rtl="0" algn="l">
+            <a:pPr marL="0" lvl="0" indent="0" algn="l" rtl="0">
               <a:lnSpc>
                 <a:spcPct val="100000"/>
               </a:lnSpc>
@@ -10238,13 +10636,10 @@
               <a:buFont typeface="Arial"/>
               <a:buNone/>
             </a:pPr>
-            <a:r>
-              <a:t/>
-            </a:r>
             <a:endParaRPr sz="1200"/>
           </a:p>
           <a:p>
-            <a:pPr indent="0" lvl="0" marL="0" rtl="0" algn="l">
+            <a:pPr marL="0" lvl="0" indent="0" algn="l" rtl="0">
               <a:lnSpc>
                 <a:spcPct val="100000"/>
               </a:lnSpc>
@@ -10256,9 +10651,6 @@
               </a:spcAft>
               <a:buNone/>
             </a:pPr>
-            <a:r>
-              <a:t/>
-            </a:r>
             <a:endParaRPr sz="1200"/>
           </a:p>
         </p:txBody>
@@ -10272,11 +10664,11 @@
 </file>
 
 <file path=ppt/slides/slide2.xml><?xml version="1.0" encoding="utf-8"?>
-<p:sld xmlns:a="http://schemas.openxmlformats.org/drawingml/2006/main" xmlns:r="http://schemas.openxmlformats.org/officeDocument/2006/relationships" xmlns:mc="http://schemas.openxmlformats.org/markup-compatibility/2006" xmlns:mv="urn:schemas-microsoft-com:mac:vml" xmlns:p="http://schemas.openxmlformats.org/presentationml/2006/main" xmlns:c="http://schemas.openxmlformats.org/drawingml/2006/chart" xmlns:dgm="http://schemas.openxmlformats.org/drawingml/2006/diagram" xmlns:o="urn:schemas-microsoft-com:office:office" xmlns:v="urn:schemas-microsoft-com:vml" xmlns:pvml="urn:schemas-microsoft-com:office:powerpoint" xmlns:com="http://schemas.openxmlformats.org/drawingml/2006/compatibility" xmlns:p14="http://schemas.microsoft.com/office/powerpoint/2010/main" xmlns:p15="http://schemas.microsoft.com/office/powerpoint/2012/main">
+<p:sld xmlns:a="http://schemas.openxmlformats.org/drawingml/2006/main" xmlns:r="http://schemas.openxmlformats.org/officeDocument/2006/relationships" xmlns:p="http://schemas.openxmlformats.org/presentationml/2006/main">
   <p:cSld>
     <p:spTree>
       <p:nvGrpSpPr>
-        <p:cNvPr id="59" name="Shape 59"/>
+        <p:cNvPr id="1" name="Shape 59"/>
         <p:cNvGrpSpPr/>
         <p:nvPr/>
       </p:nvGrpSpPr>
@@ -10291,7 +10683,9 @@
       <p:sp>
         <p:nvSpPr>
           <p:cNvPr id="60" name="Google Shape;60;p14"/>
-          <p:cNvSpPr txBox="1"/>
+          <p:cNvSpPr txBox="1">
+            <a:spLocks noGrp="1"/>
+          </p:cNvSpPr>
           <p:nvPr>
             <p:ph type="title"/>
           </p:nvPr>
@@ -10306,12 +10700,12 @@
           </a:prstGeom>
         </p:spPr>
         <p:txBody>
-          <a:bodyPr anchorCtr="0" anchor="t" bIns="91425" lIns="91425" spcFirstLastPara="1" rIns="91425" wrap="square" tIns="91425">
+          <a:bodyPr spcFirstLastPara="1" wrap="square" lIns="91425" tIns="91425" rIns="91425" bIns="91425" anchor="t" anchorCtr="0">
             <a:noAutofit/>
           </a:bodyPr>
           <a:lstStyle/>
           <a:p>
-            <a:pPr indent="0" lvl="0" marL="0" rtl="0" algn="l">
+            <a:pPr marL="0" lvl="0" indent="0" algn="l" rtl="0">
               <a:spcBef>
                 <a:spcPts val="0"/>
               </a:spcBef>
@@ -10331,9 +10725,11 @@
       <p:sp>
         <p:nvSpPr>
           <p:cNvPr id="61" name="Google Shape;61;p14"/>
-          <p:cNvSpPr txBox="1"/>
+          <p:cNvSpPr txBox="1">
+            <a:spLocks noGrp="1"/>
+          </p:cNvSpPr>
           <p:nvPr>
-            <p:ph idx="1" type="body"/>
+            <p:ph type="body" idx="1"/>
           </p:nvPr>
         </p:nvSpPr>
         <p:spPr>
@@ -10346,12 +10742,12 @@
           </a:prstGeom>
         </p:spPr>
         <p:txBody>
-          <a:bodyPr anchorCtr="0" anchor="t" bIns="91425" lIns="91425" spcFirstLastPara="1" rIns="91425" wrap="square" tIns="91425">
+          <a:bodyPr spcFirstLastPara="1" wrap="square" lIns="91425" tIns="91425" rIns="91425" bIns="91425" anchor="t" anchorCtr="0">
             <a:noAutofit/>
           </a:bodyPr>
           <a:lstStyle/>
           <a:p>
-            <a:pPr indent="0" lvl="0" marL="0" rtl="0" algn="ctr">
+            <a:pPr marL="0" lvl="0" indent="0" algn="ctr" rtl="0">
               <a:spcBef>
                 <a:spcPts val="0"/>
               </a:spcBef>
@@ -10382,11 +10778,11 @@
 </file>
 
 <file path=ppt/slides/slide3.xml><?xml version="1.0" encoding="utf-8"?>
-<p:sld xmlns:a="http://schemas.openxmlformats.org/drawingml/2006/main" xmlns:r="http://schemas.openxmlformats.org/officeDocument/2006/relationships" xmlns:mc="http://schemas.openxmlformats.org/markup-compatibility/2006" xmlns:mv="urn:schemas-microsoft-com:mac:vml" xmlns:p="http://schemas.openxmlformats.org/presentationml/2006/main" xmlns:c="http://schemas.openxmlformats.org/drawingml/2006/chart" xmlns:dgm="http://schemas.openxmlformats.org/drawingml/2006/diagram" xmlns:o="urn:schemas-microsoft-com:office:office" xmlns:v="urn:schemas-microsoft-com:vml" xmlns:pvml="urn:schemas-microsoft-com:office:powerpoint" xmlns:com="http://schemas.openxmlformats.org/drawingml/2006/compatibility" xmlns:p14="http://schemas.microsoft.com/office/powerpoint/2010/main" xmlns:p15="http://schemas.microsoft.com/office/powerpoint/2012/main">
+<p:sld xmlns:a="http://schemas.openxmlformats.org/drawingml/2006/main" xmlns:r="http://schemas.openxmlformats.org/officeDocument/2006/relationships" xmlns:p="http://schemas.openxmlformats.org/presentationml/2006/main">
   <p:cSld>
     <p:spTree>
       <p:nvGrpSpPr>
-        <p:cNvPr id="65" name="Shape 65"/>
+        <p:cNvPr id="1" name="Shape 65"/>
         <p:cNvGrpSpPr/>
         <p:nvPr/>
       </p:nvGrpSpPr>
@@ -10435,11 +10831,11 @@
 </file>
 
 <file path=ppt/slides/slide4.xml><?xml version="1.0" encoding="utf-8"?>
-<p:sld xmlns:a="http://schemas.openxmlformats.org/drawingml/2006/main" xmlns:r="http://schemas.openxmlformats.org/officeDocument/2006/relationships" xmlns:mc="http://schemas.openxmlformats.org/markup-compatibility/2006" xmlns:mv="urn:schemas-microsoft-com:mac:vml" xmlns:p="http://schemas.openxmlformats.org/presentationml/2006/main" xmlns:c="http://schemas.openxmlformats.org/drawingml/2006/chart" xmlns:dgm="http://schemas.openxmlformats.org/drawingml/2006/diagram" xmlns:o="urn:schemas-microsoft-com:office:office" xmlns:v="urn:schemas-microsoft-com:vml" xmlns:pvml="urn:schemas-microsoft-com:office:powerpoint" xmlns:com="http://schemas.openxmlformats.org/drawingml/2006/compatibility" xmlns:p14="http://schemas.microsoft.com/office/powerpoint/2010/main" xmlns:p15="http://schemas.microsoft.com/office/powerpoint/2012/main">
+<p:sld xmlns:a="http://schemas.openxmlformats.org/drawingml/2006/main" xmlns:r="http://schemas.openxmlformats.org/officeDocument/2006/relationships" xmlns:p="http://schemas.openxmlformats.org/presentationml/2006/main">
   <p:cSld>
     <p:spTree>
       <p:nvGrpSpPr>
-        <p:cNvPr id="70" name="Shape 70"/>
+        <p:cNvPr id="1" name="Shape 70"/>
         <p:cNvGrpSpPr/>
         <p:nvPr/>
       </p:nvGrpSpPr>
@@ -10454,7 +10850,9 @@
       <p:sp>
         <p:nvSpPr>
           <p:cNvPr id="71" name="Google Shape;71;p16"/>
-          <p:cNvSpPr txBox="1"/>
+          <p:cNvSpPr txBox="1">
+            <a:spLocks noGrp="1"/>
+          </p:cNvSpPr>
           <p:nvPr>
             <p:ph type="title"/>
           </p:nvPr>
@@ -10469,12 +10867,12 @@
           </a:prstGeom>
         </p:spPr>
         <p:txBody>
-          <a:bodyPr anchorCtr="0" anchor="t" bIns="91425" lIns="91425" spcFirstLastPara="1" rIns="91425" wrap="square" tIns="91425">
+          <a:bodyPr spcFirstLastPara="1" wrap="square" lIns="91425" tIns="91425" rIns="91425" bIns="91425" anchor="t" anchorCtr="0">
             <a:noAutofit/>
           </a:bodyPr>
           <a:lstStyle/>
           <a:p>
-            <a:pPr indent="0" lvl="0" marL="0" rtl="0" algn="l">
+            <a:pPr marL="0" lvl="0" indent="0" algn="l" rtl="0">
               <a:spcBef>
                 <a:spcPts val="0"/>
               </a:spcBef>
@@ -10494,9 +10892,11 @@
       <p:sp>
         <p:nvSpPr>
           <p:cNvPr id="72" name="Google Shape;72;p16"/>
-          <p:cNvSpPr txBox="1"/>
+          <p:cNvSpPr txBox="1">
+            <a:spLocks noGrp="1"/>
+          </p:cNvSpPr>
           <p:nvPr>
-            <p:ph idx="1" type="body"/>
+            <p:ph type="body" idx="1"/>
           </p:nvPr>
         </p:nvSpPr>
         <p:spPr>
@@ -10509,12 +10909,12 @@
           </a:prstGeom>
         </p:spPr>
         <p:txBody>
-          <a:bodyPr anchorCtr="0" anchor="t" bIns="91425" lIns="91425" spcFirstLastPara="1" rIns="91425" wrap="square" tIns="91425">
+          <a:bodyPr spcFirstLastPara="1" wrap="square" lIns="91425" tIns="91425" rIns="91425" bIns="91425" anchor="t" anchorCtr="0">
             <a:noAutofit/>
           </a:bodyPr>
           <a:lstStyle/>
           <a:p>
-            <a:pPr indent="0" lvl="0" marL="0" rtl="0" algn="l">
+            <a:pPr marL="0" lvl="0" indent="0" algn="l" rtl="0">
               <a:spcBef>
                 <a:spcPts val="0"/>
               </a:spcBef>
@@ -10530,7 +10930,7 @@
             <a:endParaRPr sz="2600"/>
           </a:p>
           <a:p>
-            <a:pPr indent="0" lvl="0" marL="101600" marR="101600" rtl="0" algn="l">
+            <a:pPr marL="101600" marR="101600" lvl="0" indent="0" algn="l" rtl="0">
               <a:lnSpc>
                 <a:spcPct val="200000"/>
               </a:lnSpc>
@@ -10621,7 +11021,7 @@
             </a:endParaRPr>
           </a:p>
           <a:p>
-            <a:pPr indent="0" lvl="0" marL="0" rtl="0" algn="l">
+            <a:pPr marL="0" lvl="0" indent="0" algn="l" rtl="0">
               <a:spcBef>
                 <a:spcPts val="1000"/>
               </a:spcBef>
@@ -10637,7 +11037,7 @@
             <a:endParaRPr sz="2600"/>
           </a:p>
           <a:p>
-            <a:pPr indent="0" lvl="0" marL="0" rtl="0" algn="l">
+            <a:pPr marL="0" lvl="0" indent="0" algn="l" rtl="0">
               <a:spcBef>
                 <a:spcPts val="1600"/>
               </a:spcBef>
@@ -10668,11 +11068,11 @@
 </file>
 
 <file path=ppt/slides/slide5.xml><?xml version="1.0" encoding="utf-8"?>
-<p:sld xmlns:a="http://schemas.openxmlformats.org/drawingml/2006/main" xmlns:r="http://schemas.openxmlformats.org/officeDocument/2006/relationships" xmlns:mc="http://schemas.openxmlformats.org/markup-compatibility/2006" xmlns:mv="urn:schemas-microsoft-com:mac:vml" xmlns:p="http://schemas.openxmlformats.org/presentationml/2006/main" xmlns:c="http://schemas.openxmlformats.org/drawingml/2006/chart" xmlns:dgm="http://schemas.openxmlformats.org/drawingml/2006/diagram" xmlns:o="urn:schemas-microsoft-com:office:office" xmlns:v="urn:schemas-microsoft-com:vml" xmlns:pvml="urn:schemas-microsoft-com:office:powerpoint" xmlns:com="http://schemas.openxmlformats.org/drawingml/2006/compatibility" xmlns:p14="http://schemas.microsoft.com/office/powerpoint/2010/main" xmlns:p15="http://schemas.microsoft.com/office/powerpoint/2012/main">
+<p:sld xmlns:a="http://schemas.openxmlformats.org/drawingml/2006/main" xmlns:r="http://schemas.openxmlformats.org/officeDocument/2006/relationships" xmlns:p="http://schemas.openxmlformats.org/presentationml/2006/main">
   <p:cSld>
     <p:spTree>
       <p:nvGrpSpPr>
-        <p:cNvPr id="76" name="Shape 76"/>
+        <p:cNvPr id="1" name="Shape 76"/>
         <p:cNvGrpSpPr/>
         <p:nvPr/>
       </p:nvGrpSpPr>
@@ -10721,11 +11121,11 @@
 </file>
 
 <file path=ppt/slides/slide6.xml><?xml version="1.0" encoding="utf-8"?>
-<p:sld xmlns:a="http://schemas.openxmlformats.org/drawingml/2006/main" xmlns:r="http://schemas.openxmlformats.org/officeDocument/2006/relationships" xmlns:mc="http://schemas.openxmlformats.org/markup-compatibility/2006" xmlns:mv="urn:schemas-microsoft-com:mac:vml" xmlns:p="http://schemas.openxmlformats.org/presentationml/2006/main" xmlns:c="http://schemas.openxmlformats.org/drawingml/2006/chart" xmlns:dgm="http://schemas.openxmlformats.org/drawingml/2006/diagram" xmlns:o="urn:schemas-microsoft-com:office:office" xmlns:v="urn:schemas-microsoft-com:vml" xmlns:pvml="urn:schemas-microsoft-com:office:powerpoint" xmlns:com="http://schemas.openxmlformats.org/drawingml/2006/compatibility" xmlns:p14="http://schemas.microsoft.com/office/powerpoint/2010/main" xmlns:p15="http://schemas.microsoft.com/office/powerpoint/2012/main">
+<p:sld xmlns:a="http://schemas.openxmlformats.org/drawingml/2006/main" xmlns:r="http://schemas.openxmlformats.org/officeDocument/2006/relationships" xmlns:p="http://schemas.openxmlformats.org/presentationml/2006/main">
   <p:cSld>
     <p:spTree>
       <p:nvGrpSpPr>
-        <p:cNvPr id="81" name="Shape 81"/>
+        <p:cNvPr id="1" name="Shape 81"/>
         <p:cNvGrpSpPr/>
         <p:nvPr/>
       </p:nvGrpSpPr>
@@ -10740,7 +11140,9 @@
       <p:sp>
         <p:nvSpPr>
           <p:cNvPr id="82" name="Google Shape;82;p18"/>
-          <p:cNvSpPr txBox="1"/>
+          <p:cNvSpPr txBox="1">
+            <a:spLocks noGrp="1"/>
+          </p:cNvSpPr>
           <p:nvPr>
             <p:ph type="title"/>
           </p:nvPr>
@@ -10755,12 +11157,12 @@
           </a:prstGeom>
         </p:spPr>
         <p:txBody>
-          <a:bodyPr anchorCtr="0" anchor="t" bIns="91425" lIns="91425" spcFirstLastPara="1" rIns="91425" wrap="square" tIns="91425">
+          <a:bodyPr spcFirstLastPara="1" wrap="square" lIns="91425" tIns="91425" rIns="91425" bIns="91425" anchor="t" anchorCtr="0">
             <a:noAutofit/>
           </a:bodyPr>
           <a:lstStyle/>
           <a:p>
-            <a:pPr indent="0" lvl="0" marL="0" rtl="0" algn="l">
+            <a:pPr marL="0" lvl="0" indent="0" algn="l" rtl="0">
               <a:spcBef>
                 <a:spcPts val="0"/>
               </a:spcBef>
@@ -10780,9 +11182,11 @@
       <p:sp>
         <p:nvSpPr>
           <p:cNvPr id="83" name="Google Shape;83;p18"/>
-          <p:cNvSpPr txBox="1"/>
+          <p:cNvSpPr txBox="1">
+            <a:spLocks noGrp="1"/>
+          </p:cNvSpPr>
           <p:nvPr>
-            <p:ph idx="1" type="body"/>
+            <p:ph type="body" idx="1"/>
           </p:nvPr>
         </p:nvSpPr>
         <p:spPr>
@@ -10795,12 +11199,12 @@
           </a:prstGeom>
         </p:spPr>
         <p:txBody>
-          <a:bodyPr anchorCtr="0" anchor="t" bIns="91425" lIns="91425" spcFirstLastPara="1" rIns="91425" wrap="square" tIns="91425">
+          <a:bodyPr spcFirstLastPara="1" wrap="square" lIns="91425" tIns="91425" rIns="91425" bIns="91425" anchor="t" anchorCtr="0">
             <a:noAutofit/>
           </a:bodyPr>
           <a:lstStyle/>
           <a:p>
-            <a:pPr indent="0" lvl="0" marL="0" rtl="0" algn="l">
+            <a:pPr marL="0" lvl="0" indent="0" algn="l" rtl="0">
               <a:spcBef>
                 <a:spcPts val="0"/>
               </a:spcBef>
@@ -10816,7 +11220,7 @@
             <a:endParaRPr sz="2600"/>
           </a:p>
           <a:p>
-            <a:pPr indent="0" lvl="0" marL="0" rtl="0" algn="l">
+            <a:pPr marL="0" lvl="0" indent="0" algn="l" rtl="0">
               <a:spcBef>
                 <a:spcPts val="1600"/>
               </a:spcBef>
@@ -10854,7 +11258,7 @@
             </a:endParaRPr>
           </a:p>
           <a:p>
-            <a:pPr indent="0" lvl="0" marL="0" rtl="0" algn="l">
+            <a:pPr marL="0" lvl="0" indent="0" algn="l" rtl="0">
               <a:spcBef>
                 <a:spcPts val="1600"/>
               </a:spcBef>
@@ -10892,7 +11296,7 @@
             </a:endParaRPr>
           </a:p>
           <a:p>
-            <a:pPr indent="0" lvl="0" marL="88900" marR="88900" rtl="0" algn="l">
+            <a:pPr marL="88900" marR="88900" lvl="0" indent="0" algn="l" rtl="0">
               <a:lnSpc>
                 <a:spcPct val="142857"/>
               </a:lnSpc>
@@ -10938,7 +11342,7 @@
             </a:endParaRPr>
           </a:p>
           <a:p>
-            <a:pPr indent="0" lvl="0" marL="0" rtl="0" algn="l">
+            <a:pPr marL="0" lvl="0" indent="0" algn="l" rtl="0">
               <a:spcBef>
                 <a:spcPts val="800"/>
               </a:spcBef>
@@ -10954,7 +11358,7 @@
             <a:endParaRPr sz="2600"/>
           </a:p>
           <a:p>
-            <a:pPr indent="0" lvl="0" marL="0" rtl="0" algn="l">
+            <a:pPr marL="0" lvl="0" indent="0" algn="l" rtl="0">
               <a:spcBef>
                 <a:spcPts val="1600"/>
               </a:spcBef>
@@ -10963,9 +11367,6 @@
               </a:spcAft>
               <a:buNone/>
             </a:pPr>
-            <a:r>
-              <a:t/>
-            </a:r>
             <a:endParaRPr sz="2000"/>
           </a:p>
         </p:txBody>
@@ -10979,11 +11380,11 @@
 </file>
 
 <file path=ppt/slides/slide7.xml><?xml version="1.0" encoding="utf-8"?>
-<p:sld xmlns:a="http://schemas.openxmlformats.org/drawingml/2006/main" xmlns:r="http://schemas.openxmlformats.org/officeDocument/2006/relationships" xmlns:mc="http://schemas.openxmlformats.org/markup-compatibility/2006" xmlns:mv="urn:schemas-microsoft-com:mac:vml" xmlns:p="http://schemas.openxmlformats.org/presentationml/2006/main" xmlns:c="http://schemas.openxmlformats.org/drawingml/2006/chart" xmlns:dgm="http://schemas.openxmlformats.org/drawingml/2006/diagram" xmlns:o="urn:schemas-microsoft-com:office:office" xmlns:v="urn:schemas-microsoft-com:vml" xmlns:pvml="urn:schemas-microsoft-com:office:powerpoint" xmlns:com="http://schemas.openxmlformats.org/drawingml/2006/compatibility" xmlns:p14="http://schemas.microsoft.com/office/powerpoint/2010/main" xmlns:p15="http://schemas.microsoft.com/office/powerpoint/2012/main">
+<p:sld xmlns:a="http://schemas.openxmlformats.org/drawingml/2006/main" xmlns:r="http://schemas.openxmlformats.org/officeDocument/2006/relationships" xmlns:p="http://schemas.openxmlformats.org/presentationml/2006/main">
   <p:cSld>
     <p:spTree>
       <p:nvGrpSpPr>
-        <p:cNvPr id="87" name="Shape 87"/>
+        <p:cNvPr id="1" name="Shape 87"/>
         <p:cNvGrpSpPr/>
         <p:nvPr/>
       </p:nvGrpSpPr>
@@ -10998,7 +11399,9 @@
       <p:sp>
         <p:nvSpPr>
           <p:cNvPr id="88" name="Google Shape;88;p19"/>
-          <p:cNvSpPr txBox="1"/>
+          <p:cNvSpPr txBox="1">
+            <a:spLocks noGrp="1"/>
+          </p:cNvSpPr>
           <p:nvPr>
             <p:ph type="title"/>
           </p:nvPr>
@@ -11013,12 +11416,12 @@
           </a:prstGeom>
         </p:spPr>
         <p:txBody>
-          <a:bodyPr anchorCtr="0" anchor="t" bIns="91425" lIns="91425" spcFirstLastPara="1" rIns="91425" wrap="square" tIns="91425">
+          <a:bodyPr spcFirstLastPara="1" wrap="square" lIns="91425" tIns="91425" rIns="91425" bIns="91425" anchor="t" anchorCtr="0">
             <a:noAutofit/>
           </a:bodyPr>
           <a:lstStyle/>
           <a:p>
-            <a:pPr indent="0" lvl="0" marL="0" rtl="0" algn="l">
+            <a:pPr marL="0" lvl="0" indent="0" algn="l" rtl="0">
               <a:spcBef>
                 <a:spcPts val="0"/>
               </a:spcBef>
@@ -11038,9 +11441,11 @@
       <p:sp>
         <p:nvSpPr>
           <p:cNvPr id="89" name="Google Shape;89;p19"/>
-          <p:cNvSpPr txBox="1"/>
+          <p:cNvSpPr txBox="1">
+            <a:spLocks noGrp="1"/>
+          </p:cNvSpPr>
           <p:nvPr>
-            <p:ph idx="1" type="body"/>
+            <p:ph type="body" idx="1"/>
           </p:nvPr>
         </p:nvSpPr>
         <p:spPr>
@@ -11053,12 +11458,12 @@
           </a:prstGeom>
         </p:spPr>
         <p:txBody>
-          <a:bodyPr anchorCtr="0" anchor="t" bIns="91425" lIns="91425" spcFirstLastPara="1" rIns="91425" wrap="square" tIns="91425">
+          <a:bodyPr spcFirstLastPara="1" wrap="square" lIns="91425" tIns="91425" rIns="91425" bIns="91425" anchor="t" anchorCtr="0">
             <a:noAutofit/>
           </a:bodyPr>
           <a:lstStyle/>
           <a:p>
-            <a:pPr indent="0" lvl="0" marL="0" rtl="0" algn="l">
+            <a:pPr marL="0" lvl="0" indent="0" algn="l" rtl="0">
               <a:spcBef>
                 <a:spcPts val="0"/>
               </a:spcBef>
@@ -11074,7 +11479,7 @@
             <a:endParaRPr sz="2600"/>
           </a:p>
           <a:p>
-            <a:pPr indent="0" lvl="0" marL="101600" marR="101600" rtl="0" algn="l">
+            <a:pPr marL="101600" marR="101600" lvl="0" indent="0" algn="l" rtl="0">
               <a:lnSpc>
                 <a:spcPct val="200000"/>
               </a:lnSpc>
@@ -11184,7 +11589,7 @@
             <a:endParaRPr sz="2600"/>
           </a:p>
           <a:p>
-            <a:pPr indent="0" lvl="0" marL="0" rtl="0" algn="l">
+            <a:pPr marL="0" lvl="0" indent="0" algn="l" rtl="0">
               <a:spcBef>
                 <a:spcPts val="1000"/>
               </a:spcBef>
@@ -11193,9 +11598,6 @@
               </a:spcAft>
               <a:buNone/>
             </a:pPr>
-            <a:r>
-              <a:t/>
-            </a:r>
             <a:endParaRPr sz="2000"/>
           </a:p>
         </p:txBody>
@@ -11209,11 +11611,11 @@
 </file>
 
 <file path=ppt/slides/slide8.xml><?xml version="1.0" encoding="utf-8"?>
-<p:sld xmlns:a="http://schemas.openxmlformats.org/drawingml/2006/main" xmlns:r="http://schemas.openxmlformats.org/officeDocument/2006/relationships" xmlns:mc="http://schemas.openxmlformats.org/markup-compatibility/2006" xmlns:mv="urn:schemas-microsoft-com:mac:vml" xmlns:p="http://schemas.openxmlformats.org/presentationml/2006/main" xmlns:c="http://schemas.openxmlformats.org/drawingml/2006/chart" xmlns:dgm="http://schemas.openxmlformats.org/drawingml/2006/diagram" xmlns:o="urn:schemas-microsoft-com:office:office" xmlns:v="urn:schemas-microsoft-com:vml" xmlns:pvml="urn:schemas-microsoft-com:office:powerpoint" xmlns:com="http://schemas.openxmlformats.org/drawingml/2006/compatibility" xmlns:p14="http://schemas.microsoft.com/office/powerpoint/2010/main" xmlns:p15="http://schemas.microsoft.com/office/powerpoint/2012/main">
+<p:sld xmlns:a="http://schemas.openxmlformats.org/drawingml/2006/main" xmlns:r="http://schemas.openxmlformats.org/officeDocument/2006/relationships" xmlns:p="http://schemas.openxmlformats.org/presentationml/2006/main">
   <p:cSld>
     <p:spTree>
       <p:nvGrpSpPr>
-        <p:cNvPr id="93" name="Shape 93"/>
+        <p:cNvPr id="1" name="Shape 93"/>
         <p:cNvGrpSpPr/>
         <p:nvPr/>
       </p:nvGrpSpPr>
@@ -11228,7 +11630,9 @@
       <p:sp>
         <p:nvSpPr>
           <p:cNvPr id="94" name="Google Shape;94;p20"/>
-          <p:cNvSpPr txBox="1"/>
+          <p:cNvSpPr txBox="1">
+            <a:spLocks noGrp="1"/>
+          </p:cNvSpPr>
           <p:nvPr>
             <p:ph type="title"/>
           </p:nvPr>
@@ -11243,12 +11647,12 @@
           </a:prstGeom>
         </p:spPr>
         <p:txBody>
-          <a:bodyPr anchorCtr="0" anchor="t" bIns="91425" lIns="91425" spcFirstLastPara="1" rIns="91425" wrap="square" tIns="91425">
+          <a:bodyPr spcFirstLastPara="1" wrap="square" lIns="91425" tIns="91425" rIns="91425" bIns="91425" anchor="t" anchorCtr="0">
             <a:noAutofit/>
           </a:bodyPr>
           <a:lstStyle/>
           <a:p>
-            <a:pPr indent="0" lvl="0" marL="0" rtl="0" algn="l">
+            <a:pPr marL="0" lvl="0" indent="0" algn="l" rtl="0">
               <a:spcBef>
                 <a:spcPts val="0"/>
               </a:spcBef>
@@ -11268,9 +11672,11 @@
       <p:sp>
         <p:nvSpPr>
           <p:cNvPr id="95" name="Google Shape;95;p20"/>
-          <p:cNvSpPr txBox="1"/>
+          <p:cNvSpPr txBox="1">
+            <a:spLocks noGrp="1"/>
+          </p:cNvSpPr>
           <p:nvPr>
-            <p:ph idx="1" type="body"/>
+            <p:ph type="body" idx="1"/>
           </p:nvPr>
         </p:nvSpPr>
         <p:spPr>
@@ -11283,12 +11689,12 @@
           </a:prstGeom>
         </p:spPr>
         <p:txBody>
-          <a:bodyPr anchorCtr="0" anchor="t" bIns="91425" lIns="91425" spcFirstLastPara="1" rIns="91425" wrap="square" tIns="91425">
+          <a:bodyPr spcFirstLastPara="1" wrap="square" lIns="91425" tIns="91425" rIns="91425" bIns="91425" anchor="t" anchorCtr="0">
             <a:noAutofit/>
           </a:bodyPr>
           <a:lstStyle/>
           <a:p>
-            <a:pPr indent="0" lvl="0" marL="101600" marR="101600" rtl="0" algn="l">
+            <a:pPr marL="101600" marR="101600" lvl="0" indent="0" algn="l" rtl="0">
               <a:lnSpc>
                 <a:spcPct val="115000"/>
               </a:lnSpc>
@@ -11307,7 +11713,7 @@
             <a:endParaRPr sz="2600"/>
           </a:p>
           <a:p>
-            <a:pPr indent="0" lvl="0" marL="101600" marR="101600" rtl="0" algn="l">
+            <a:pPr marL="101600" marR="101600" lvl="0" indent="0" algn="l" rtl="0">
               <a:lnSpc>
                 <a:spcPct val="200000"/>
               </a:lnSpc>
@@ -11331,7 +11737,7 @@
             <a:endParaRPr sz="2400"/>
           </a:p>
           <a:p>
-            <a:pPr indent="0" lvl="0" marL="0" rtl="0" algn="l">
+            <a:pPr marL="0" lvl="0" indent="0" algn="l" rtl="0">
               <a:spcBef>
                 <a:spcPts val="1000"/>
               </a:spcBef>
@@ -11340,9 +11746,6 @@
               </a:spcAft>
               <a:buNone/>
             </a:pPr>
-            <a:r>
-              <a:t/>
-            </a:r>
             <a:endParaRPr sz="2000"/>
           </a:p>
         </p:txBody>
@@ -11357,7 +11760,7 @@
           <a:blip r:embed="rId4">
             <a:alphaModFix/>
           </a:blip>
-          <a:srcRect b="14317" l="0" r="0" t="0"/>
+          <a:srcRect b="14317"/>
           <a:stretch/>
         </p:blipFill>
         <p:spPr>
@@ -11383,11 +11786,11 @@
 </file>
 
 <file path=ppt/slides/slide9.xml><?xml version="1.0" encoding="utf-8"?>
-<p:sld xmlns:a="http://schemas.openxmlformats.org/drawingml/2006/main" xmlns:r="http://schemas.openxmlformats.org/officeDocument/2006/relationships" xmlns:mc="http://schemas.openxmlformats.org/markup-compatibility/2006" xmlns:mv="urn:schemas-microsoft-com:mac:vml" xmlns:p="http://schemas.openxmlformats.org/presentationml/2006/main" xmlns:c="http://schemas.openxmlformats.org/drawingml/2006/chart" xmlns:dgm="http://schemas.openxmlformats.org/drawingml/2006/diagram" xmlns:o="urn:schemas-microsoft-com:office:office" xmlns:v="urn:schemas-microsoft-com:vml" xmlns:pvml="urn:schemas-microsoft-com:office:powerpoint" xmlns:com="http://schemas.openxmlformats.org/drawingml/2006/compatibility" xmlns:p14="http://schemas.microsoft.com/office/powerpoint/2010/main" xmlns:p15="http://schemas.microsoft.com/office/powerpoint/2012/main">
+<p:sld xmlns:a="http://schemas.openxmlformats.org/drawingml/2006/main" xmlns:r="http://schemas.openxmlformats.org/officeDocument/2006/relationships" xmlns:p="http://schemas.openxmlformats.org/presentationml/2006/main">
   <p:cSld>
     <p:spTree>
       <p:nvGrpSpPr>
-        <p:cNvPr id="100" name="Shape 100"/>
+        <p:cNvPr id="1" name="Shape 100"/>
         <p:cNvGrpSpPr/>
         <p:nvPr/>
       </p:nvGrpSpPr>
@@ -11402,7 +11805,9 @@
       <p:sp>
         <p:nvSpPr>
           <p:cNvPr id="101" name="Google Shape;101;p21"/>
-          <p:cNvSpPr txBox="1"/>
+          <p:cNvSpPr txBox="1">
+            <a:spLocks noGrp="1"/>
+          </p:cNvSpPr>
           <p:nvPr>
             <p:ph type="title"/>
           </p:nvPr>
@@ -11417,12 +11822,12 @@
           </a:prstGeom>
         </p:spPr>
         <p:txBody>
-          <a:bodyPr anchorCtr="0" anchor="t" bIns="91425" lIns="91425" spcFirstLastPara="1" rIns="91425" wrap="square" tIns="91425">
+          <a:bodyPr spcFirstLastPara="1" wrap="square" lIns="91425" tIns="91425" rIns="91425" bIns="91425" anchor="t" anchorCtr="0">
             <a:noAutofit/>
           </a:bodyPr>
           <a:lstStyle/>
           <a:p>
-            <a:pPr indent="0" lvl="0" marL="0" rtl="0" algn="l">
+            <a:pPr marL="0" lvl="0" indent="0" algn="l" rtl="0">
               <a:spcBef>
                 <a:spcPts val="0"/>
               </a:spcBef>
@@ -11450,18 +11855,15 @@
             </a:endParaRPr>
           </a:p>
           <a:p>
-            <a:pPr indent="0" lvl="0" marL="0" rtl="0" algn="l">
-              <a:spcBef>
-                <a:spcPts val="0"/>
-              </a:spcBef>
-              <a:spcAft>
-                <a:spcPts val="0"/>
-              </a:spcAft>
-              <a:buNone/>
-            </a:pPr>
-            <a:r>
-              <a:t/>
-            </a:r>
+            <a:pPr marL="0" lvl="0" indent="0" algn="l" rtl="0">
+              <a:spcBef>
+                <a:spcPts val="0"/>
+              </a:spcBef>
+              <a:spcAft>
+                <a:spcPts val="0"/>
+              </a:spcAft>
+              <a:buNone/>
+            </a:pPr>
             <a:endParaRPr/>
           </a:p>
         </p:txBody>
@@ -11476,7 +11878,7 @@
           <a:blip r:embed="rId3">
             <a:alphaModFix/>
           </a:blip>
-          <a:srcRect b="23390" l="5819" r="4373" t="3031"/>
+          <a:srcRect l="5819" t="3031" r="4373" b="23390"/>
           <a:stretch/>
         </p:blipFill>
         <p:spPr>
@@ -11513,12 +11915,12 @@
           </a:ln>
         </p:spPr>
         <p:txBody>
-          <a:bodyPr anchorCtr="0" anchor="t" bIns="91425" lIns="91425" spcFirstLastPara="1" rIns="91425" wrap="square" tIns="91425">
+          <a:bodyPr spcFirstLastPara="1" wrap="square" lIns="91425" tIns="91425" rIns="91425" bIns="91425" anchor="t" anchorCtr="0">
             <a:noAutofit/>
           </a:bodyPr>
           <a:lstStyle/>
           <a:p>
-            <a:pPr indent="0" lvl="0" marL="0" rtl="0" algn="l">
+            <a:pPr marL="0" lvl="0" indent="0" algn="l" rtl="0">
               <a:spcBef>
                 <a:spcPts val="0"/>
               </a:spcBef>
@@ -11544,7 +11946,288 @@
 </file>
 
 <file path=ppt/theme/theme1.xml><?xml version="1.0" encoding="utf-8"?>
-<a:theme xmlns:a="http://schemas.openxmlformats.org/drawingml/2006/main" xmlns:r="http://schemas.openxmlformats.org/officeDocument/2006/relationships">
+<a:theme xmlns:a="http://schemas.openxmlformats.org/drawingml/2006/main" name="Simple Light">
+  <a:themeElements>
+    <a:clrScheme name="Simple Light">
+      <a:dk1>
+        <a:srgbClr val="000000"/>
+      </a:dk1>
+      <a:lt1>
+        <a:srgbClr val="FFFFFF"/>
+      </a:lt1>
+      <a:dk2>
+        <a:srgbClr val="595959"/>
+      </a:dk2>
+      <a:lt2>
+        <a:srgbClr val="EEEEEE"/>
+      </a:lt2>
+      <a:accent1>
+        <a:srgbClr val="FFAB40"/>
+      </a:accent1>
+      <a:accent2>
+        <a:srgbClr val="212121"/>
+      </a:accent2>
+      <a:accent3>
+        <a:srgbClr val="78909C"/>
+      </a:accent3>
+      <a:accent4>
+        <a:srgbClr val="FFAB40"/>
+      </a:accent4>
+      <a:accent5>
+        <a:srgbClr val="0097A7"/>
+      </a:accent5>
+      <a:accent6>
+        <a:srgbClr val="EEFF41"/>
+      </a:accent6>
+      <a:hlink>
+        <a:srgbClr val="0097A7"/>
+      </a:hlink>
+      <a:folHlink>
+        <a:srgbClr val="0097A7"/>
+      </a:folHlink>
+    </a:clrScheme>
+    <a:fontScheme name="Office">
+      <a:majorFont>
+        <a:latin typeface="Arial"/>
+        <a:ea typeface=""/>
+        <a:cs typeface=""/>
+        <a:font script="Jpan" typeface="ＭＳ Ｐゴシック"/>
+        <a:font script="Hang" typeface="맑은 고딕"/>
+        <a:font script="Hans" typeface="宋体"/>
+        <a:font script="Hant" typeface="新細明體"/>
+        <a:font script="Arab" typeface="Times New Roman"/>
+        <a:font script="Hebr" typeface="Times New Roman"/>
+        <a:font script="Thai" typeface="Angsana New"/>
+        <a:font script="Ethi" typeface="Nyala"/>
+        <a:font script="Beng" typeface="Vrinda"/>
+        <a:font script="Gujr" typeface="Shruti"/>
+        <a:font script="Khmr" typeface="MoolBoran"/>
+        <a:font script="Knda" typeface="Tunga"/>
+        <a:font script="Guru" typeface="Raavi"/>
+        <a:font script="Cans" typeface="Euphemia"/>
+        <a:font script="Cher" typeface="Plantagenet Cherokee"/>
+        <a:font script="Yiii" typeface="Microsoft Yi Baiti"/>
+        <a:font script="Tibt" typeface="Microsoft Himalaya"/>
+        <a:font script="Thaa" typeface="MV Boli"/>
+        <a:font script="Deva" typeface="Mangal"/>
+        <a:font script="Telu" typeface="Gautami"/>
+        <a:font script="Taml" typeface="Latha"/>
+        <a:font script="Syrc" typeface="Estrangelo Edessa"/>
+        <a:font script="Orya" typeface="Kalinga"/>
+        <a:font script="Mlym" typeface="Kartika"/>
+        <a:font script="Laoo" typeface="DokChampa"/>
+        <a:font script="Sinh" typeface="Iskoola Pota"/>
+        <a:font script="Mong" typeface="Mongolian Baiti"/>
+        <a:font script="Viet" typeface="Times New Roman"/>
+        <a:font script="Uigh" typeface="Microsoft Uighur"/>
+        <a:font script="Geor" typeface="Sylfaen"/>
+      </a:majorFont>
+      <a:minorFont>
+        <a:latin typeface="Arial"/>
+        <a:ea typeface=""/>
+        <a:cs typeface=""/>
+        <a:font script="Jpan" typeface="ＭＳ Ｐゴシック"/>
+        <a:font script="Hang" typeface="맑은 고딕"/>
+        <a:font script="Hans" typeface="宋体"/>
+        <a:font script="Hant" typeface="新細明體"/>
+        <a:font script="Arab" typeface="Arial"/>
+        <a:font script="Hebr" typeface="Arial"/>
+        <a:font script="Thai" typeface="Cordia New"/>
+        <a:font script="Ethi" typeface="Nyala"/>
+        <a:font script="Beng" typeface="Vrinda"/>
+        <a:font script="Gujr" typeface="Shruti"/>
+        <a:font script="Khmr" typeface="DaunPenh"/>
+        <a:font script="Knda" typeface="Tunga"/>
+        <a:font script="Guru" typeface="Raavi"/>
+        <a:font script="Cans" typeface="Euphemia"/>
+        <a:font script="Cher" typeface="Plantagenet Cherokee"/>
+        <a:font script="Yiii" typeface="Microsoft Yi Baiti"/>
+        <a:font script="Tibt" typeface="Microsoft Himalaya"/>
+        <a:font script="Thaa" typeface="MV Boli"/>
+        <a:font script="Deva" typeface="Mangal"/>
+        <a:font script="Telu" typeface="Gautami"/>
+        <a:font script="Taml" typeface="Latha"/>
+        <a:font script="Syrc" typeface="Estrangelo Edessa"/>
+        <a:font script="Orya" typeface="Kalinga"/>
+        <a:font script="Mlym" typeface="Kartika"/>
+        <a:font script="Laoo" typeface="DokChampa"/>
+        <a:font script="Sinh" typeface="Iskoola Pota"/>
+        <a:font script="Mong" typeface="Mongolian Baiti"/>
+        <a:font script="Viet" typeface="Arial"/>
+        <a:font script="Uigh" typeface="Microsoft Uighur"/>
+        <a:font script="Geor" typeface="Sylfaen"/>
+      </a:minorFont>
+    </a:fontScheme>
+    <a:fmtScheme name="Office">
+      <a:fillStyleLst>
+        <a:solidFill>
+          <a:schemeClr val="phClr"/>
+        </a:solidFill>
+        <a:gradFill rotWithShape="1">
+          <a:gsLst>
+            <a:gs pos="0">
+              <a:schemeClr val="phClr">
+                <a:tint val="50000"/>
+                <a:satMod val="300000"/>
+              </a:schemeClr>
+            </a:gs>
+            <a:gs pos="35000">
+              <a:schemeClr val="phClr">
+                <a:tint val="37000"/>
+                <a:satMod val="300000"/>
+              </a:schemeClr>
+            </a:gs>
+            <a:gs pos="100000">
+              <a:schemeClr val="phClr">
+                <a:tint val="15000"/>
+                <a:satMod val="350000"/>
+              </a:schemeClr>
+            </a:gs>
+          </a:gsLst>
+          <a:lin ang="16200000" scaled="1"/>
+        </a:gradFill>
+        <a:gradFill rotWithShape="1">
+          <a:gsLst>
+            <a:gs pos="0">
+              <a:schemeClr val="phClr">
+                <a:tint val="100000"/>
+                <a:shade val="100000"/>
+                <a:satMod val="130000"/>
+              </a:schemeClr>
+            </a:gs>
+            <a:gs pos="100000">
+              <a:schemeClr val="phClr">
+                <a:tint val="50000"/>
+                <a:shade val="100000"/>
+                <a:satMod val="350000"/>
+              </a:schemeClr>
+            </a:gs>
+          </a:gsLst>
+          <a:lin ang="16200000" scaled="0"/>
+        </a:gradFill>
+      </a:fillStyleLst>
+      <a:lnStyleLst>
+        <a:ln w="9525" cap="flat" cmpd="sng" algn="ctr">
+          <a:solidFill>
+            <a:schemeClr val="phClr">
+              <a:shade val="95000"/>
+              <a:satMod val="105000"/>
+            </a:schemeClr>
+          </a:solidFill>
+          <a:prstDash val="solid"/>
+        </a:ln>
+        <a:ln w="25400" cap="flat" cmpd="sng" algn="ctr">
+          <a:solidFill>
+            <a:schemeClr val="phClr"/>
+          </a:solidFill>
+          <a:prstDash val="solid"/>
+        </a:ln>
+        <a:ln w="38100" cap="flat" cmpd="sng" algn="ctr">
+          <a:solidFill>
+            <a:schemeClr val="phClr"/>
+          </a:solidFill>
+          <a:prstDash val="solid"/>
+        </a:ln>
+      </a:lnStyleLst>
+      <a:effectStyleLst>
+        <a:effectStyle>
+          <a:effectLst>
+            <a:outerShdw blurRad="40000" dist="20000" dir="5400000" rotWithShape="0">
+              <a:srgbClr val="000000">
+                <a:alpha val="38000"/>
+              </a:srgbClr>
+            </a:outerShdw>
+          </a:effectLst>
+        </a:effectStyle>
+        <a:effectStyle>
+          <a:effectLst>
+            <a:outerShdw blurRad="40000" dist="23000" dir="5400000" rotWithShape="0">
+              <a:srgbClr val="000000">
+                <a:alpha val="35000"/>
+              </a:srgbClr>
+            </a:outerShdw>
+          </a:effectLst>
+        </a:effectStyle>
+        <a:effectStyle>
+          <a:effectLst>
+            <a:outerShdw blurRad="40000" dist="23000" dir="5400000" rotWithShape="0">
+              <a:srgbClr val="000000">
+                <a:alpha val="35000"/>
+              </a:srgbClr>
+            </a:outerShdw>
+          </a:effectLst>
+          <a:scene3d>
+            <a:camera prst="orthographicFront">
+              <a:rot lat="0" lon="0" rev="0"/>
+            </a:camera>
+            <a:lightRig rig="threePt" dir="t">
+              <a:rot lat="0" lon="0" rev="1200000"/>
+            </a:lightRig>
+          </a:scene3d>
+          <a:sp3d>
+            <a:bevelT w="63500" h="25400"/>
+          </a:sp3d>
+        </a:effectStyle>
+      </a:effectStyleLst>
+      <a:bgFillStyleLst>
+        <a:solidFill>
+          <a:schemeClr val="phClr"/>
+        </a:solidFill>
+        <a:gradFill rotWithShape="1">
+          <a:gsLst>
+            <a:gs pos="0">
+              <a:schemeClr val="phClr">
+                <a:tint val="40000"/>
+                <a:satMod val="350000"/>
+              </a:schemeClr>
+            </a:gs>
+            <a:gs pos="40000">
+              <a:schemeClr val="phClr">
+                <a:tint val="45000"/>
+                <a:shade val="99000"/>
+                <a:satMod val="350000"/>
+              </a:schemeClr>
+            </a:gs>
+            <a:gs pos="100000">
+              <a:schemeClr val="phClr">
+                <a:shade val="20000"/>
+                <a:satMod val="255000"/>
+              </a:schemeClr>
+            </a:gs>
+          </a:gsLst>
+          <a:path path="circle">
+            <a:fillToRect l="50000" t="-80000" r="50000" b="180000"/>
+          </a:path>
+        </a:gradFill>
+        <a:gradFill rotWithShape="1">
+          <a:gsLst>
+            <a:gs pos="0">
+              <a:schemeClr val="phClr">
+                <a:tint val="80000"/>
+                <a:satMod val="300000"/>
+              </a:schemeClr>
+            </a:gs>
+            <a:gs pos="100000">
+              <a:schemeClr val="phClr">
+                <a:shade val="30000"/>
+                <a:satMod val="200000"/>
+              </a:schemeClr>
+            </a:gs>
+          </a:gsLst>
+          <a:path path="circle">
+            <a:fillToRect l="50000" t="50000" r="50000" b="50000"/>
+          </a:path>
+        </a:gradFill>
+      </a:bgFillStyleLst>
+    </a:fmtScheme>
+  </a:themeElements>
+  <a:objectDefaults/>
+  <a:extraClrSchemeLst/>
+</a:theme>
+</file>
+
+<file path=ppt/theme/theme2.xml><?xml version="1.0" encoding="utf-8"?>
+<a:theme xmlns:a="http://schemas.openxmlformats.org/drawingml/2006/main">
   <a:themeElements>
     <a:clrScheme name="Default">
       <a:dk1>
@@ -11819,284 +12502,7 @@
       </a:bgFillStyleLst>
     </a:fmtScheme>
   </a:themeElements>
-</a:theme>
-</file>
-
-<file path=ppt/theme/theme2.xml><?xml version="1.0" encoding="utf-8"?>
-<a:theme xmlns:a="http://schemas.openxmlformats.org/drawingml/2006/main" xmlns:r="http://schemas.openxmlformats.org/officeDocument/2006/relationships" name="Simple Light">
-  <a:themeElements>
-    <a:clrScheme name="Simple Light">
-      <a:dk1>
-        <a:srgbClr val="000000"/>
-      </a:dk1>
-      <a:lt1>
-        <a:srgbClr val="FFFFFF"/>
-      </a:lt1>
-      <a:dk2>
-        <a:srgbClr val="595959"/>
-      </a:dk2>
-      <a:lt2>
-        <a:srgbClr val="EEEEEE"/>
-      </a:lt2>
-      <a:accent1>
-        <a:srgbClr val="FFAB40"/>
-      </a:accent1>
-      <a:accent2>
-        <a:srgbClr val="212121"/>
-      </a:accent2>
-      <a:accent3>
-        <a:srgbClr val="78909C"/>
-      </a:accent3>
-      <a:accent4>
-        <a:srgbClr val="FFAB40"/>
-      </a:accent4>
-      <a:accent5>
-        <a:srgbClr val="0097A7"/>
-      </a:accent5>
-      <a:accent6>
-        <a:srgbClr val="EEFF41"/>
-      </a:accent6>
-      <a:hlink>
-        <a:srgbClr val="0097A7"/>
-      </a:hlink>
-      <a:folHlink>
-        <a:srgbClr val="0097A7"/>
-      </a:folHlink>
-    </a:clrScheme>
-    <a:fontScheme name="Office">
-      <a:majorFont>
-        <a:latin typeface="Arial"/>
-        <a:ea typeface=""/>
-        <a:cs typeface=""/>
-        <a:font script="Jpan" typeface="ＭＳ Ｐゴシック"/>
-        <a:font script="Hang" typeface="맑은 고딕"/>
-        <a:font script="Hans" typeface="宋体"/>
-        <a:font script="Hant" typeface="新細明體"/>
-        <a:font script="Arab" typeface="Times New Roman"/>
-        <a:font script="Hebr" typeface="Times New Roman"/>
-        <a:font script="Thai" typeface="Angsana New"/>
-        <a:font script="Ethi" typeface="Nyala"/>
-        <a:font script="Beng" typeface="Vrinda"/>
-        <a:font script="Gujr" typeface="Shruti"/>
-        <a:font script="Khmr" typeface="MoolBoran"/>
-        <a:font script="Knda" typeface="Tunga"/>
-        <a:font script="Guru" typeface="Raavi"/>
-        <a:font script="Cans" typeface="Euphemia"/>
-        <a:font script="Cher" typeface="Plantagenet Cherokee"/>
-        <a:font script="Yiii" typeface="Microsoft Yi Baiti"/>
-        <a:font script="Tibt" typeface="Microsoft Himalaya"/>
-        <a:font script="Thaa" typeface="MV Boli"/>
-        <a:font script="Deva" typeface="Mangal"/>
-        <a:font script="Telu" typeface="Gautami"/>
-        <a:font script="Taml" typeface="Latha"/>
-        <a:font script="Syrc" typeface="Estrangelo Edessa"/>
-        <a:font script="Orya" typeface="Kalinga"/>
-        <a:font script="Mlym" typeface="Kartika"/>
-        <a:font script="Laoo" typeface="DokChampa"/>
-        <a:font script="Sinh" typeface="Iskoola Pota"/>
-        <a:font script="Mong" typeface="Mongolian Baiti"/>
-        <a:font script="Viet" typeface="Times New Roman"/>
-        <a:font script="Uigh" typeface="Microsoft Uighur"/>
-        <a:font script="Geor" typeface="Sylfaen"/>
-      </a:majorFont>
-      <a:minorFont>
-        <a:latin typeface="Arial"/>
-        <a:ea typeface=""/>
-        <a:cs typeface=""/>
-        <a:font script="Jpan" typeface="ＭＳ Ｐゴシック"/>
-        <a:font script="Hang" typeface="맑은 고딕"/>
-        <a:font script="Hans" typeface="宋体"/>
-        <a:font script="Hant" typeface="新細明體"/>
-        <a:font script="Arab" typeface="Arial"/>
-        <a:font script="Hebr" typeface="Arial"/>
-        <a:font script="Thai" typeface="Cordia New"/>
-        <a:font script="Ethi" typeface="Nyala"/>
-        <a:font script="Beng" typeface="Vrinda"/>
-        <a:font script="Gujr" typeface="Shruti"/>
-        <a:font script="Khmr" typeface="DaunPenh"/>
-        <a:font script="Knda" typeface="Tunga"/>
-        <a:font script="Guru" typeface="Raavi"/>
-        <a:font script="Cans" typeface="Euphemia"/>
-        <a:font script="Cher" typeface="Plantagenet Cherokee"/>
-        <a:font script="Yiii" typeface="Microsoft Yi Baiti"/>
-        <a:font script="Tibt" typeface="Microsoft Himalaya"/>
-        <a:font script="Thaa" typeface="MV Boli"/>
-        <a:font script="Deva" typeface="Mangal"/>
-        <a:font script="Telu" typeface="Gautami"/>
-        <a:font script="Taml" typeface="Latha"/>
-        <a:font script="Syrc" typeface="Estrangelo Edessa"/>
-        <a:font script="Orya" typeface="Kalinga"/>
-        <a:font script="Mlym" typeface="Kartika"/>
-        <a:font script="Laoo" typeface="DokChampa"/>
-        <a:font script="Sinh" typeface="Iskoola Pota"/>
-        <a:font script="Mong" typeface="Mongolian Baiti"/>
-        <a:font script="Viet" typeface="Arial"/>
-        <a:font script="Uigh" typeface="Microsoft Uighur"/>
-        <a:font script="Geor" typeface="Sylfaen"/>
-      </a:minorFont>
-    </a:fontScheme>
-    <a:fmtScheme name="Office">
-      <a:fillStyleLst>
-        <a:solidFill>
-          <a:schemeClr val="phClr"/>
-        </a:solidFill>
-        <a:gradFill rotWithShape="1">
-          <a:gsLst>
-            <a:gs pos="0">
-              <a:schemeClr val="phClr">
-                <a:tint val="50000"/>
-                <a:satMod val="300000"/>
-              </a:schemeClr>
-            </a:gs>
-            <a:gs pos="35000">
-              <a:schemeClr val="phClr">
-                <a:tint val="37000"/>
-                <a:satMod val="300000"/>
-              </a:schemeClr>
-            </a:gs>
-            <a:gs pos="100000">
-              <a:schemeClr val="phClr">
-                <a:tint val="15000"/>
-                <a:satMod val="350000"/>
-              </a:schemeClr>
-            </a:gs>
-          </a:gsLst>
-          <a:lin ang="16200000" scaled="1"/>
-        </a:gradFill>
-        <a:gradFill rotWithShape="1">
-          <a:gsLst>
-            <a:gs pos="0">
-              <a:schemeClr val="phClr">
-                <a:tint val="100000"/>
-                <a:shade val="100000"/>
-                <a:satMod val="130000"/>
-              </a:schemeClr>
-            </a:gs>
-            <a:gs pos="100000">
-              <a:schemeClr val="phClr">
-                <a:tint val="50000"/>
-                <a:shade val="100000"/>
-                <a:satMod val="350000"/>
-              </a:schemeClr>
-            </a:gs>
-          </a:gsLst>
-          <a:lin ang="16200000" scaled="0"/>
-        </a:gradFill>
-      </a:fillStyleLst>
-      <a:lnStyleLst>
-        <a:ln w="9525" cap="flat" cmpd="sng" algn="ctr">
-          <a:solidFill>
-            <a:schemeClr val="phClr">
-              <a:shade val="95000"/>
-              <a:satMod val="105000"/>
-            </a:schemeClr>
-          </a:solidFill>
-          <a:prstDash val="solid"/>
-        </a:ln>
-        <a:ln w="25400" cap="flat" cmpd="sng" algn="ctr">
-          <a:solidFill>
-            <a:schemeClr val="phClr"/>
-          </a:solidFill>
-          <a:prstDash val="solid"/>
-        </a:ln>
-        <a:ln w="38100" cap="flat" cmpd="sng" algn="ctr">
-          <a:solidFill>
-            <a:schemeClr val="phClr"/>
-          </a:solidFill>
-          <a:prstDash val="solid"/>
-        </a:ln>
-      </a:lnStyleLst>
-      <a:effectStyleLst>
-        <a:effectStyle>
-          <a:effectLst>
-            <a:outerShdw blurRad="40000" dist="20000" dir="5400000" rotWithShape="0">
-              <a:srgbClr val="000000">
-                <a:alpha val="38000"/>
-              </a:srgbClr>
-            </a:outerShdw>
-          </a:effectLst>
-        </a:effectStyle>
-        <a:effectStyle>
-          <a:effectLst>
-            <a:outerShdw blurRad="40000" dist="23000" dir="5400000" rotWithShape="0">
-              <a:srgbClr val="000000">
-                <a:alpha val="35000"/>
-              </a:srgbClr>
-            </a:outerShdw>
-          </a:effectLst>
-        </a:effectStyle>
-        <a:effectStyle>
-          <a:effectLst>
-            <a:outerShdw blurRad="40000" dist="23000" dir="5400000" rotWithShape="0">
-              <a:srgbClr val="000000">
-                <a:alpha val="35000"/>
-              </a:srgbClr>
-            </a:outerShdw>
-          </a:effectLst>
-          <a:scene3d>
-            <a:camera prst="orthographicFront">
-              <a:rot lat="0" lon="0" rev="0"/>
-            </a:camera>
-            <a:lightRig rig="threePt" dir="t">
-              <a:rot lat="0" lon="0" rev="1200000"/>
-            </a:lightRig>
-          </a:scene3d>
-          <a:sp3d>
-            <a:bevelT w="63500" h="25400"/>
-          </a:sp3d>
-        </a:effectStyle>
-      </a:effectStyleLst>
-      <a:bgFillStyleLst>
-        <a:solidFill>
-          <a:schemeClr val="phClr"/>
-        </a:solidFill>
-        <a:gradFill rotWithShape="1">
-          <a:gsLst>
-            <a:gs pos="0">
-              <a:schemeClr val="phClr">
-                <a:tint val="40000"/>
-                <a:satMod val="350000"/>
-              </a:schemeClr>
-            </a:gs>
-            <a:gs pos="40000">
-              <a:schemeClr val="phClr">
-                <a:tint val="45000"/>
-                <a:shade val="99000"/>
-                <a:satMod val="350000"/>
-              </a:schemeClr>
-            </a:gs>
-            <a:gs pos="100000">
-              <a:schemeClr val="phClr">
-                <a:shade val="20000"/>
-                <a:satMod val="255000"/>
-              </a:schemeClr>
-            </a:gs>
-          </a:gsLst>
-          <a:path path="circle">
-            <a:fillToRect l="50000" t="-80000" r="50000" b="180000"/>
-          </a:path>
-        </a:gradFill>
-        <a:gradFill rotWithShape="1">
-          <a:gsLst>
-            <a:gs pos="0">
-              <a:schemeClr val="phClr">
-                <a:tint val="80000"/>
-                <a:satMod val="300000"/>
-              </a:schemeClr>
-            </a:gs>
-            <a:gs pos="100000">
-              <a:schemeClr val="phClr">
-                <a:shade val="30000"/>
-                <a:satMod val="200000"/>
-              </a:schemeClr>
-            </a:gs>
-          </a:gsLst>
-          <a:path path="circle">
-            <a:fillToRect l="50000" t="50000" r="50000" b="50000"/>
-          </a:path>
-        </a:gradFill>
-      </a:bgFillStyleLst>
-    </a:fmtScheme>
-  </a:themeElements>
+  <a:objectDefaults/>
+  <a:extraClrSchemeLst/>
 </a:theme>
 </file>